--- a/Slides/Mentor-mentee recommendation system.pptx
+++ b/Slides/Mentor-mentee recommendation system.pptx
@@ -6,16 +6,21 @@
   </p:sldMasterIdLst>
   <p:sldIdLst>
     <p:sldId id="256" r:id="rId2"/>
-    <p:sldId id="257" r:id="rId3"/>
-    <p:sldId id="258" r:id="rId4"/>
-    <p:sldId id="259" r:id="rId5"/>
-    <p:sldId id="260" r:id="rId6"/>
-    <p:sldId id="261" r:id="rId7"/>
-    <p:sldId id="264" r:id="rId8"/>
-    <p:sldId id="265" r:id="rId9"/>
-    <p:sldId id="262" r:id="rId10"/>
-    <p:sldId id="266" r:id="rId11"/>
-    <p:sldId id="263" r:id="rId12"/>
+    <p:sldId id="267" r:id="rId3"/>
+    <p:sldId id="257" r:id="rId4"/>
+    <p:sldId id="258" r:id="rId5"/>
+    <p:sldId id="259" r:id="rId6"/>
+    <p:sldId id="260" r:id="rId7"/>
+    <p:sldId id="261" r:id="rId8"/>
+    <p:sldId id="264" r:id="rId9"/>
+    <p:sldId id="265" r:id="rId10"/>
+    <p:sldId id="269" r:id="rId11"/>
+    <p:sldId id="262" r:id="rId12"/>
+    <p:sldId id="266" r:id="rId13"/>
+    <p:sldId id="271" r:id="rId14"/>
+    <p:sldId id="270" r:id="rId15"/>
+    <p:sldId id="263" r:id="rId16"/>
+    <p:sldId id="268" r:id="rId17"/>
   </p:sldIdLst>
   <p:sldSz cx="12192000" cy="6858000"/>
   <p:notesSz cx="6858000" cy="9144000"/>
@@ -114,7 +119,1828 @@
       </a:defRPr>
     </a:lvl9pPr>
   </p:defaultTextStyle>
+  <p:extLst>
+    <p:ext uri="{EFAFB233-063F-42B5-8137-9DF3F51BA10A}">
+      <p15:sldGuideLst xmlns:p15="http://schemas.microsoft.com/office/powerpoint/2012/main"/>
+    </p:ext>
+  </p:extLst>
 </p:presentation>
+</file>
+
+<file path=ppt/charts/chart1.xml><?xml version="1.0" encoding="utf-8"?>
+<c:chartSpace xmlns:c="http://schemas.openxmlformats.org/drawingml/2006/chart" xmlns:a="http://schemas.openxmlformats.org/drawingml/2006/main" xmlns:r="http://schemas.openxmlformats.org/officeDocument/2006/relationships" xmlns:c16r2="http://schemas.microsoft.com/office/drawing/2015/06/chart">
+  <c:date1904 val="0"/>
+  <c:lang val="en-US"/>
+  <c:roundedCorners val="0"/>
+  <mc:AlternateContent xmlns:mc="http://schemas.openxmlformats.org/markup-compatibility/2006">
+    <mc:Choice xmlns:c14="http://schemas.microsoft.com/office/drawing/2007/8/2/chart" Requires="c14">
+      <c14:style val="102"/>
+    </mc:Choice>
+    <mc:Fallback>
+      <c:style val="2"/>
+    </mc:Fallback>
+  </mc:AlternateContent>
+  <c:chart>
+    <c:title>
+      <c:overlay val="0"/>
+      <c:spPr>
+        <a:noFill/>
+        <a:ln>
+          <a:noFill/>
+        </a:ln>
+        <a:effectLst/>
+      </c:spPr>
+      <c:txPr>
+        <a:bodyPr rot="0" spcFirstLastPara="1" vertOverflow="ellipsis" vert="horz" wrap="square" anchor="ctr" anchorCtr="1"/>
+        <a:lstStyle/>
+        <a:p>
+          <a:pPr>
+            <a:defRPr sz="1400" b="0" i="0" u="none" strike="noStrike" kern="1200" spc="0" baseline="0">
+              <a:solidFill>
+                <a:schemeClr val="tx1">
+                  <a:lumMod val="65000"/>
+                  <a:lumOff val="35000"/>
+                </a:schemeClr>
+              </a:solidFill>
+              <a:latin typeface="+mn-lt"/>
+              <a:ea typeface="+mn-ea"/>
+              <a:cs typeface="+mn-cs"/>
+            </a:defRPr>
+          </a:pPr>
+          <a:endParaRPr lang="fr-FR"/>
+        </a:p>
+      </c:txPr>
+    </c:title>
+    <c:autoTitleDeleted val="0"/>
+    <c:plotArea>
+      <c:layout/>
+      <c:scatterChart>
+        <c:scatterStyle val="smoothMarker"/>
+        <c:varyColors val="0"/>
+        <c:ser>
+          <c:idx val="0"/>
+          <c:order val="0"/>
+          <c:tx>
+            <c:strRef>
+              <c:f>Sheet6!$D$1</c:f>
+              <c:strCache>
+                <c:ptCount val="1"/>
+                <c:pt idx="0">
+                  <c:v>Perplexity</c:v>
+                </c:pt>
+              </c:strCache>
+            </c:strRef>
+          </c:tx>
+          <c:spPr>
+            <a:ln w="19050" cap="rnd">
+              <a:solidFill>
+                <a:schemeClr val="accent1"/>
+              </a:solidFill>
+              <a:round/>
+            </a:ln>
+            <a:effectLst/>
+          </c:spPr>
+          <c:marker>
+            <c:symbol val="circle"/>
+            <c:size val="5"/>
+            <c:spPr>
+              <a:solidFill>
+                <a:schemeClr val="accent1"/>
+              </a:solidFill>
+              <a:ln w="9525">
+                <a:solidFill>
+                  <a:schemeClr val="accent1"/>
+                </a:solidFill>
+              </a:ln>
+              <a:effectLst/>
+            </c:spPr>
+          </c:marker>
+          <c:xVal>
+            <c:numRef>
+              <c:f>Sheet6!$A$2:$A$16</c:f>
+              <c:numCache>
+                <c:formatCode>General</c:formatCode>
+                <c:ptCount val="15"/>
+                <c:pt idx="0">
+                  <c:v>3</c:v>
+                </c:pt>
+                <c:pt idx="1">
+                  <c:v>5</c:v>
+                </c:pt>
+                <c:pt idx="2">
+                  <c:v>7</c:v>
+                </c:pt>
+                <c:pt idx="3">
+                  <c:v>9</c:v>
+                </c:pt>
+                <c:pt idx="4">
+                  <c:v>11</c:v>
+                </c:pt>
+                <c:pt idx="5">
+                  <c:v>13</c:v>
+                </c:pt>
+                <c:pt idx="6">
+                  <c:v>15</c:v>
+                </c:pt>
+                <c:pt idx="7">
+                  <c:v>17</c:v>
+                </c:pt>
+                <c:pt idx="8">
+                  <c:v>19</c:v>
+                </c:pt>
+                <c:pt idx="9">
+                  <c:v>21</c:v>
+                </c:pt>
+                <c:pt idx="10">
+                  <c:v>23</c:v>
+                </c:pt>
+                <c:pt idx="11">
+                  <c:v>25</c:v>
+                </c:pt>
+                <c:pt idx="12">
+                  <c:v>27</c:v>
+                </c:pt>
+                <c:pt idx="13">
+                  <c:v>29</c:v>
+                </c:pt>
+                <c:pt idx="14">
+                  <c:v>31</c:v>
+                </c:pt>
+              </c:numCache>
+            </c:numRef>
+          </c:xVal>
+          <c:yVal>
+            <c:numRef>
+              <c:f>Sheet6!$D$2:$D$16</c:f>
+              <c:numCache>
+                <c:formatCode>General</c:formatCode>
+                <c:ptCount val="15"/>
+                <c:pt idx="0">
+                  <c:v>-9.6866488047299999</c:v>
+                </c:pt>
+                <c:pt idx="1">
+                  <c:v>-10.1002086863</c:v>
+                </c:pt>
+                <c:pt idx="2">
+                  <c:v>-10.424204614500001</c:v>
+                </c:pt>
+                <c:pt idx="3">
+                  <c:v>-10.7566952458</c:v>
+                </c:pt>
+                <c:pt idx="4">
+                  <c:v>-11.027485667000001</c:v>
+                </c:pt>
+                <c:pt idx="5">
+                  <c:v>-11.2738410754</c:v>
+                </c:pt>
+                <c:pt idx="6">
+                  <c:v>-11.531771318300001</c:v>
+                </c:pt>
+                <c:pt idx="7">
+                  <c:v>-11.757972559200001</c:v>
+                </c:pt>
+                <c:pt idx="8">
+                  <c:v>-11.983393136</c:v>
+                </c:pt>
+                <c:pt idx="9">
+                  <c:v>-12.226732437400001</c:v>
+                </c:pt>
+                <c:pt idx="10">
+                  <c:v>-12.467167570999999</c:v>
+                </c:pt>
+                <c:pt idx="11">
+                  <c:v>-12.6887323211</c:v>
+                </c:pt>
+                <c:pt idx="12">
+                  <c:v>-12.931780637099999</c:v>
+                </c:pt>
+                <c:pt idx="13">
+                  <c:v>-13.1385479722</c:v>
+                </c:pt>
+                <c:pt idx="14">
+                  <c:v>-13.369992268400001</c:v>
+                </c:pt>
+              </c:numCache>
+            </c:numRef>
+          </c:yVal>
+          <c:smooth val="1"/>
+          <c:extLst>
+            <c:ext xmlns:c16="http://schemas.microsoft.com/office/drawing/2014/chart" uri="{C3380CC4-5D6E-409C-BE32-E72D297353CC}">
+              <c16:uniqueId val="{00000000-3FDB-4B03-963F-2418F7298175}"/>
+            </c:ext>
+          </c:extLst>
+        </c:ser>
+        <c:dLbls>
+          <c:showLegendKey val="0"/>
+          <c:showVal val="0"/>
+          <c:showCatName val="0"/>
+          <c:showSerName val="0"/>
+          <c:showPercent val="0"/>
+          <c:showBubbleSize val="0"/>
+        </c:dLbls>
+        <c:axId val="558482048"/>
+        <c:axId val="558480736"/>
+      </c:scatterChart>
+      <c:valAx>
+        <c:axId val="558482048"/>
+        <c:scaling>
+          <c:orientation val="minMax"/>
+        </c:scaling>
+        <c:delete val="0"/>
+        <c:axPos val="b"/>
+        <c:majorGridlines>
+          <c:spPr>
+            <a:ln w="9525" cap="flat" cmpd="sng" algn="ctr">
+              <a:solidFill>
+                <a:schemeClr val="tx1">
+                  <a:lumMod val="15000"/>
+                  <a:lumOff val="85000"/>
+                </a:schemeClr>
+              </a:solidFill>
+              <a:round/>
+            </a:ln>
+            <a:effectLst/>
+          </c:spPr>
+        </c:majorGridlines>
+        <c:numFmt formatCode="General" sourceLinked="1"/>
+        <c:majorTickMark val="none"/>
+        <c:minorTickMark val="none"/>
+        <c:tickLblPos val="nextTo"/>
+        <c:spPr>
+          <a:noFill/>
+          <a:ln w="9525" cap="flat" cmpd="sng" algn="ctr">
+            <a:solidFill>
+              <a:schemeClr val="tx1">
+                <a:lumMod val="25000"/>
+                <a:lumOff val="75000"/>
+              </a:schemeClr>
+            </a:solidFill>
+            <a:round/>
+          </a:ln>
+          <a:effectLst/>
+        </c:spPr>
+        <c:txPr>
+          <a:bodyPr rot="-60000000" spcFirstLastPara="1" vertOverflow="ellipsis" vert="horz" wrap="square" anchor="ctr" anchorCtr="1"/>
+          <a:lstStyle/>
+          <a:p>
+            <a:pPr>
+              <a:defRPr sz="900" b="0" i="0" u="none" strike="noStrike" kern="1200" baseline="0">
+                <a:solidFill>
+                  <a:schemeClr val="tx1">
+                    <a:lumMod val="65000"/>
+                    <a:lumOff val="35000"/>
+                  </a:schemeClr>
+                </a:solidFill>
+                <a:latin typeface="+mn-lt"/>
+                <a:ea typeface="+mn-ea"/>
+                <a:cs typeface="+mn-cs"/>
+              </a:defRPr>
+            </a:pPr>
+            <a:endParaRPr lang="fr-FR"/>
+          </a:p>
+        </c:txPr>
+        <c:crossAx val="558480736"/>
+        <c:crosses val="autoZero"/>
+        <c:crossBetween val="midCat"/>
+      </c:valAx>
+      <c:valAx>
+        <c:axId val="558480736"/>
+        <c:scaling>
+          <c:orientation val="minMax"/>
+        </c:scaling>
+        <c:delete val="0"/>
+        <c:axPos val="l"/>
+        <c:majorGridlines>
+          <c:spPr>
+            <a:ln w="9525" cap="flat" cmpd="sng" algn="ctr">
+              <a:solidFill>
+                <a:schemeClr val="tx1">
+                  <a:lumMod val="15000"/>
+                  <a:lumOff val="85000"/>
+                </a:schemeClr>
+              </a:solidFill>
+              <a:round/>
+            </a:ln>
+            <a:effectLst/>
+          </c:spPr>
+        </c:majorGridlines>
+        <c:numFmt formatCode="General" sourceLinked="1"/>
+        <c:majorTickMark val="none"/>
+        <c:minorTickMark val="none"/>
+        <c:tickLblPos val="nextTo"/>
+        <c:spPr>
+          <a:noFill/>
+          <a:ln w="9525" cap="flat" cmpd="sng" algn="ctr">
+            <a:solidFill>
+              <a:schemeClr val="tx1">
+                <a:lumMod val="25000"/>
+                <a:lumOff val="75000"/>
+              </a:schemeClr>
+            </a:solidFill>
+            <a:round/>
+          </a:ln>
+          <a:effectLst/>
+        </c:spPr>
+        <c:txPr>
+          <a:bodyPr rot="-60000000" spcFirstLastPara="1" vertOverflow="ellipsis" vert="horz" wrap="square" anchor="ctr" anchorCtr="1"/>
+          <a:lstStyle/>
+          <a:p>
+            <a:pPr>
+              <a:defRPr sz="900" b="0" i="0" u="none" strike="noStrike" kern="1200" baseline="0">
+                <a:solidFill>
+                  <a:schemeClr val="tx1">
+                    <a:lumMod val="65000"/>
+                    <a:lumOff val="35000"/>
+                  </a:schemeClr>
+                </a:solidFill>
+                <a:latin typeface="+mn-lt"/>
+                <a:ea typeface="+mn-ea"/>
+                <a:cs typeface="+mn-cs"/>
+              </a:defRPr>
+            </a:pPr>
+            <a:endParaRPr lang="fr-FR"/>
+          </a:p>
+        </c:txPr>
+        <c:crossAx val="558482048"/>
+        <c:crosses val="autoZero"/>
+        <c:crossBetween val="midCat"/>
+      </c:valAx>
+      <c:spPr>
+        <a:noFill/>
+        <a:ln>
+          <a:noFill/>
+        </a:ln>
+        <a:effectLst/>
+      </c:spPr>
+    </c:plotArea>
+    <c:plotVisOnly val="1"/>
+    <c:dispBlanksAs val="gap"/>
+    <c:showDLblsOverMax val="0"/>
+  </c:chart>
+  <c:spPr>
+    <a:noFill/>
+    <a:ln>
+      <a:noFill/>
+    </a:ln>
+    <a:effectLst/>
+  </c:spPr>
+  <c:txPr>
+    <a:bodyPr/>
+    <a:lstStyle/>
+    <a:p>
+      <a:pPr>
+        <a:defRPr/>
+      </a:pPr>
+      <a:endParaRPr lang="fr-FR"/>
+    </a:p>
+  </c:txPr>
+  <c:externalData r:id="rId3">
+    <c:autoUpdate val="0"/>
+  </c:externalData>
+</c:chartSpace>
+</file>
+
+<file path=ppt/charts/chart2.xml><?xml version="1.0" encoding="utf-8"?>
+<c:chartSpace xmlns:c="http://schemas.openxmlformats.org/drawingml/2006/chart" xmlns:a="http://schemas.openxmlformats.org/drawingml/2006/main" xmlns:r="http://schemas.openxmlformats.org/officeDocument/2006/relationships" xmlns:c16r2="http://schemas.microsoft.com/office/drawing/2015/06/chart">
+  <c:date1904 val="0"/>
+  <c:lang val="en-US"/>
+  <c:roundedCorners val="0"/>
+  <mc:AlternateContent xmlns:mc="http://schemas.openxmlformats.org/markup-compatibility/2006">
+    <mc:Choice xmlns:c14="http://schemas.microsoft.com/office/drawing/2007/8/2/chart" Requires="c14">
+      <c14:style val="102"/>
+    </mc:Choice>
+    <mc:Fallback>
+      <c:style val="2"/>
+    </mc:Fallback>
+  </mc:AlternateContent>
+  <c:chart>
+    <c:title>
+      <c:overlay val="0"/>
+      <c:spPr>
+        <a:noFill/>
+        <a:ln>
+          <a:noFill/>
+        </a:ln>
+        <a:effectLst/>
+      </c:spPr>
+      <c:txPr>
+        <a:bodyPr rot="0" spcFirstLastPara="1" vertOverflow="ellipsis" vert="horz" wrap="square" anchor="ctr" anchorCtr="1"/>
+        <a:lstStyle/>
+        <a:p>
+          <a:pPr>
+            <a:defRPr sz="1400" b="0" i="0" u="none" strike="noStrike" kern="1200" spc="0" baseline="0">
+              <a:solidFill>
+                <a:schemeClr val="tx1">
+                  <a:lumMod val="65000"/>
+                  <a:lumOff val="35000"/>
+                </a:schemeClr>
+              </a:solidFill>
+              <a:latin typeface="+mn-lt"/>
+              <a:ea typeface="+mn-ea"/>
+              <a:cs typeface="+mn-cs"/>
+            </a:defRPr>
+          </a:pPr>
+          <a:endParaRPr lang="fr-FR"/>
+        </a:p>
+      </c:txPr>
+    </c:title>
+    <c:autoTitleDeleted val="0"/>
+    <c:plotArea>
+      <c:layout/>
+      <c:scatterChart>
+        <c:scatterStyle val="smoothMarker"/>
+        <c:varyColors val="0"/>
+        <c:ser>
+          <c:idx val="0"/>
+          <c:order val="0"/>
+          <c:tx>
+            <c:strRef>
+              <c:f>Sheet6!$B$1</c:f>
+              <c:strCache>
+                <c:ptCount val="1"/>
+                <c:pt idx="0">
+                  <c:v>Nb_relevant</c:v>
+                </c:pt>
+              </c:strCache>
+            </c:strRef>
+          </c:tx>
+          <c:spPr>
+            <a:ln w="19050" cap="rnd">
+              <a:solidFill>
+                <a:schemeClr val="accent1"/>
+              </a:solidFill>
+              <a:round/>
+            </a:ln>
+            <a:effectLst/>
+          </c:spPr>
+          <c:marker>
+            <c:symbol val="circle"/>
+            <c:size val="5"/>
+            <c:spPr>
+              <a:solidFill>
+                <a:schemeClr val="accent1"/>
+              </a:solidFill>
+              <a:ln w="9525">
+                <a:solidFill>
+                  <a:schemeClr val="accent1"/>
+                </a:solidFill>
+              </a:ln>
+              <a:effectLst/>
+            </c:spPr>
+          </c:marker>
+          <c:xVal>
+            <c:numRef>
+              <c:f>Sheet6!$A$2:$A$9</c:f>
+              <c:numCache>
+                <c:formatCode>General</c:formatCode>
+                <c:ptCount val="8"/>
+                <c:pt idx="0">
+                  <c:v>3</c:v>
+                </c:pt>
+                <c:pt idx="1">
+                  <c:v>5</c:v>
+                </c:pt>
+                <c:pt idx="2">
+                  <c:v>7</c:v>
+                </c:pt>
+                <c:pt idx="3">
+                  <c:v>9</c:v>
+                </c:pt>
+                <c:pt idx="4">
+                  <c:v>11</c:v>
+                </c:pt>
+                <c:pt idx="5">
+                  <c:v>13</c:v>
+                </c:pt>
+                <c:pt idx="6">
+                  <c:v>15</c:v>
+                </c:pt>
+                <c:pt idx="7">
+                  <c:v>17</c:v>
+                </c:pt>
+              </c:numCache>
+            </c:numRef>
+          </c:xVal>
+          <c:yVal>
+            <c:numRef>
+              <c:f>Sheet6!$B$2:$B$9</c:f>
+              <c:numCache>
+                <c:formatCode>General</c:formatCode>
+                <c:ptCount val="8"/>
+                <c:pt idx="0">
+                  <c:v>2</c:v>
+                </c:pt>
+                <c:pt idx="1">
+                  <c:v>2</c:v>
+                </c:pt>
+                <c:pt idx="2">
+                  <c:v>5</c:v>
+                </c:pt>
+                <c:pt idx="3">
+                  <c:v>4</c:v>
+                </c:pt>
+                <c:pt idx="4">
+                  <c:v>4</c:v>
+                </c:pt>
+                <c:pt idx="5">
+                  <c:v>7</c:v>
+                </c:pt>
+                <c:pt idx="6">
+                  <c:v>7</c:v>
+                </c:pt>
+                <c:pt idx="7">
+                  <c:v>6</c:v>
+                </c:pt>
+              </c:numCache>
+            </c:numRef>
+          </c:yVal>
+          <c:smooth val="1"/>
+          <c:extLst>
+            <c:ext xmlns:c16="http://schemas.microsoft.com/office/drawing/2014/chart" uri="{C3380CC4-5D6E-409C-BE32-E72D297353CC}">
+              <c16:uniqueId val="{00000000-7815-4BE6-AFA9-C1ECBBD0D7B4}"/>
+            </c:ext>
+          </c:extLst>
+        </c:ser>
+        <c:dLbls>
+          <c:showLegendKey val="0"/>
+          <c:showVal val="0"/>
+          <c:showCatName val="0"/>
+          <c:showSerName val="0"/>
+          <c:showPercent val="0"/>
+          <c:showBubbleSize val="0"/>
+        </c:dLbls>
+        <c:axId val="322418208"/>
+        <c:axId val="322422472"/>
+      </c:scatterChart>
+      <c:valAx>
+        <c:axId val="322418208"/>
+        <c:scaling>
+          <c:orientation val="minMax"/>
+        </c:scaling>
+        <c:delete val="0"/>
+        <c:axPos val="b"/>
+        <c:majorGridlines>
+          <c:spPr>
+            <a:ln w="9525" cap="flat" cmpd="sng" algn="ctr">
+              <a:solidFill>
+                <a:schemeClr val="tx1">
+                  <a:lumMod val="15000"/>
+                  <a:lumOff val="85000"/>
+                </a:schemeClr>
+              </a:solidFill>
+              <a:round/>
+            </a:ln>
+            <a:effectLst/>
+          </c:spPr>
+        </c:majorGridlines>
+        <c:numFmt formatCode="General" sourceLinked="1"/>
+        <c:majorTickMark val="none"/>
+        <c:minorTickMark val="none"/>
+        <c:tickLblPos val="nextTo"/>
+        <c:spPr>
+          <a:noFill/>
+          <a:ln w="9525" cap="flat" cmpd="sng" algn="ctr">
+            <a:solidFill>
+              <a:schemeClr val="tx1">
+                <a:lumMod val="25000"/>
+                <a:lumOff val="75000"/>
+              </a:schemeClr>
+            </a:solidFill>
+            <a:round/>
+          </a:ln>
+          <a:effectLst/>
+        </c:spPr>
+        <c:txPr>
+          <a:bodyPr rot="-60000000" spcFirstLastPara="1" vertOverflow="ellipsis" vert="horz" wrap="square" anchor="ctr" anchorCtr="1"/>
+          <a:lstStyle/>
+          <a:p>
+            <a:pPr>
+              <a:defRPr sz="900" b="0" i="0" u="none" strike="noStrike" kern="1200" baseline="0">
+                <a:solidFill>
+                  <a:schemeClr val="tx1">
+                    <a:lumMod val="65000"/>
+                    <a:lumOff val="35000"/>
+                  </a:schemeClr>
+                </a:solidFill>
+                <a:latin typeface="+mn-lt"/>
+                <a:ea typeface="+mn-ea"/>
+                <a:cs typeface="+mn-cs"/>
+              </a:defRPr>
+            </a:pPr>
+            <a:endParaRPr lang="fr-FR"/>
+          </a:p>
+        </c:txPr>
+        <c:crossAx val="322422472"/>
+        <c:crosses val="autoZero"/>
+        <c:crossBetween val="midCat"/>
+      </c:valAx>
+      <c:valAx>
+        <c:axId val="322422472"/>
+        <c:scaling>
+          <c:orientation val="minMax"/>
+        </c:scaling>
+        <c:delete val="0"/>
+        <c:axPos val="l"/>
+        <c:majorGridlines>
+          <c:spPr>
+            <a:ln w="9525" cap="flat" cmpd="sng" algn="ctr">
+              <a:solidFill>
+                <a:schemeClr val="tx1">
+                  <a:lumMod val="15000"/>
+                  <a:lumOff val="85000"/>
+                </a:schemeClr>
+              </a:solidFill>
+              <a:round/>
+            </a:ln>
+            <a:effectLst/>
+          </c:spPr>
+        </c:majorGridlines>
+        <c:numFmt formatCode="General" sourceLinked="1"/>
+        <c:majorTickMark val="none"/>
+        <c:minorTickMark val="none"/>
+        <c:tickLblPos val="nextTo"/>
+        <c:spPr>
+          <a:noFill/>
+          <a:ln w="9525" cap="flat" cmpd="sng" algn="ctr">
+            <a:solidFill>
+              <a:schemeClr val="tx1">
+                <a:lumMod val="25000"/>
+                <a:lumOff val="75000"/>
+              </a:schemeClr>
+            </a:solidFill>
+            <a:round/>
+          </a:ln>
+          <a:effectLst/>
+        </c:spPr>
+        <c:txPr>
+          <a:bodyPr rot="-60000000" spcFirstLastPara="1" vertOverflow="ellipsis" vert="horz" wrap="square" anchor="ctr" anchorCtr="1"/>
+          <a:lstStyle/>
+          <a:p>
+            <a:pPr>
+              <a:defRPr sz="900" b="0" i="0" u="none" strike="noStrike" kern="1200" baseline="0">
+                <a:solidFill>
+                  <a:schemeClr val="tx1">
+                    <a:lumMod val="65000"/>
+                    <a:lumOff val="35000"/>
+                  </a:schemeClr>
+                </a:solidFill>
+                <a:latin typeface="+mn-lt"/>
+                <a:ea typeface="+mn-ea"/>
+                <a:cs typeface="+mn-cs"/>
+              </a:defRPr>
+            </a:pPr>
+            <a:endParaRPr lang="fr-FR"/>
+          </a:p>
+        </c:txPr>
+        <c:crossAx val="322418208"/>
+        <c:crosses val="autoZero"/>
+        <c:crossBetween val="midCat"/>
+      </c:valAx>
+      <c:spPr>
+        <a:noFill/>
+        <a:ln>
+          <a:noFill/>
+        </a:ln>
+        <a:effectLst/>
+      </c:spPr>
+    </c:plotArea>
+    <c:plotVisOnly val="1"/>
+    <c:dispBlanksAs val="gap"/>
+    <c:showDLblsOverMax val="0"/>
+  </c:chart>
+  <c:spPr>
+    <a:noFill/>
+    <a:ln>
+      <a:noFill/>
+    </a:ln>
+    <a:effectLst/>
+  </c:spPr>
+  <c:txPr>
+    <a:bodyPr/>
+    <a:lstStyle/>
+    <a:p>
+      <a:pPr>
+        <a:defRPr/>
+      </a:pPr>
+      <a:endParaRPr lang="fr-FR"/>
+    </a:p>
+  </c:txPr>
+  <c:externalData r:id="rId3">
+    <c:autoUpdate val="0"/>
+  </c:externalData>
+</c:chartSpace>
+</file>
+
+<file path=ppt/charts/colors1.xml><?xml version="1.0" encoding="utf-8"?>
+<cs:colorStyle xmlns:cs="http://schemas.microsoft.com/office/drawing/2012/chartStyle" xmlns:a="http://schemas.openxmlformats.org/drawingml/2006/main" meth="cycle" id="10">
+  <a:schemeClr val="accent1"/>
+  <a:schemeClr val="accent2"/>
+  <a:schemeClr val="accent3"/>
+  <a:schemeClr val="accent4"/>
+  <a:schemeClr val="accent5"/>
+  <a:schemeClr val="accent6"/>
+  <cs:variation/>
+  <cs:variation>
+    <a:lumMod val="60000"/>
+  </cs:variation>
+  <cs:variation>
+    <a:lumMod val="80000"/>
+    <a:lumOff val="20000"/>
+  </cs:variation>
+  <cs:variation>
+    <a:lumMod val="80000"/>
+  </cs:variation>
+  <cs:variation>
+    <a:lumMod val="60000"/>
+    <a:lumOff val="40000"/>
+  </cs:variation>
+  <cs:variation>
+    <a:lumMod val="50000"/>
+  </cs:variation>
+  <cs:variation>
+    <a:lumMod val="70000"/>
+    <a:lumOff val="30000"/>
+  </cs:variation>
+  <cs:variation>
+    <a:lumMod val="70000"/>
+  </cs:variation>
+  <cs:variation>
+    <a:lumMod val="50000"/>
+    <a:lumOff val="50000"/>
+  </cs:variation>
+</cs:colorStyle>
+</file>
+
+<file path=ppt/charts/colors2.xml><?xml version="1.0" encoding="utf-8"?>
+<cs:colorStyle xmlns:cs="http://schemas.microsoft.com/office/drawing/2012/chartStyle" xmlns:a="http://schemas.openxmlformats.org/drawingml/2006/main" meth="cycle" id="10">
+  <a:schemeClr val="accent1"/>
+  <a:schemeClr val="accent2"/>
+  <a:schemeClr val="accent3"/>
+  <a:schemeClr val="accent4"/>
+  <a:schemeClr val="accent5"/>
+  <a:schemeClr val="accent6"/>
+  <cs:variation/>
+  <cs:variation>
+    <a:lumMod val="60000"/>
+  </cs:variation>
+  <cs:variation>
+    <a:lumMod val="80000"/>
+    <a:lumOff val="20000"/>
+  </cs:variation>
+  <cs:variation>
+    <a:lumMod val="80000"/>
+  </cs:variation>
+  <cs:variation>
+    <a:lumMod val="60000"/>
+    <a:lumOff val="40000"/>
+  </cs:variation>
+  <cs:variation>
+    <a:lumMod val="50000"/>
+  </cs:variation>
+  <cs:variation>
+    <a:lumMod val="70000"/>
+    <a:lumOff val="30000"/>
+  </cs:variation>
+  <cs:variation>
+    <a:lumMod val="70000"/>
+  </cs:variation>
+  <cs:variation>
+    <a:lumMod val="50000"/>
+    <a:lumOff val="50000"/>
+  </cs:variation>
+</cs:colorStyle>
+</file>
+
+<file path=ppt/charts/style1.xml><?xml version="1.0" encoding="utf-8"?>
+<cs:chartStyle xmlns:cs="http://schemas.microsoft.com/office/drawing/2012/chartStyle" xmlns:a="http://schemas.openxmlformats.org/drawingml/2006/main" id="240">
+  <cs:axisTitle>
+    <cs:lnRef idx="0"/>
+    <cs:fillRef idx="0"/>
+    <cs:effectRef idx="0"/>
+    <cs:fontRef idx="minor">
+      <a:schemeClr val="tx1">
+        <a:lumMod val="65000"/>
+        <a:lumOff val="35000"/>
+      </a:schemeClr>
+    </cs:fontRef>
+    <cs:defRPr sz="1000" kern="1200"/>
+  </cs:axisTitle>
+  <cs:categoryAxis>
+    <cs:lnRef idx="0"/>
+    <cs:fillRef idx="0"/>
+    <cs:effectRef idx="0"/>
+    <cs:fontRef idx="minor">
+      <a:schemeClr val="tx1">
+        <a:lumMod val="65000"/>
+        <a:lumOff val="35000"/>
+      </a:schemeClr>
+    </cs:fontRef>
+    <cs:spPr>
+      <a:ln w="9525" cap="flat" cmpd="sng" algn="ctr">
+        <a:solidFill>
+          <a:schemeClr val="tx1">
+            <a:lumMod val="25000"/>
+            <a:lumOff val="75000"/>
+          </a:schemeClr>
+        </a:solidFill>
+        <a:round/>
+      </a:ln>
+    </cs:spPr>
+    <cs:defRPr sz="900" kern="1200"/>
+  </cs:categoryAxis>
+  <cs:chartArea mods="allowNoFillOverride allowNoLineOverride">
+    <cs:lnRef idx="0"/>
+    <cs:fillRef idx="0"/>
+    <cs:effectRef idx="0"/>
+    <cs:fontRef idx="minor">
+      <a:schemeClr val="tx1"/>
+    </cs:fontRef>
+    <cs:spPr>
+      <a:solidFill>
+        <a:schemeClr val="bg1"/>
+      </a:solidFill>
+      <a:ln w="9525" cap="flat" cmpd="sng" algn="ctr">
+        <a:solidFill>
+          <a:schemeClr val="tx1">
+            <a:lumMod val="15000"/>
+            <a:lumOff val="85000"/>
+          </a:schemeClr>
+        </a:solidFill>
+        <a:round/>
+      </a:ln>
+    </cs:spPr>
+    <cs:defRPr sz="1000" kern="1200"/>
+  </cs:chartArea>
+  <cs:dataLabel>
+    <cs:lnRef idx="0"/>
+    <cs:fillRef idx="0"/>
+    <cs:effectRef idx="0"/>
+    <cs:fontRef idx="minor">
+      <a:schemeClr val="tx1">
+        <a:lumMod val="75000"/>
+        <a:lumOff val="25000"/>
+      </a:schemeClr>
+    </cs:fontRef>
+    <cs:defRPr sz="900" kern="1200"/>
+  </cs:dataLabel>
+  <cs:dataLabelCallout>
+    <cs:lnRef idx="0"/>
+    <cs:fillRef idx="0"/>
+    <cs:effectRef idx="0"/>
+    <cs:fontRef idx="minor">
+      <a:schemeClr val="dk1">
+        <a:lumMod val="65000"/>
+        <a:lumOff val="35000"/>
+      </a:schemeClr>
+    </cs:fontRef>
+    <cs:spPr>
+      <a:solidFill>
+        <a:schemeClr val="lt1"/>
+      </a:solidFill>
+      <a:ln>
+        <a:solidFill>
+          <a:schemeClr val="dk1">
+            <a:lumMod val="25000"/>
+            <a:lumOff val="75000"/>
+          </a:schemeClr>
+        </a:solidFill>
+      </a:ln>
+    </cs:spPr>
+    <cs:defRPr sz="900" kern="1200"/>
+    <cs:bodyPr rot="0" spcFirstLastPara="1" vertOverflow="clip" horzOverflow="clip" vert="horz" wrap="square" lIns="36576" tIns="18288" rIns="36576" bIns="18288" anchor="ctr" anchorCtr="1">
+      <a:spAutoFit/>
+    </cs:bodyPr>
+  </cs:dataLabelCallout>
+  <cs:dataPoint>
+    <cs:lnRef idx="0"/>
+    <cs:fillRef idx="1">
+      <cs:styleClr val="auto"/>
+    </cs:fillRef>
+    <cs:effectRef idx="0"/>
+    <cs:fontRef idx="minor">
+      <a:schemeClr val="tx1"/>
+    </cs:fontRef>
+  </cs:dataPoint>
+  <cs:dataPoint3D>
+    <cs:lnRef idx="0"/>
+    <cs:fillRef idx="1">
+      <cs:styleClr val="auto"/>
+    </cs:fillRef>
+    <cs:effectRef idx="0"/>
+    <cs:fontRef idx="minor">
+      <a:schemeClr val="tx1"/>
+    </cs:fontRef>
+  </cs:dataPoint3D>
+  <cs:dataPointLine>
+    <cs:lnRef idx="0">
+      <cs:styleClr val="auto"/>
+    </cs:lnRef>
+    <cs:fillRef idx="1"/>
+    <cs:effectRef idx="0"/>
+    <cs:fontRef idx="minor">
+      <a:schemeClr val="tx1"/>
+    </cs:fontRef>
+    <cs:spPr>
+      <a:ln w="19050" cap="rnd">
+        <a:solidFill>
+          <a:schemeClr val="phClr"/>
+        </a:solidFill>
+        <a:round/>
+      </a:ln>
+    </cs:spPr>
+  </cs:dataPointLine>
+  <cs:dataPointMarker>
+    <cs:lnRef idx="0">
+      <cs:styleClr val="auto"/>
+    </cs:lnRef>
+    <cs:fillRef idx="1">
+      <cs:styleClr val="auto"/>
+    </cs:fillRef>
+    <cs:effectRef idx="0"/>
+    <cs:fontRef idx="minor">
+      <a:schemeClr val="tx1"/>
+    </cs:fontRef>
+    <cs:spPr>
+      <a:ln w="9525">
+        <a:solidFill>
+          <a:schemeClr val="phClr"/>
+        </a:solidFill>
+      </a:ln>
+    </cs:spPr>
+  </cs:dataPointMarker>
+  <cs:dataPointMarkerLayout symbol="circle" size="5"/>
+  <cs:dataPointWireframe>
+    <cs:lnRef idx="0">
+      <cs:styleClr val="auto"/>
+    </cs:lnRef>
+    <cs:fillRef idx="0"/>
+    <cs:effectRef idx="0"/>
+    <cs:fontRef idx="minor">
+      <a:schemeClr val="dk1"/>
+    </cs:fontRef>
+    <cs:spPr>
+      <a:ln w="9525" cap="rnd">
+        <a:solidFill>
+          <a:schemeClr val="phClr"/>
+        </a:solidFill>
+        <a:round/>
+      </a:ln>
+    </cs:spPr>
+  </cs:dataPointWireframe>
+  <cs:dataTable>
+    <cs:lnRef idx="0"/>
+    <cs:fillRef idx="0"/>
+    <cs:effectRef idx="0"/>
+    <cs:fontRef idx="minor">
+      <a:schemeClr val="tx1">
+        <a:lumMod val="65000"/>
+        <a:lumOff val="35000"/>
+      </a:schemeClr>
+    </cs:fontRef>
+    <cs:spPr>
+      <a:noFill/>
+      <a:ln w="9525" cap="flat" cmpd="sng" algn="ctr">
+        <a:solidFill>
+          <a:schemeClr val="tx1">
+            <a:lumMod val="15000"/>
+            <a:lumOff val="85000"/>
+          </a:schemeClr>
+        </a:solidFill>
+        <a:round/>
+      </a:ln>
+    </cs:spPr>
+    <cs:defRPr sz="900" kern="1200"/>
+  </cs:dataTable>
+  <cs:downBar>
+    <cs:lnRef idx="0"/>
+    <cs:fillRef idx="0"/>
+    <cs:effectRef idx="0"/>
+    <cs:fontRef idx="minor">
+      <a:schemeClr val="tx1"/>
+    </cs:fontRef>
+    <cs:spPr>
+      <a:solidFill>
+        <a:schemeClr val="dk1">
+          <a:lumMod val="75000"/>
+          <a:lumOff val="25000"/>
+        </a:schemeClr>
+      </a:solidFill>
+      <a:ln w="9525" cap="flat" cmpd="sng" algn="ctr">
+        <a:solidFill>
+          <a:schemeClr val="tx1">
+            <a:lumMod val="65000"/>
+            <a:lumOff val="35000"/>
+          </a:schemeClr>
+        </a:solidFill>
+        <a:round/>
+      </a:ln>
+    </cs:spPr>
+  </cs:downBar>
+  <cs:dropLine>
+    <cs:lnRef idx="0"/>
+    <cs:fillRef idx="0"/>
+    <cs:effectRef idx="0"/>
+    <cs:fontRef idx="minor">
+      <a:schemeClr val="tx1"/>
+    </cs:fontRef>
+    <cs:spPr>
+      <a:ln w="9525" cap="flat" cmpd="sng" algn="ctr">
+        <a:solidFill>
+          <a:schemeClr val="tx1">
+            <a:lumMod val="35000"/>
+            <a:lumOff val="65000"/>
+          </a:schemeClr>
+        </a:solidFill>
+        <a:round/>
+      </a:ln>
+    </cs:spPr>
+  </cs:dropLine>
+  <cs:errorBar>
+    <cs:lnRef idx="0"/>
+    <cs:fillRef idx="0"/>
+    <cs:effectRef idx="0"/>
+    <cs:fontRef idx="minor">
+      <a:schemeClr val="tx1"/>
+    </cs:fontRef>
+    <cs:spPr>
+      <a:ln w="9525" cap="flat" cmpd="sng" algn="ctr">
+        <a:solidFill>
+          <a:schemeClr val="tx1">
+            <a:lumMod val="65000"/>
+            <a:lumOff val="35000"/>
+          </a:schemeClr>
+        </a:solidFill>
+        <a:round/>
+      </a:ln>
+    </cs:spPr>
+  </cs:errorBar>
+  <cs:floor>
+    <cs:lnRef idx="0"/>
+    <cs:fillRef idx="0"/>
+    <cs:effectRef idx="0"/>
+    <cs:fontRef idx="minor">
+      <a:schemeClr val="tx1"/>
+    </cs:fontRef>
+    <cs:spPr>
+      <a:noFill/>
+      <a:ln>
+        <a:noFill/>
+      </a:ln>
+    </cs:spPr>
+  </cs:floor>
+  <cs:gridlineMajor>
+    <cs:lnRef idx="0"/>
+    <cs:fillRef idx="0"/>
+    <cs:effectRef idx="0"/>
+    <cs:fontRef idx="minor">
+      <a:schemeClr val="tx1"/>
+    </cs:fontRef>
+    <cs:spPr>
+      <a:ln w="9525" cap="flat" cmpd="sng" algn="ctr">
+        <a:solidFill>
+          <a:schemeClr val="tx1">
+            <a:lumMod val="15000"/>
+            <a:lumOff val="85000"/>
+          </a:schemeClr>
+        </a:solidFill>
+        <a:round/>
+      </a:ln>
+    </cs:spPr>
+  </cs:gridlineMajor>
+  <cs:gridlineMinor>
+    <cs:lnRef idx="0"/>
+    <cs:fillRef idx="0"/>
+    <cs:effectRef idx="0"/>
+    <cs:fontRef idx="minor">
+      <a:schemeClr val="tx1"/>
+    </cs:fontRef>
+    <cs:spPr>
+      <a:ln w="9525" cap="flat" cmpd="sng" algn="ctr">
+        <a:solidFill>
+          <a:schemeClr val="tx1">
+            <a:lumMod val="5000"/>
+            <a:lumOff val="95000"/>
+          </a:schemeClr>
+        </a:solidFill>
+        <a:round/>
+      </a:ln>
+    </cs:spPr>
+  </cs:gridlineMinor>
+  <cs:hiLoLine>
+    <cs:lnRef idx="0"/>
+    <cs:fillRef idx="0"/>
+    <cs:effectRef idx="0"/>
+    <cs:fontRef idx="minor">
+      <a:schemeClr val="tx1"/>
+    </cs:fontRef>
+    <cs:spPr>
+      <a:ln w="9525" cap="flat" cmpd="sng" algn="ctr">
+        <a:solidFill>
+          <a:schemeClr val="tx1">
+            <a:lumMod val="50000"/>
+            <a:lumOff val="50000"/>
+          </a:schemeClr>
+        </a:solidFill>
+        <a:round/>
+      </a:ln>
+    </cs:spPr>
+  </cs:hiLoLine>
+  <cs:leaderLine>
+    <cs:lnRef idx="0"/>
+    <cs:fillRef idx="0"/>
+    <cs:effectRef idx="0"/>
+    <cs:fontRef idx="minor">
+      <a:schemeClr val="tx1"/>
+    </cs:fontRef>
+    <cs:spPr>
+      <a:ln w="9525" cap="flat" cmpd="sng" algn="ctr">
+        <a:solidFill>
+          <a:schemeClr val="tx1">
+            <a:lumMod val="35000"/>
+            <a:lumOff val="65000"/>
+          </a:schemeClr>
+        </a:solidFill>
+        <a:round/>
+      </a:ln>
+    </cs:spPr>
+  </cs:leaderLine>
+  <cs:legend>
+    <cs:lnRef idx="0"/>
+    <cs:fillRef idx="0"/>
+    <cs:effectRef idx="0"/>
+    <cs:fontRef idx="minor">
+      <a:schemeClr val="tx1">
+        <a:lumMod val="65000"/>
+        <a:lumOff val="35000"/>
+      </a:schemeClr>
+    </cs:fontRef>
+    <cs:defRPr sz="900" kern="1200"/>
+  </cs:legend>
+  <cs:plotArea mods="allowNoFillOverride allowNoLineOverride">
+    <cs:lnRef idx="0"/>
+    <cs:fillRef idx="0"/>
+    <cs:effectRef idx="0"/>
+    <cs:fontRef idx="minor">
+      <a:schemeClr val="tx1"/>
+    </cs:fontRef>
+  </cs:plotArea>
+  <cs:plotArea3D mods="allowNoFillOverride allowNoLineOverride">
+    <cs:lnRef idx="0"/>
+    <cs:fillRef idx="0"/>
+    <cs:effectRef idx="0"/>
+    <cs:fontRef idx="minor">
+      <a:schemeClr val="tx1"/>
+    </cs:fontRef>
+  </cs:plotArea3D>
+  <cs:seriesAxis>
+    <cs:lnRef idx="0"/>
+    <cs:fillRef idx="0"/>
+    <cs:effectRef idx="0"/>
+    <cs:fontRef idx="minor">
+      <a:schemeClr val="tx1">
+        <a:lumMod val="65000"/>
+        <a:lumOff val="35000"/>
+      </a:schemeClr>
+    </cs:fontRef>
+    <cs:defRPr sz="900" kern="1200"/>
+  </cs:seriesAxis>
+  <cs:seriesLine>
+    <cs:lnRef idx="0"/>
+    <cs:fillRef idx="0"/>
+    <cs:effectRef idx="0"/>
+    <cs:fontRef idx="minor">
+      <a:schemeClr val="tx1"/>
+    </cs:fontRef>
+    <cs:spPr>
+      <a:ln w="9525" cap="flat" cmpd="sng" algn="ctr">
+        <a:solidFill>
+          <a:schemeClr val="tx1">
+            <a:lumMod val="35000"/>
+            <a:lumOff val="65000"/>
+          </a:schemeClr>
+        </a:solidFill>
+        <a:round/>
+      </a:ln>
+    </cs:spPr>
+  </cs:seriesLine>
+  <cs:title>
+    <cs:lnRef idx="0"/>
+    <cs:fillRef idx="0"/>
+    <cs:effectRef idx="0"/>
+    <cs:fontRef idx="minor">
+      <a:schemeClr val="tx1">
+        <a:lumMod val="65000"/>
+        <a:lumOff val="35000"/>
+      </a:schemeClr>
+    </cs:fontRef>
+    <cs:defRPr sz="1400" b="0" kern="1200" spc="0" baseline="0"/>
+  </cs:title>
+  <cs:trendline>
+    <cs:lnRef idx="0">
+      <cs:styleClr val="auto"/>
+    </cs:lnRef>
+    <cs:fillRef idx="0"/>
+    <cs:effectRef idx="0"/>
+    <cs:fontRef idx="minor">
+      <a:schemeClr val="tx1"/>
+    </cs:fontRef>
+    <cs:spPr>
+      <a:ln w="19050" cap="rnd">
+        <a:solidFill>
+          <a:schemeClr val="phClr"/>
+        </a:solidFill>
+        <a:prstDash val="sysDot"/>
+      </a:ln>
+    </cs:spPr>
+  </cs:trendline>
+  <cs:trendlineLabel>
+    <cs:lnRef idx="0"/>
+    <cs:fillRef idx="0"/>
+    <cs:effectRef idx="0"/>
+    <cs:fontRef idx="minor">
+      <a:schemeClr val="tx1">
+        <a:lumMod val="65000"/>
+        <a:lumOff val="35000"/>
+      </a:schemeClr>
+    </cs:fontRef>
+    <cs:defRPr sz="900" kern="1200"/>
+  </cs:trendlineLabel>
+  <cs:upBar>
+    <cs:lnRef idx="0"/>
+    <cs:fillRef idx="0"/>
+    <cs:effectRef idx="0"/>
+    <cs:fontRef idx="minor">
+      <a:schemeClr val="tx1"/>
+    </cs:fontRef>
+    <cs:spPr>
+      <a:solidFill>
+        <a:schemeClr val="lt1"/>
+      </a:solidFill>
+      <a:ln w="9525" cap="flat" cmpd="sng" algn="ctr">
+        <a:solidFill>
+          <a:schemeClr val="tx1">
+            <a:lumMod val="65000"/>
+            <a:lumOff val="35000"/>
+          </a:schemeClr>
+        </a:solidFill>
+        <a:round/>
+      </a:ln>
+    </cs:spPr>
+  </cs:upBar>
+  <cs:valueAxis>
+    <cs:lnRef idx="0"/>
+    <cs:fillRef idx="0"/>
+    <cs:effectRef idx="0"/>
+    <cs:fontRef idx="minor">
+      <a:schemeClr val="tx1">
+        <a:lumMod val="65000"/>
+        <a:lumOff val="35000"/>
+      </a:schemeClr>
+    </cs:fontRef>
+    <cs:spPr>
+      <a:ln w="9525" cap="flat" cmpd="sng" algn="ctr">
+        <a:solidFill>
+          <a:schemeClr val="tx1">
+            <a:lumMod val="25000"/>
+            <a:lumOff val="75000"/>
+          </a:schemeClr>
+        </a:solidFill>
+        <a:round/>
+      </a:ln>
+    </cs:spPr>
+    <cs:defRPr sz="900" kern="1200"/>
+  </cs:valueAxis>
+  <cs:wall>
+    <cs:lnRef idx="0"/>
+    <cs:fillRef idx="0"/>
+    <cs:effectRef idx="0"/>
+    <cs:fontRef idx="minor">
+      <a:schemeClr val="tx1"/>
+    </cs:fontRef>
+    <cs:spPr>
+      <a:noFill/>
+      <a:ln>
+        <a:noFill/>
+      </a:ln>
+    </cs:spPr>
+  </cs:wall>
+</cs:chartStyle>
+</file>
+
+<file path=ppt/charts/style2.xml><?xml version="1.0" encoding="utf-8"?>
+<cs:chartStyle xmlns:cs="http://schemas.microsoft.com/office/drawing/2012/chartStyle" xmlns:a="http://schemas.openxmlformats.org/drawingml/2006/main" id="240">
+  <cs:axisTitle>
+    <cs:lnRef idx="0"/>
+    <cs:fillRef idx="0"/>
+    <cs:effectRef idx="0"/>
+    <cs:fontRef idx="minor">
+      <a:schemeClr val="tx1">
+        <a:lumMod val="65000"/>
+        <a:lumOff val="35000"/>
+      </a:schemeClr>
+    </cs:fontRef>
+    <cs:defRPr sz="1000" kern="1200"/>
+  </cs:axisTitle>
+  <cs:categoryAxis>
+    <cs:lnRef idx="0"/>
+    <cs:fillRef idx="0"/>
+    <cs:effectRef idx="0"/>
+    <cs:fontRef idx="minor">
+      <a:schemeClr val="tx1">
+        <a:lumMod val="65000"/>
+        <a:lumOff val="35000"/>
+      </a:schemeClr>
+    </cs:fontRef>
+    <cs:spPr>
+      <a:ln w="9525" cap="flat" cmpd="sng" algn="ctr">
+        <a:solidFill>
+          <a:schemeClr val="tx1">
+            <a:lumMod val="25000"/>
+            <a:lumOff val="75000"/>
+          </a:schemeClr>
+        </a:solidFill>
+        <a:round/>
+      </a:ln>
+    </cs:spPr>
+    <cs:defRPr sz="900" kern="1200"/>
+  </cs:categoryAxis>
+  <cs:chartArea mods="allowNoFillOverride allowNoLineOverride">
+    <cs:lnRef idx="0"/>
+    <cs:fillRef idx="0"/>
+    <cs:effectRef idx="0"/>
+    <cs:fontRef idx="minor">
+      <a:schemeClr val="tx1"/>
+    </cs:fontRef>
+    <cs:spPr>
+      <a:solidFill>
+        <a:schemeClr val="bg1"/>
+      </a:solidFill>
+      <a:ln w="9525" cap="flat" cmpd="sng" algn="ctr">
+        <a:solidFill>
+          <a:schemeClr val="tx1">
+            <a:lumMod val="15000"/>
+            <a:lumOff val="85000"/>
+          </a:schemeClr>
+        </a:solidFill>
+        <a:round/>
+      </a:ln>
+    </cs:spPr>
+    <cs:defRPr sz="1000" kern="1200"/>
+  </cs:chartArea>
+  <cs:dataLabel>
+    <cs:lnRef idx="0"/>
+    <cs:fillRef idx="0"/>
+    <cs:effectRef idx="0"/>
+    <cs:fontRef idx="minor">
+      <a:schemeClr val="tx1">
+        <a:lumMod val="75000"/>
+        <a:lumOff val="25000"/>
+      </a:schemeClr>
+    </cs:fontRef>
+    <cs:defRPr sz="900" kern="1200"/>
+  </cs:dataLabel>
+  <cs:dataLabelCallout>
+    <cs:lnRef idx="0"/>
+    <cs:fillRef idx="0"/>
+    <cs:effectRef idx="0"/>
+    <cs:fontRef idx="minor">
+      <a:schemeClr val="dk1">
+        <a:lumMod val="65000"/>
+        <a:lumOff val="35000"/>
+      </a:schemeClr>
+    </cs:fontRef>
+    <cs:spPr>
+      <a:solidFill>
+        <a:schemeClr val="lt1"/>
+      </a:solidFill>
+      <a:ln>
+        <a:solidFill>
+          <a:schemeClr val="dk1">
+            <a:lumMod val="25000"/>
+            <a:lumOff val="75000"/>
+          </a:schemeClr>
+        </a:solidFill>
+      </a:ln>
+    </cs:spPr>
+    <cs:defRPr sz="900" kern="1200"/>
+    <cs:bodyPr rot="0" spcFirstLastPara="1" vertOverflow="clip" horzOverflow="clip" vert="horz" wrap="square" lIns="36576" tIns="18288" rIns="36576" bIns="18288" anchor="ctr" anchorCtr="1">
+      <a:spAutoFit/>
+    </cs:bodyPr>
+  </cs:dataLabelCallout>
+  <cs:dataPoint>
+    <cs:lnRef idx="0"/>
+    <cs:fillRef idx="1">
+      <cs:styleClr val="auto"/>
+    </cs:fillRef>
+    <cs:effectRef idx="0"/>
+    <cs:fontRef idx="minor">
+      <a:schemeClr val="tx1"/>
+    </cs:fontRef>
+  </cs:dataPoint>
+  <cs:dataPoint3D>
+    <cs:lnRef idx="0"/>
+    <cs:fillRef idx="1">
+      <cs:styleClr val="auto"/>
+    </cs:fillRef>
+    <cs:effectRef idx="0"/>
+    <cs:fontRef idx="minor">
+      <a:schemeClr val="tx1"/>
+    </cs:fontRef>
+  </cs:dataPoint3D>
+  <cs:dataPointLine>
+    <cs:lnRef idx="0">
+      <cs:styleClr val="auto"/>
+    </cs:lnRef>
+    <cs:fillRef idx="1"/>
+    <cs:effectRef idx="0"/>
+    <cs:fontRef idx="minor">
+      <a:schemeClr val="tx1"/>
+    </cs:fontRef>
+    <cs:spPr>
+      <a:ln w="19050" cap="rnd">
+        <a:solidFill>
+          <a:schemeClr val="phClr"/>
+        </a:solidFill>
+        <a:round/>
+      </a:ln>
+    </cs:spPr>
+  </cs:dataPointLine>
+  <cs:dataPointMarker>
+    <cs:lnRef idx="0">
+      <cs:styleClr val="auto"/>
+    </cs:lnRef>
+    <cs:fillRef idx="1">
+      <cs:styleClr val="auto"/>
+    </cs:fillRef>
+    <cs:effectRef idx="0"/>
+    <cs:fontRef idx="minor">
+      <a:schemeClr val="tx1"/>
+    </cs:fontRef>
+    <cs:spPr>
+      <a:ln w="9525">
+        <a:solidFill>
+          <a:schemeClr val="phClr"/>
+        </a:solidFill>
+      </a:ln>
+    </cs:spPr>
+  </cs:dataPointMarker>
+  <cs:dataPointMarkerLayout symbol="circle" size="5"/>
+  <cs:dataPointWireframe>
+    <cs:lnRef idx="0">
+      <cs:styleClr val="auto"/>
+    </cs:lnRef>
+    <cs:fillRef idx="0"/>
+    <cs:effectRef idx="0"/>
+    <cs:fontRef idx="minor">
+      <a:schemeClr val="dk1"/>
+    </cs:fontRef>
+    <cs:spPr>
+      <a:ln w="9525" cap="rnd">
+        <a:solidFill>
+          <a:schemeClr val="phClr"/>
+        </a:solidFill>
+        <a:round/>
+      </a:ln>
+    </cs:spPr>
+  </cs:dataPointWireframe>
+  <cs:dataTable>
+    <cs:lnRef idx="0"/>
+    <cs:fillRef idx="0"/>
+    <cs:effectRef idx="0"/>
+    <cs:fontRef idx="minor">
+      <a:schemeClr val="tx1">
+        <a:lumMod val="65000"/>
+        <a:lumOff val="35000"/>
+      </a:schemeClr>
+    </cs:fontRef>
+    <cs:spPr>
+      <a:noFill/>
+      <a:ln w="9525" cap="flat" cmpd="sng" algn="ctr">
+        <a:solidFill>
+          <a:schemeClr val="tx1">
+            <a:lumMod val="15000"/>
+            <a:lumOff val="85000"/>
+          </a:schemeClr>
+        </a:solidFill>
+        <a:round/>
+      </a:ln>
+    </cs:spPr>
+    <cs:defRPr sz="900" kern="1200"/>
+  </cs:dataTable>
+  <cs:downBar>
+    <cs:lnRef idx="0"/>
+    <cs:fillRef idx="0"/>
+    <cs:effectRef idx="0"/>
+    <cs:fontRef idx="minor">
+      <a:schemeClr val="tx1"/>
+    </cs:fontRef>
+    <cs:spPr>
+      <a:solidFill>
+        <a:schemeClr val="dk1">
+          <a:lumMod val="75000"/>
+          <a:lumOff val="25000"/>
+        </a:schemeClr>
+      </a:solidFill>
+      <a:ln w="9525" cap="flat" cmpd="sng" algn="ctr">
+        <a:solidFill>
+          <a:schemeClr val="tx1">
+            <a:lumMod val="65000"/>
+            <a:lumOff val="35000"/>
+          </a:schemeClr>
+        </a:solidFill>
+        <a:round/>
+      </a:ln>
+    </cs:spPr>
+  </cs:downBar>
+  <cs:dropLine>
+    <cs:lnRef idx="0"/>
+    <cs:fillRef idx="0"/>
+    <cs:effectRef idx="0"/>
+    <cs:fontRef idx="minor">
+      <a:schemeClr val="tx1"/>
+    </cs:fontRef>
+    <cs:spPr>
+      <a:ln w="9525" cap="flat" cmpd="sng" algn="ctr">
+        <a:solidFill>
+          <a:schemeClr val="tx1">
+            <a:lumMod val="35000"/>
+            <a:lumOff val="65000"/>
+          </a:schemeClr>
+        </a:solidFill>
+        <a:round/>
+      </a:ln>
+    </cs:spPr>
+  </cs:dropLine>
+  <cs:errorBar>
+    <cs:lnRef idx="0"/>
+    <cs:fillRef idx="0"/>
+    <cs:effectRef idx="0"/>
+    <cs:fontRef idx="minor">
+      <a:schemeClr val="tx1"/>
+    </cs:fontRef>
+    <cs:spPr>
+      <a:ln w="9525" cap="flat" cmpd="sng" algn="ctr">
+        <a:solidFill>
+          <a:schemeClr val="tx1">
+            <a:lumMod val="65000"/>
+            <a:lumOff val="35000"/>
+          </a:schemeClr>
+        </a:solidFill>
+        <a:round/>
+      </a:ln>
+    </cs:spPr>
+  </cs:errorBar>
+  <cs:floor>
+    <cs:lnRef idx="0"/>
+    <cs:fillRef idx="0"/>
+    <cs:effectRef idx="0"/>
+    <cs:fontRef idx="minor">
+      <a:schemeClr val="tx1"/>
+    </cs:fontRef>
+    <cs:spPr>
+      <a:noFill/>
+      <a:ln>
+        <a:noFill/>
+      </a:ln>
+    </cs:spPr>
+  </cs:floor>
+  <cs:gridlineMajor>
+    <cs:lnRef idx="0"/>
+    <cs:fillRef idx="0"/>
+    <cs:effectRef idx="0"/>
+    <cs:fontRef idx="minor">
+      <a:schemeClr val="tx1"/>
+    </cs:fontRef>
+    <cs:spPr>
+      <a:ln w="9525" cap="flat" cmpd="sng" algn="ctr">
+        <a:solidFill>
+          <a:schemeClr val="tx1">
+            <a:lumMod val="15000"/>
+            <a:lumOff val="85000"/>
+          </a:schemeClr>
+        </a:solidFill>
+        <a:round/>
+      </a:ln>
+    </cs:spPr>
+  </cs:gridlineMajor>
+  <cs:gridlineMinor>
+    <cs:lnRef idx="0"/>
+    <cs:fillRef idx="0"/>
+    <cs:effectRef idx="0"/>
+    <cs:fontRef idx="minor">
+      <a:schemeClr val="tx1"/>
+    </cs:fontRef>
+    <cs:spPr>
+      <a:ln w="9525" cap="flat" cmpd="sng" algn="ctr">
+        <a:solidFill>
+          <a:schemeClr val="tx1">
+            <a:lumMod val="5000"/>
+            <a:lumOff val="95000"/>
+          </a:schemeClr>
+        </a:solidFill>
+        <a:round/>
+      </a:ln>
+    </cs:spPr>
+  </cs:gridlineMinor>
+  <cs:hiLoLine>
+    <cs:lnRef idx="0"/>
+    <cs:fillRef idx="0"/>
+    <cs:effectRef idx="0"/>
+    <cs:fontRef idx="minor">
+      <a:schemeClr val="tx1"/>
+    </cs:fontRef>
+    <cs:spPr>
+      <a:ln w="9525" cap="flat" cmpd="sng" algn="ctr">
+        <a:solidFill>
+          <a:schemeClr val="tx1">
+            <a:lumMod val="50000"/>
+            <a:lumOff val="50000"/>
+          </a:schemeClr>
+        </a:solidFill>
+        <a:round/>
+      </a:ln>
+    </cs:spPr>
+  </cs:hiLoLine>
+  <cs:leaderLine>
+    <cs:lnRef idx="0"/>
+    <cs:fillRef idx="0"/>
+    <cs:effectRef idx="0"/>
+    <cs:fontRef idx="minor">
+      <a:schemeClr val="tx1"/>
+    </cs:fontRef>
+    <cs:spPr>
+      <a:ln w="9525" cap="flat" cmpd="sng" algn="ctr">
+        <a:solidFill>
+          <a:schemeClr val="tx1">
+            <a:lumMod val="35000"/>
+            <a:lumOff val="65000"/>
+          </a:schemeClr>
+        </a:solidFill>
+        <a:round/>
+      </a:ln>
+    </cs:spPr>
+  </cs:leaderLine>
+  <cs:legend>
+    <cs:lnRef idx="0"/>
+    <cs:fillRef idx="0"/>
+    <cs:effectRef idx="0"/>
+    <cs:fontRef idx="minor">
+      <a:schemeClr val="tx1">
+        <a:lumMod val="65000"/>
+        <a:lumOff val="35000"/>
+      </a:schemeClr>
+    </cs:fontRef>
+    <cs:defRPr sz="900" kern="1200"/>
+  </cs:legend>
+  <cs:plotArea mods="allowNoFillOverride allowNoLineOverride">
+    <cs:lnRef idx="0"/>
+    <cs:fillRef idx="0"/>
+    <cs:effectRef idx="0"/>
+    <cs:fontRef idx="minor">
+      <a:schemeClr val="tx1"/>
+    </cs:fontRef>
+  </cs:plotArea>
+  <cs:plotArea3D mods="allowNoFillOverride allowNoLineOverride">
+    <cs:lnRef idx="0"/>
+    <cs:fillRef idx="0"/>
+    <cs:effectRef idx="0"/>
+    <cs:fontRef idx="minor">
+      <a:schemeClr val="tx1"/>
+    </cs:fontRef>
+  </cs:plotArea3D>
+  <cs:seriesAxis>
+    <cs:lnRef idx="0"/>
+    <cs:fillRef idx="0"/>
+    <cs:effectRef idx="0"/>
+    <cs:fontRef idx="minor">
+      <a:schemeClr val="tx1">
+        <a:lumMod val="65000"/>
+        <a:lumOff val="35000"/>
+      </a:schemeClr>
+    </cs:fontRef>
+    <cs:defRPr sz="900" kern="1200"/>
+  </cs:seriesAxis>
+  <cs:seriesLine>
+    <cs:lnRef idx="0"/>
+    <cs:fillRef idx="0"/>
+    <cs:effectRef idx="0"/>
+    <cs:fontRef idx="minor">
+      <a:schemeClr val="tx1"/>
+    </cs:fontRef>
+    <cs:spPr>
+      <a:ln w="9525" cap="flat" cmpd="sng" algn="ctr">
+        <a:solidFill>
+          <a:schemeClr val="tx1">
+            <a:lumMod val="35000"/>
+            <a:lumOff val="65000"/>
+          </a:schemeClr>
+        </a:solidFill>
+        <a:round/>
+      </a:ln>
+    </cs:spPr>
+  </cs:seriesLine>
+  <cs:title>
+    <cs:lnRef idx="0"/>
+    <cs:fillRef idx="0"/>
+    <cs:effectRef idx="0"/>
+    <cs:fontRef idx="minor">
+      <a:schemeClr val="tx1">
+        <a:lumMod val="65000"/>
+        <a:lumOff val="35000"/>
+      </a:schemeClr>
+    </cs:fontRef>
+    <cs:defRPr sz="1400" b="0" kern="1200" spc="0" baseline="0"/>
+  </cs:title>
+  <cs:trendline>
+    <cs:lnRef idx="0">
+      <cs:styleClr val="auto"/>
+    </cs:lnRef>
+    <cs:fillRef idx="0"/>
+    <cs:effectRef idx="0"/>
+    <cs:fontRef idx="minor">
+      <a:schemeClr val="tx1"/>
+    </cs:fontRef>
+    <cs:spPr>
+      <a:ln w="19050" cap="rnd">
+        <a:solidFill>
+          <a:schemeClr val="phClr"/>
+        </a:solidFill>
+        <a:prstDash val="sysDot"/>
+      </a:ln>
+    </cs:spPr>
+  </cs:trendline>
+  <cs:trendlineLabel>
+    <cs:lnRef idx="0"/>
+    <cs:fillRef idx="0"/>
+    <cs:effectRef idx="0"/>
+    <cs:fontRef idx="minor">
+      <a:schemeClr val="tx1">
+        <a:lumMod val="65000"/>
+        <a:lumOff val="35000"/>
+      </a:schemeClr>
+    </cs:fontRef>
+    <cs:defRPr sz="900" kern="1200"/>
+  </cs:trendlineLabel>
+  <cs:upBar>
+    <cs:lnRef idx="0"/>
+    <cs:fillRef idx="0"/>
+    <cs:effectRef idx="0"/>
+    <cs:fontRef idx="minor">
+      <a:schemeClr val="tx1"/>
+    </cs:fontRef>
+    <cs:spPr>
+      <a:solidFill>
+        <a:schemeClr val="lt1"/>
+      </a:solidFill>
+      <a:ln w="9525" cap="flat" cmpd="sng" algn="ctr">
+        <a:solidFill>
+          <a:schemeClr val="tx1">
+            <a:lumMod val="65000"/>
+            <a:lumOff val="35000"/>
+          </a:schemeClr>
+        </a:solidFill>
+        <a:round/>
+      </a:ln>
+    </cs:spPr>
+  </cs:upBar>
+  <cs:valueAxis>
+    <cs:lnRef idx="0"/>
+    <cs:fillRef idx="0"/>
+    <cs:effectRef idx="0"/>
+    <cs:fontRef idx="minor">
+      <a:schemeClr val="tx1">
+        <a:lumMod val="65000"/>
+        <a:lumOff val="35000"/>
+      </a:schemeClr>
+    </cs:fontRef>
+    <cs:spPr>
+      <a:ln w="9525" cap="flat" cmpd="sng" algn="ctr">
+        <a:solidFill>
+          <a:schemeClr val="tx1">
+            <a:lumMod val="25000"/>
+            <a:lumOff val="75000"/>
+          </a:schemeClr>
+        </a:solidFill>
+        <a:round/>
+      </a:ln>
+    </cs:spPr>
+    <cs:defRPr sz="900" kern="1200"/>
+  </cs:valueAxis>
+  <cs:wall>
+    <cs:lnRef idx="0"/>
+    <cs:fillRef idx="0"/>
+    <cs:effectRef idx="0"/>
+    <cs:fontRef idx="minor">
+      <a:schemeClr val="tx1"/>
+    </cs:fontRef>
+    <cs:spPr>
+      <a:noFill/>
+      <a:ln>
+        <a:noFill/>
+      </a:ln>
+    </cs:spPr>
+  </cs:wall>
+</cs:chartStyle>
 </file>
 
 <file path=ppt/slideLayouts/slideLayout1.xml><?xml version="1.0" encoding="utf-8"?>
@@ -619,7 +2445,7 @@
           <a:p>
             <a:fld id="{77F6B3FA-A3F1-48CA-9C4E-05594C8264A4}" type="datetimeFigureOut">
               <a:rPr lang="fr-CH" smtClean="0"/>
-              <a:t>05.09.2017</a:t>
+              <a:t>06.09.2017</a:t>
             </a:fld>
             <a:endParaRPr lang="fr-CH"/>
           </a:p>
@@ -915,7 +2741,7 @@
           <a:p>
             <a:fld id="{77F6B3FA-A3F1-48CA-9C4E-05594C8264A4}" type="datetimeFigureOut">
               <a:rPr lang="fr-CH" smtClean="0"/>
-              <a:t>05.09.2017</a:t>
+              <a:t>06.09.2017</a:t>
             </a:fld>
             <a:endParaRPr lang="fr-CH"/>
           </a:p>
@@ -1163,7 +2989,7 @@
           <a:p>
             <a:fld id="{77F6B3FA-A3F1-48CA-9C4E-05594C8264A4}" type="datetimeFigureOut">
               <a:rPr lang="fr-CH" smtClean="0"/>
-              <a:t>05.09.2017</a:t>
+              <a:t>06.09.2017</a:t>
             </a:fld>
             <a:endParaRPr lang="fr-CH"/>
           </a:p>
@@ -1703,7 +3529,7 @@
           <a:p>
             <a:fld id="{77F6B3FA-A3F1-48CA-9C4E-05594C8264A4}" type="datetimeFigureOut">
               <a:rPr lang="fr-CH" smtClean="0"/>
-              <a:t>05.09.2017</a:t>
+              <a:t>06.09.2017</a:t>
             </a:fld>
             <a:endParaRPr lang="fr-CH"/>
           </a:p>
@@ -1951,7 +3777,7 @@
           <a:p>
             <a:fld id="{77F6B3FA-A3F1-48CA-9C4E-05594C8264A4}" type="datetimeFigureOut">
               <a:rPr lang="fr-CH" smtClean="0"/>
-              <a:t>05.09.2017</a:t>
+              <a:t>06.09.2017</a:t>
             </a:fld>
             <a:endParaRPr lang="fr-CH"/>
           </a:p>
@@ -2483,7 +4309,7 @@
           <a:p>
             <a:fld id="{77F6B3FA-A3F1-48CA-9C4E-05594C8264A4}" type="datetimeFigureOut">
               <a:rPr lang="fr-CH" smtClean="0"/>
-              <a:t>05.09.2017</a:t>
+              <a:t>06.09.2017</a:t>
             </a:fld>
             <a:endParaRPr lang="fr-CH"/>
           </a:p>
@@ -2780,7 +4606,7 @@
           <a:p>
             <a:fld id="{77F6B3FA-A3F1-48CA-9C4E-05594C8264A4}" type="datetimeFigureOut">
               <a:rPr lang="fr-CH" smtClean="0"/>
-              <a:t>05.09.2017</a:t>
+              <a:t>06.09.2017</a:t>
             </a:fld>
             <a:endParaRPr lang="fr-CH"/>
           </a:p>
@@ -2954,7 +4780,7 @@
           <a:p>
             <a:fld id="{77F6B3FA-A3F1-48CA-9C4E-05594C8264A4}" type="datetimeFigureOut">
               <a:rPr lang="fr-CH" smtClean="0"/>
-              <a:t>05.09.2017</a:t>
+              <a:t>06.09.2017</a:t>
             </a:fld>
             <a:endParaRPr lang="fr-CH"/>
           </a:p>
@@ -3134,7 +4960,7 @@
           <a:p>
             <a:fld id="{77F6B3FA-A3F1-48CA-9C4E-05594C8264A4}" type="datetimeFigureOut">
               <a:rPr lang="fr-CH" smtClean="0"/>
-              <a:t>05.09.2017</a:t>
+              <a:t>06.09.2017</a:t>
             </a:fld>
             <a:endParaRPr lang="fr-CH"/>
           </a:p>
@@ -3304,7 +5130,7 @@
           <a:p>
             <a:fld id="{77F6B3FA-A3F1-48CA-9C4E-05594C8264A4}" type="datetimeFigureOut">
               <a:rPr lang="fr-CH" smtClean="0"/>
-              <a:t>05.09.2017</a:t>
+              <a:t>06.09.2017</a:t>
             </a:fld>
             <a:endParaRPr lang="fr-CH"/>
           </a:p>
@@ -3555,7 +5381,7 @@
           <a:p>
             <a:fld id="{77F6B3FA-A3F1-48CA-9C4E-05594C8264A4}" type="datetimeFigureOut">
               <a:rPr lang="fr-CH" smtClean="0"/>
-              <a:t>05.09.2017</a:t>
+              <a:t>06.09.2017</a:t>
             </a:fld>
             <a:endParaRPr lang="fr-CH"/>
           </a:p>
@@ -3852,7 +5678,7 @@
           <a:p>
             <a:fld id="{77F6B3FA-A3F1-48CA-9C4E-05594C8264A4}" type="datetimeFigureOut">
               <a:rPr lang="fr-CH" smtClean="0"/>
-              <a:t>05.09.2017</a:t>
+              <a:t>06.09.2017</a:t>
             </a:fld>
             <a:endParaRPr lang="fr-CH"/>
           </a:p>
@@ -4294,7 +6120,7 @@
           <a:p>
             <a:fld id="{77F6B3FA-A3F1-48CA-9C4E-05594C8264A4}" type="datetimeFigureOut">
               <a:rPr lang="fr-CH" smtClean="0"/>
-              <a:t>05.09.2017</a:t>
+              <a:t>06.09.2017</a:t>
             </a:fld>
             <a:endParaRPr lang="fr-CH"/>
           </a:p>
@@ -4412,7 +6238,7 @@
           <a:p>
             <a:fld id="{77F6B3FA-A3F1-48CA-9C4E-05594C8264A4}" type="datetimeFigureOut">
               <a:rPr lang="fr-CH" smtClean="0"/>
-              <a:t>05.09.2017</a:t>
+              <a:t>06.09.2017</a:t>
             </a:fld>
             <a:endParaRPr lang="fr-CH"/>
           </a:p>
@@ -4507,7 +6333,7 @@
           <a:p>
             <a:fld id="{77F6B3FA-A3F1-48CA-9C4E-05594C8264A4}" type="datetimeFigureOut">
               <a:rPr lang="fr-CH" smtClean="0"/>
-              <a:t>05.09.2017</a:t>
+              <a:t>06.09.2017</a:t>
             </a:fld>
             <a:endParaRPr lang="fr-CH"/>
           </a:p>
@@ -4790,7 +6616,7 @@
           <a:p>
             <a:fld id="{77F6B3FA-A3F1-48CA-9C4E-05594C8264A4}" type="datetimeFigureOut">
               <a:rPr lang="fr-CH" smtClean="0"/>
-              <a:t>05.09.2017</a:t>
+              <a:t>06.09.2017</a:t>
             </a:fld>
             <a:endParaRPr lang="fr-CH"/>
           </a:p>
@@ -5081,7 +6907,7 @@
           <a:p>
             <a:fld id="{77F6B3FA-A3F1-48CA-9C4E-05594C8264A4}" type="datetimeFigureOut">
               <a:rPr lang="fr-CH" smtClean="0"/>
-              <a:t>05.09.2017</a:t>
+              <a:t>06.09.2017</a:t>
             </a:fld>
             <a:endParaRPr lang="fr-CH"/>
           </a:p>
@@ -5611,7 +7437,7 @@
           <a:p>
             <a:fld id="{77F6B3FA-A3F1-48CA-9C4E-05594C8264A4}" type="datetimeFigureOut">
               <a:rPr lang="fr-CH" smtClean="0"/>
-              <a:t>05.09.2017</a:t>
+              <a:t>06.09.2017</a:t>
             </a:fld>
             <a:endParaRPr lang="fr-CH"/>
           </a:p>
@@ -6158,7 +7984,11 @@
           <a:lstStyle/>
           <a:p>
             <a:r>
-              <a:rPr lang="en-US"/>
+              <a:rPr lang="en-US" b="1" dirty="0">
+                <a:solidFill>
+                  <a:srgbClr val="0070C0"/>
+                </a:solidFill>
+              </a:rPr>
               <a:t>Mentor-mentee recommendation system</a:t>
             </a:r>
           </a:p>
@@ -6195,6 +8025,105 @@
           </a:p>
         </p:txBody>
       </p:sp>
+      <p:pic>
+        <p:nvPicPr>
+          <p:cNvPr id="1026" name="Picture 2" descr="Related image"/>
+          <p:cNvPicPr>
+            <a:picLocks noChangeAspect="1" noChangeArrowheads="1"/>
+          </p:cNvPicPr>
+          <p:nvPr/>
+        </p:nvPicPr>
+        <p:blipFill>
+          <a:blip r:embed="rId2">
+            <a:clrChange>
+              <a:clrFrom>
+                <a:srgbClr val="FFFFFF"/>
+              </a:clrFrom>
+              <a:clrTo>
+                <a:srgbClr val="FFFFFF">
+                  <a:alpha val="0"/>
+                </a:srgbClr>
+              </a:clrTo>
+            </a:clrChange>
+            <a:duotone>
+              <a:prstClr val="black"/>
+              <a:schemeClr val="accent1">
+                <a:tint val="45000"/>
+                <a:satMod val="400000"/>
+              </a:schemeClr>
+            </a:duotone>
+            <a:extLst>
+              <a:ext uri="{28A0092B-C50C-407E-A947-70E740481C1C}">
+                <a14:useLocalDpi xmlns:a14="http://schemas.microsoft.com/office/drawing/2010/main" val="0"/>
+              </a:ext>
+            </a:extLst>
+          </a:blip>
+          <a:srcRect/>
+          <a:stretch>
+            <a:fillRect/>
+          </a:stretch>
+        </p:blipFill>
+        <p:spPr bwMode="auto">
+          <a:xfrm flipH="1">
+            <a:off x="0" y="3463637"/>
+            <a:ext cx="3823520" cy="3265054"/>
+          </a:xfrm>
+          <a:prstGeom prst="rect">
+            <a:avLst/>
+          </a:prstGeom>
+          <a:noFill/>
+          <a:extLst>
+            <a:ext uri="{909E8E84-426E-40DD-AFC4-6F175D3DCCD1}">
+              <a14:hiddenFill xmlns:a14="http://schemas.microsoft.com/office/drawing/2010/main">
+                <a:solidFill>
+                  <a:srgbClr val="FFFFFF"/>
+                </a:solidFill>
+              </a14:hiddenFill>
+            </a:ext>
+          </a:extLst>
+        </p:spPr>
+      </p:pic>
+      <p:pic>
+        <p:nvPicPr>
+          <p:cNvPr id="1028" name="Picture 4" descr="Image result for enron"/>
+          <p:cNvPicPr>
+            <a:picLocks noChangeAspect="1" noChangeArrowheads="1"/>
+          </p:cNvPicPr>
+          <p:nvPr/>
+        </p:nvPicPr>
+        <p:blipFill>
+          <a:blip r:embed="rId3">
+            <a:extLst>
+              <a:ext uri="{28A0092B-C50C-407E-A947-70E740481C1C}">
+                <a14:useLocalDpi xmlns:a14="http://schemas.microsoft.com/office/drawing/2010/main" val="0"/>
+              </a:ext>
+            </a:extLst>
+          </a:blip>
+          <a:srcRect/>
+          <a:stretch>
+            <a:fillRect/>
+          </a:stretch>
+        </p:blipFill>
+        <p:spPr bwMode="auto">
+          <a:xfrm>
+            <a:off x="10461318" y="68826"/>
+            <a:ext cx="1730682" cy="1707754"/>
+          </a:xfrm>
+          <a:prstGeom prst="rect">
+            <a:avLst/>
+          </a:prstGeom>
+          <a:noFill/>
+          <a:extLst>
+            <a:ext uri="{909E8E84-426E-40DD-AFC4-6F175D3DCCD1}">
+              <a14:hiddenFill xmlns:a14="http://schemas.microsoft.com/office/drawing/2010/main">
+                <a:solidFill>
+                  <a:srgbClr val="FFFFFF"/>
+                </a:solidFill>
+              </a14:hiddenFill>
+            </a:ext>
+          </a:extLst>
+        </p:spPr>
+      </p:pic>
     </p:spTree>
     <p:extLst>
       <p:ext uri="{BB962C8B-B14F-4D97-AF65-F5344CB8AC3E}">
@@ -6235,28 +8164,37 @@
             <p:ph type="title"/>
           </p:nvPr>
         </p:nvSpPr>
-        <p:spPr/>
+        <p:spPr>
+          <a:xfrm>
+            <a:off x="1484309" y="233218"/>
+            <a:ext cx="10018713" cy="1115291"/>
+          </a:xfrm>
+        </p:spPr>
         <p:txBody>
           <a:bodyPr/>
           <a:lstStyle/>
           <a:p>
             <a:r>
-              <a:rPr lang="fr-CH" dirty="0"/>
-              <a:t>LDA </a:t>
-            </a:r>
-            <a:r>
-              <a:rPr lang="fr-CH" dirty="0" err="1"/>
-              <a:t>evaluation</a:t>
-            </a:r>
-            <a:r>
-              <a:rPr lang="fr-CH" dirty="0"/>
-              <a:t> </a:t>
-            </a:r>
-            <a:r>
-              <a:rPr lang="fr-CH" dirty="0" err="1"/>
-              <a:t>criteria</a:t>
-            </a:r>
-            <a:endParaRPr lang="fr-CH" dirty="0"/>
+              <a:rPr lang="fr-CH" dirty="0">
+                <a:solidFill>
+                  <a:srgbClr val="0070C0"/>
+                </a:solidFill>
+              </a:rPr>
+              <a:t>Method 1 : </a:t>
+            </a:r>
+            <a:r>
+              <a:rPr lang="fr-CH" dirty="0" err="1">
+                <a:solidFill>
+                  <a:srgbClr val="0070C0"/>
+                </a:solidFill>
+              </a:rPr>
+              <a:t>Recommendation</a:t>
+            </a:r>
+            <a:endParaRPr lang="fr-CH" dirty="0">
+              <a:solidFill>
+                <a:srgbClr val="0070C0"/>
+              </a:solidFill>
+            </a:endParaRPr>
           </a:p>
         </p:txBody>
       </p:sp>
@@ -6270,33 +8208,56 @@
             <p:ph idx="1"/>
           </p:nvPr>
         </p:nvSpPr>
-        <p:spPr/>
+        <p:spPr>
+          <a:xfrm>
+            <a:off x="1484308" y="2011217"/>
+            <a:ext cx="10018713" cy="3124201"/>
+          </a:xfrm>
+        </p:spPr>
         <p:txBody>
           <a:bodyPr/>
           <a:lstStyle/>
           <a:p>
             <a:r>
-              <a:rPr lang="fr-CH" dirty="0" err="1"/>
-              <a:t>Perplexity</a:t>
-            </a:r>
-            <a:endParaRPr lang="fr-CH" dirty="0"/>
-          </a:p>
-          <a:p>
-            <a:r>
-              <a:rPr lang="fr-CH" dirty="0" err="1"/>
-              <a:t>Meaningfullness</a:t>
-            </a:r>
-            <a:r>
-              <a:rPr lang="fr-CH" dirty="0"/>
-              <a:t> of topics</a:t>
-            </a:r>
+              <a:rPr lang="en-GB" dirty="0"/>
+              <a:t>Get vector representation of all emails + </a:t>
+            </a:r>
+            <a:r>
+              <a:rPr lang="en-GB" dirty="0" err="1"/>
+              <a:t>mente</a:t>
+            </a:r>
+            <a:r>
+              <a:rPr lang="en-GB" dirty="0"/>
+              <a:t> description (Doc2Vec)</a:t>
+            </a:r>
+          </a:p>
+          <a:p>
+            <a:r>
+              <a:rPr lang="en-GB" dirty="0"/>
+              <a:t>Find emails that are most closely related to mentee description (keyword list) : cosine similarity</a:t>
+            </a:r>
+          </a:p>
+          <a:p>
+            <a:r>
+              <a:rPr lang="en-GB" dirty="0"/>
+              <a:t>Group similarity score by email author</a:t>
+            </a:r>
+          </a:p>
+          <a:p>
+            <a:r>
+              <a:rPr lang="en-GB" dirty="0"/>
+              <a:t>Propose top most relevant authors for mentoring</a:t>
+            </a:r>
+          </a:p>
+          <a:p>
+            <a:endParaRPr lang="en-GB" dirty="0"/>
           </a:p>
         </p:txBody>
       </p:sp>
     </p:spTree>
     <p:extLst>
       <p:ext uri="{BB962C8B-B14F-4D97-AF65-F5344CB8AC3E}">
-        <p14:creationId xmlns:p14="http://schemas.microsoft.com/office/powerpoint/2010/main" val="3979863708"/>
+        <p14:creationId xmlns:p14="http://schemas.microsoft.com/office/powerpoint/2010/main" val="1427937549"/>
       </p:ext>
     </p:extLst>
   </p:cSld>
@@ -6333,24 +8294,800 @@
             <p:ph type="title"/>
           </p:nvPr>
         </p:nvSpPr>
-        <p:spPr/>
+        <p:spPr>
+          <a:xfrm>
+            <a:off x="1414605" y="-450273"/>
+            <a:ext cx="10018713" cy="1752599"/>
+          </a:xfrm>
+        </p:spPr>
+        <p:txBody>
+          <a:bodyPr>
+            <a:normAutofit/>
+          </a:bodyPr>
+          <a:lstStyle/>
+          <a:p>
+            <a:r>
+              <a:rPr lang="fr-CH" sz="3200" dirty="0">
+                <a:solidFill>
+                  <a:srgbClr val="0070C0"/>
+                </a:solidFill>
+              </a:rPr>
+              <a:t>Method 2: </a:t>
+            </a:r>
+            <a:r>
+              <a:rPr lang="fr-CH" sz="3200" dirty="0">
+                <a:solidFill>
+                  <a:srgbClr val="0070C0"/>
+                </a:solidFill>
+              </a:rPr>
+              <a:t>LDA</a:t>
+            </a:r>
+          </a:p>
+        </p:txBody>
+      </p:sp>
+      <p:pic>
+        <p:nvPicPr>
+          <p:cNvPr id="4" name="Picture 3"/>
+          <p:cNvPicPr>
+            <a:picLocks noChangeAspect="1"/>
+          </p:cNvPicPr>
+          <p:nvPr/>
+        </p:nvPicPr>
+        <p:blipFill>
+          <a:blip r:embed="rId2">
+            <a:clrChange>
+              <a:clrFrom>
+                <a:srgbClr val="FFFFFF"/>
+              </a:clrFrom>
+              <a:clrTo>
+                <a:srgbClr val="FFFFFF">
+                  <a:alpha val="0"/>
+                </a:srgbClr>
+              </a:clrTo>
+            </a:clrChange>
+          </a:blip>
+          <a:stretch>
+            <a:fillRect/>
+          </a:stretch>
+        </p:blipFill>
+        <p:spPr>
+          <a:xfrm>
+            <a:off x="2202207" y="2077321"/>
+            <a:ext cx="9231111" cy="2934846"/>
+          </a:xfrm>
+          <a:prstGeom prst="rect">
+            <a:avLst/>
+          </a:prstGeom>
+        </p:spPr>
+      </p:pic>
+    </p:spTree>
+    <p:extLst>
+      <p:ext uri="{BB962C8B-B14F-4D97-AF65-F5344CB8AC3E}">
+        <p14:creationId xmlns:p14="http://schemas.microsoft.com/office/powerpoint/2010/main" val="3416356776"/>
+      </p:ext>
+    </p:extLst>
+  </p:cSld>
+  <p:clrMapOvr>
+    <a:masterClrMapping/>
+  </p:clrMapOvr>
+</p:sld>
+</file>
+
+<file path=ppt/slides/slide12.xml><?xml version="1.0" encoding="utf-8"?>
+<p:sld xmlns:a="http://schemas.openxmlformats.org/drawingml/2006/main" xmlns:r="http://schemas.openxmlformats.org/officeDocument/2006/relationships" xmlns:p="http://schemas.openxmlformats.org/presentationml/2006/main">
+  <p:cSld>
+    <p:spTree>
+      <p:nvGrpSpPr>
+        <p:cNvPr id="1" name=""/>
+        <p:cNvGrpSpPr/>
+        <p:nvPr/>
+      </p:nvGrpSpPr>
+      <p:grpSpPr>
+        <a:xfrm>
+          <a:off x="0" y="0"/>
+          <a:ext cx="0" cy="0"/>
+          <a:chOff x="0" y="0"/>
+          <a:chExt cx="0" cy="0"/>
+        </a:xfrm>
+      </p:grpSpPr>
+      <p:sp>
+        <p:nvSpPr>
+          <p:cNvPr id="3" name="Content Placeholder 2"/>
+          <p:cNvSpPr>
+            <a:spLocks noGrp="1"/>
+          </p:cNvSpPr>
+          <p:nvPr>
+            <p:ph idx="1"/>
+          </p:nvPr>
+        </p:nvSpPr>
+        <p:spPr>
+          <a:xfrm>
+            <a:off x="1789109" y="943262"/>
+            <a:ext cx="10018713" cy="5091547"/>
+          </a:xfrm>
+        </p:spPr>
+        <p:txBody>
+          <a:bodyPr>
+            <a:normAutofit lnSpcReduction="10000"/>
+          </a:bodyPr>
+          <a:lstStyle/>
+          <a:p>
+            <a:r>
+              <a:rPr lang="en-GB" dirty="0"/>
+              <a:t>Perplexity</a:t>
+            </a:r>
+          </a:p>
+          <a:p>
+            <a:endParaRPr lang="en-GB" dirty="0"/>
+          </a:p>
+          <a:p>
+            <a:endParaRPr lang="en-GB" dirty="0"/>
+          </a:p>
+          <a:p>
+            <a:endParaRPr lang="en-GB" dirty="0"/>
+          </a:p>
+          <a:p>
+            <a:endParaRPr lang="en-GB" dirty="0"/>
+          </a:p>
+          <a:p>
+            <a:r>
+              <a:rPr lang="en-GB" dirty="0"/>
+              <a:t>Meaningfulness of topics</a:t>
+            </a:r>
+          </a:p>
+          <a:p>
+            <a:endParaRPr lang="en-GB" dirty="0"/>
+          </a:p>
+          <a:p>
+            <a:endParaRPr lang="en-GB" dirty="0"/>
+          </a:p>
+          <a:p>
+            <a:endParaRPr lang="en-GB" dirty="0"/>
+          </a:p>
+          <a:p>
+            <a:r>
+              <a:rPr lang="en-GB" dirty="0"/>
+              <a:t>Finally, K = 15</a:t>
+            </a:r>
+          </a:p>
+        </p:txBody>
+      </p:sp>
+      <p:sp>
+        <p:nvSpPr>
+          <p:cNvPr id="4" name="Title 1"/>
+          <p:cNvSpPr txBox="1">
+            <a:spLocks/>
+          </p:cNvSpPr>
+          <p:nvPr/>
+        </p:nvSpPr>
+        <p:spPr>
+          <a:xfrm>
+            <a:off x="1414605" y="-450273"/>
+            <a:ext cx="10018713" cy="1752599"/>
+          </a:xfrm>
+          <a:prstGeom prst="rect">
+            <a:avLst/>
+          </a:prstGeom>
+          <a:effectLst/>
+        </p:spPr>
+        <p:txBody>
+          <a:bodyPr vert="horz" lIns="91440" tIns="45720" rIns="91440" bIns="45720" rtlCol="0" anchor="ctr">
+            <a:normAutofit/>
+          </a:bodyPr>
+          <a:lstStyle>
+            <a:lvl1pPr algn="ctr" defTabSz="457200" rtl="0" eaLnBrk="1" latinLnBrk="0" hangingPunct="1">
+              <a:spcBef>
+                <a:spcPct val="0"/>
+              </a:spcBef>
+              <a:buNone/>
+              <a:defRPr sz="4000" kern="1200" cap="none">
+                <a:ln w="3175" cmpd="sng">
+                  <a:noFill/>
+                </a:ln>
+                <a:solidFill>
+                  <a:schemeClr val="tx1"/>
+                </a:solidFill>
+                <a:effectLst/>
+                <a:latin typeface="+mj-lt"/>
+                <a:ea typeface="+mj-ea"/>
+                <a:cs typeface="+mj-cs"/>
+              </a:defRPr>
+            </a:lvl1pPr>
+            <a:lvl2pPr eaLnBrk="1" hangingPunct="1">
+              <a:defRPr>
+                <a:solidFill>
+                  <a:schemeClr val="tx2"/>
+                </a:solidFill>
+              </a:defRPr>
+            </a:lvl2pPr>
+            <a:lvl3pPr eaLnBrk="1" hangingPunct="1">
+              <a:defRPr>
+                <a:solidFill>
+                  <a:schemeClr val="tx2"/>
+                </a:solidFill>
+              </a:defRPr>
+            </a:lvl3pPr>
+            <a:lvl4pPr eaLnBrk="1" hangingPunct="1">
+              <a:defRPr>
+                <a:solidFill>
+                  <a:schemeClr val="tx2"/>
+                </a:solidFill>
+              </a:defRPr>
+            </a:lvl4pPr>
+            <a:lvl5pPr eaLnBrk="1" hangingPunct="1">
+              <a:defRPr>
+                <a:solidFill>
+                  <a:schemeClr val="tx2"/>
+                </a:solidFill>
+              </a:defRPr>
+            </a:lvl5pPr>
+            <a:lvl6pPr eaLnBrk="1" hangingPunct="1">
+              <a:defRPr>
+                <a:solidFill>
+                  <a:schemeClr val="tx2"/>
+                </a:solidFill>
+              </a:defRPr>
+            </a:lvl6pPr>
+            <a:lvl7pPr eaLnBrk="1" hangingPunct="1">
+              <a:defRPr>
+                <a:solidFill>
+                  <a:schemeClr val="tx2"/>
+                </a:solidFill>
+              </a:defRPr>
+            </a:lvl7pPr>
+            <a:lvl8pPr eaLnBrk="1" hangingPunct="1">
+              <a:defRPr>
+                <a:solidFill>
+                  <a:schemeClr val="tx2"/>
+                </a:solidFill>
+              </a:defRPr>
+            </a:lvl8pPr>
+            <a:lvl9pPr eaLnBrk="1" hangingPunct="1">
+              <a:defRPr>
+                <a:solidFill>
+                  <a:schemeClr val="tx2"/>
+                </a:solidFill>
+              </a:defRPr>
+            </a:lvl9pPr>
+          </a:lstStyle>
+          <a:p>
+            <a:r>
+              <a:rPr lang="fr-CH" sz="3200" dirty="0">
+                <a:solidFill>
+                  <a:srgbClr val="0070C0"/>
+                </a:solidFill>
+              </a:rPr>
+              <a:t>Method 2: </a:t>
+            </a:r>
+            <a:r>
+              <a:rPr lang="fr-CH" sz="3200" dirty="0">
+                <a:solidFill>
+                  <a:srgbClr val="0070C0"/>
+                </a:solidFill>
+              </a:rPr>
+              <a:t>LDA </a:t>
+            </a:r>
+            <a:r>
+              <a:rPr lang="fr-CH" sz="3200" dirty="0" err="1">
+                <a:solidFill>
+                  <a:srgbClr val="0070C0"/>
+                </a:solidFill>
+              </a:rPr>
+              <a:t>evaluation</a:t>
+            </a:r>
+            <a:r>
+              <a:rPr lang="fr-CH" sz="3200" dirty="0">
+                <a:solidFill>
+                  <a:srgbClr val="0070C0"/>
+                </a:solidFill>
+              </a:rPr>
+              <a:t> </a:t>
+            </a:r>
+            <a:r>
+              <a:rPr lang="fr-CH" sz="3200" dirty="0" err="1">
+                <a:solidFill>
+                  <a:srgbClr val="0070C0"/>
+                </a:solidFill>
+              </a:rPr>
+              <a:t>criteria</a:t>
+            </a:r>
+            <a:endParaRPr lang="fr-CH" sz="3200" dirty="0">
+              <a:solidFill>
+                <a:srgbClr val="0070C0"/>
+              </a:solidFill>
+            </a:endParaRPr>
+          </a:p>
+        </p:txBody>
+      </p:sp>
+      <p:graphicFrame>
+        <p:nvGraphicFramePr>
+          <p:cNvPr id="6" name="Chart 5">
+            <a:extLst>
+              <a:ext uri="{FF2B5EF4-FFF2-40B4-BE49-F238E27FC236}">
+                <a16:creationId xmlns:a16="http://schemas.microsoft.com/office/drawing/2014/main" id="{E5E1ED03-2B35-4F75-B0CB-BFCCDD5560EF}"/>
+              </a:ext>
+            </a:extLst>
+          </p:cNvPr>
+          <p:cNvGraphicFramePr>
+            <a:graphicFrameLocks/>
+          </p:cNvGraphicFramePr>
+          <p:nvPr>
+            <p:extLst>
+              <p:ext uri="{D42A27DB-BD31-4B8C-83A1-F6EECF244321}">
+                <p14:modId xmlns:p14="http://schemas.microsoft.com/office/powerpoint/2010/main" val="2407991786"/>
+              </p:ext>
+            </p:extLst>
+          </p:nvPr>
+        </p:nvGraphicFramePr>
+        <p:xfrm>
+          <a:off x="6239164" y="745836"/>
+          <a:ext cx="4572000" cy="2743200"/>
+        </p:xfrm>
+        <a:graphic>
+          <a:graphicData uri="http://schemas.openxmlformats.org/drawingml/2006/chart">
+            <c:chart xmlns:c="http://schemas.openxmlformats.org/drawingml/2006/chart" xmlns:r="http://schemas.openxmlformats.org/officeDocument/2006/relationships" r:id="rId2"/>
+          </a:graphicData>
+        </a:graphic>
+      </p:graphicFrame>
+      <p:graphicFrame>
+        <p:nvGraphicFramePr>
+          <p:cNvPr id="7" name="Chart 6">
+            <a:extLst>
+              <a:ext uri="{FF2B5EF4-FFF2-40B4-BE49-F238E27FC236}">
+                <a16:creationId xmlns:a16="http://schemas.microsoft.com/office/drawing/2014/main" id="{6327188E-DD9F-46D6-98C2-3B66F4798C2B}"/>
+              </a:ext>
+            </a:extLst>
+          </p:cNvPr>
+          <p:cNvGraphicFramePr>
+            <a:graphicFrameLocks/>
+          </p:cNvGraphicFramePr>
+          <p:nvPr>
+            <p:extLst>
+              <p:ext uri="{D42A27DB-BD31-4B8C-83A1-F6EECF244321}">
+                <p14:modId xmlns:p14="http://schemas.microsoft.com/office/powerpoint/2010/main" val="2283445615"/>
+              </p:ext>
+            </p:extLst>
+          </p:nvPr>
+        </p:nvGraphicFramePr>
+        <p:xfrm>
+          <a:off x="6239164" y="3655291"/>
+          <a:ext cx="4572000" cy="2743200"/>
+        </p:xfrm>
+        <a:graphic>
+          <a:graphicData uri="http://schemas.openxmlformats.org/drawingml/2006/chart">
+            <c:chart xmlns:c="http://schemas.openxmlformats.org/drawingml/2006/chart" xmlns:r="http://schemas.openxmlformats.org/officeDocument/2006/relationships" r:id="rId3"/>
+          </a:graphicData>
+        </a:graphic>
+      </p:graphicFrame>
+    </p:spTree>
+    <p:extLst>
+      <p:ext uri="{BB962C8B-B14F-4D97-AF65-F5344CB8AC3E}">
+        <p14:creationId xmlns:p14="http://schemas.microsoft.com/office/powerpoint/2010/main" val="3979863708"/>
+      </p:ext>
+    </p:extLst>
+  </p:cSld>
+  <p:clrMapOvr>
+    <a:masterClrMapping/>
+  </p:clrMapOvr>
+</p:sld>
+</file>
+
+<file path=ppt/slides/slide13.xml><?xml version="1.0" encoding="utf-8"?>
+<p:sld xmlns:a="http://schemas.openxmlformats.org/drawingml/2006/main" xmlns:r="http://schemas.openxmlformats.org/officeDocument/2006/relationships" xmlns:p="http://schemas.openxmlformats.org/presentationml/2006/main">
+  <p:cSld>
+    <p:spTree>
+      <p:nvGrpSpPr>
+        <p:cNvPr id="1" name=""/>
+        <p:cNvGrpSpPr/>
+        <p:nvPr/>
+      </p:nvGrpSpPr>
+      <p:grpSpPr>
+        <a:xfrm>
+          <a:off x="0" y="0"/>
+          <a:ext cx="0" cy="0"/>
+          <a:chOff x="0" y="0"/>
+          <a:chExt cx="0" cy="0"/>
+        </a:xfrm>
+      </p:grpSpPr>
+      <p:sp>
+        <p:nvSpPr>
+          <p:cNvPr id="4" name="Title 1"/>
+          <p:cNvSpPr txBox="1">
+            <a:spLocks/>
+          </p:cNvSpPr>
+          <p:nvPr/>
+        </p:nvSpPr>
+        <p:spPr>
+          <a:xfrm>
+            <a:off x="1414605" y="-450273"/>
+            <a:ext cx="10018713" cy="1752599"/>
+          </a:xfrm>
+          <a:prstGeom prst="rect">
+            <a:avLst/>
+          </a:prstGeom>
+          <a:effectLst/>
+        </p:spPr>
+        <p:txBody>
+          <a:bodyPr vert="horz" lIns="91440" tIns="45720" rIns="91440" bIns="45720" rtlCol="0" anchor="ctr">
+            <a:normAutofit/>
+          </a:bodyPr>
+          <a:lstStyle>
+            <a:lvl1pPr algn="ctr" defTabSz="457200" rtl="0" eaLnBrk="1" latinLnBrk="0" hangingPunct="1">
+              <a:spcBef>
+                <a:spcPct val="0"/>
+              </a:spcBef>
+              <a:buNone/>
+              <a:defRPr sz="4000" kern="1200" cap="none">
+                <a:ln w="3175" cmpd="sng">
+                  <a:noFill/>
+                </a:ln>
+                <a:solidFill>
+                  <a:schemeClr val="tx1"/>
+                </a:solidFill>
+                <a:effectLst/>
+                <a:latin typeface="+mj-lt"/>
+                <a:ea typeface="+mj-ea"/>
+                <a:cs typeface="+mj-cs"/>
+              </a:defRPr>
+            </a:lvl1pPr>
+            <a:lvl2pPr eaLnBrk="1" hangingPunct="1">
+              <a:defRPr>
+                <a:solidFill>
+                  <a:schemeClr val="tx2"/>
+                </a:solidFill>
+              </a:defRPr>
+            </a:lvl2pPr>
+            <a:lvl3pPr eaLnBrk="1" hangingPunct="1">
+              <a:defRPr>
+                <a:solidFill>
+                  <a:schemeClr val="tx2"/>
+                </a:solidFill>
+              </a:defRPr>
+            </a:lvl3pPr>
+            <a:lvl4pPr eaLnBrk="1" hangingPunct="1">
+              <a:defRPr>
+                <a:solidFill>
+                  <a:schemeClr val="tx2"/>
+                </a:solidFill>
+              </a:defRPr>
+            </a:lvl4pPr>
+            <a:lvl5pPr eaLnBrk="1" hangingPunct="1">
+              <a:defRPr>
+                <a:solidFill>
+                  <a:schemeClr val="tx2"/>
+                </a:solidFill>
+              </a:defRPr>
+            </a:lvl5pPr>
+            <a:lvl6pPr eaLnBrk="1" hangingPunct="1">
+              <a:defRPr>
+                <a:solidFill>
+                  <a:schemeClr val="tx2"/>
+                </a:solidFill>
+              </a:defRPr>
+            </a:lvl6pPr>
+            <a:lvl7pPr eaLnBrk="1" hangingPunct="1">
+              <a:defRPr>
+                <a:solidFill>
+                  <a:schemeClr val="tx2"/>
+                </a:solidFill>
+              </a:defRPr>
+            </a:lvl7pPr>
+            <a:lvl8pPr eaLnBrk="1" hangingPunct="1">
+              <a:defRPr>
+                <a:solidFill>
+                  <a:schemeClr val="tx2"/>
+                </a:solidFill>
+              </a:defRPr>
+            </a:lvl8pPr>
+            <a:lvl9pPr eaLnBrk="1" hangingPunct="1">
+              <a:defRPr>
+                <a:solidFill>
+                  <a:schemeClr val="tx2"/>
+                </a:solidFill>
+              </a:defRPr>
+            </a:lvl9pPr>
+          </a:lstStyle>
+          <a:p>
+            <a:r>
+              <a:rPr lang="fr-CH" sz="3200" dirty="0">
+                <a:solidFill>
+                  <a:srgbClr val="0070C0"/>
+                </a:solidFill>
+              </a:rPr>
+              <a:t>Method 2: </a:t>
+            </a:r>
+            <a:r>
+              <a:rPr lang="fr-CH" sz="3200" dirty="0">
+                <a:solidFill>
+                  <a:srgbClr val="0070C0"/>
+                </a:solidFill>
+              </a:rPr>
+              <a:t>LDA Topics</a:t>
+            </a:r>
+          </a:p>
+        </p:txBody>
+      </p:sp>
+      <p:pic>
+        <p:nvPicPr>
+          <p:cNvPr id="11" name="Picture 10"/>
+          <p:cNvPicPr>
+            <a:picLocks noChangeAspect="1"/>
+          </p:cNvPicPr>
+          <p:nvPr/>
+        </p:nvPicPr>
+        <p:blipFill>
+          <a:blip r:embed="rId2">
+            <a:clrChange>
+              <a:clrFrom>
+                <a:srgbClr val="FFFFFF"/>
+              </a:clrFrom>
+              <a:clrTo>
+                <a:srgbClr val="FFFFFF">
+                  <a:alpha val="0"/>
+                </a:srgbClr>
+              </a:clrTo>
+            </a:clrChange>
+          </a:blip>
+          <a:stretch>
+            <a:fillRect/>
+          </a:stretch>
+        </p:blipFill>
+        <p:spPr>
+          <a:xfrm>
+            <a:off x="1414605" y="1055270"/>
+            <a:ext cx="3642676" cy="2309060"/>
+          </a:xfrm>
+          <a:prstGeom prst="rect">
+            <a:avLst/>
+          </a:prstGeom>
+        </p:spPr>
+      </p:pic>
+      <p:pic>
+        <p:nvPicPr>
+          <p:cNvPr id="12" name="Picture 11"/>
+          <p:cNvPicPr>
+            <a:picLocks noChangeAspect="1"/>
+          </p:cNvPicPr>
+          <p:nvPr/>
+        </p:nvPicPr>
+        <p:blipFill>
+          <a:blip r:embed="rId3">
+            <a:clrChange>
+              <a:clrFrom>
+                <a:srgbClr val="FFFFFF"/>
+              </a:clrFrom>
+              <a:clrTo>
+                <a:srgbClr val="FFFFFF">
+                  <a:alpha val="0"/>
+                </a:srgbClr>
+              </a:clrTo>
+            </a:clrChange>
+          </a:blip>
+          <a:stretch>
+            <a:fillRect/>
+          </a:stretch>
+        </p:blipFill>
+        <p:spPr>
+          <a:xfrm>
+            <a:off x="5592688" y="1196252"/>
+            <a:ext cx="3703641" cy="2027096"/>
+          </a:xfrm>
+          <a:prstGeom prst="rect">
+            <a:avLst/>
+          </a:prstGeom>
+        </p:spPr>
+      </p:pic>
+      <p:pic>
+        <p:nvPicPr>
+          <p:cNvPr id="13" name="Picture 12"/>
+          <p:cNvPicPr>
+            <a:picLocks noChangeAspect="1"/>
+          </p:cNvPicPr>
+          <p:nvPr/>
+        </p:nvPicPr>
+        <p:blipFill>
+          <a:blip r:embed="rId4">
+            <a:clrChange>
+              <a:clrFrom>
+                <a:srgbClr val="FFFFFF"/>
+              </a:clrFrom>
+              <a:clrTo>
+                <a:srgbClr val="FFFFFF">
+                  <a:alpha val="0"/>
+                </a:srgbClr>
+              </a:clrTo>
+            </a:clrChange>
+          </a:blip>
+          <a:stretch>
+            <a:fillRect/>
+          </a:stretch>
+        </p:blipFill>
+        <p:spPr>
+          <a:xfrm>
+            <a:off x="1197337" y="3223348"/>
+            <a:ext cx="3627434" cy="2339543"/>
+          </a:xfrm>
+          <a:prstGeom prst="rect">
+            <a:avLst/>
+          </a:prstGeom>
+        </p:spPr>
+      </p:pic>
+      <p:pic>
+        <p:nvPicPr>
+          <p:cNvPr id="14" name="Picture 13"/>
+          <p:cNvPicPr>
+            <a:picLocks noChangeAspect="1"/>
+          </p:cNvPicPr>
+          <p:nvPr/>
+        </p:nvPicPr>
+        <p:blipFill>
+          <a:blip r:embed="rId5">
+            <a:clrChange>
+              <a:clrFrom>
+                <a:srgbClr val="FFFFFF"/>
+              </a:clrFrom>
+              <a:clrTo>
+                <a:srgbClr val="FFFFFF">
+                  <a:alpha val="0"/>
+                </a:srgbClr>
+              </a:clrTo>
+            </a:clrChange>
+          </a:blip>
+          <a:stretch>
+            <a:fillRect/>
+          </a:stretch>
+        </p:blipFill>
+        <p:spPr>
+          <a:xfrm>
+            <a:off x="5360178" y="3058982"/>
+            <a:ext cx="3650296" cy="2347163"/>
+          </a:xfrm>
+          <a:prstGeom prst="rect">
+            <a:avLst/>
+          </a:prstGeom>
+        </p:spPr>
+      </p:pic>
+      <p:pic>
+        <p:nvPicPr>
+          <p:cNvPr id="15" name="Picture 14"/>
+          <p:cNvPicPr>
+            <a:picLocks noChangeAspect="1"/>
+          </p:cNvPicPr>
+          <p:nvPr/>
+        </p:nvPicPr>
+        <p:blipFill>
+          <a:blip r:embed="rId6">
+            <a:clrChange>
+              <a:clrFrom>
+                <a:srgbClr val="FFFFFF"/>
+              </a:clrFrom>
+              <a:clrTo>
+                <a:srgbClr val="FFFFFF">
+                  <a:alpha val="0"/>
+                </a:srgbClr>
+              </a:clrTo>
+            </a:clrChange>
+          </a:blip>
+          <a:stretch>
+            <a:fillRect/>
+          </a:stretch>
+        </p:blipFill>
+        <p:spPr>
+          <a:xfrm>
+            <a:off x="8577071" y="2094010"/>
+            <a:ext cx="3756986" cy="2392887"/>
+          </a:xfrm>
+          <a:prstGeom prst="rect">
+            <a:avLst/>
+          </a:prstGeom>
+        </p:spPr>
+      </p:pic>
+      <p:pic>
+        <p:nvPicPr>
+          <p:cNvPr id="16" name="Picture 15"/>
+          <p:cNvPicPr>
+            <a:picLocks noChangeAspect="1"/>
+          </p:cNvPicPr>
+          <p:nvPr/>
+        </p:nvPicPr>
+        <p:blipFill>
+          <a:blip r:embed="rId7">
+            <a:clrChange>
+              <a:clrFrom>
+                <a:srgbClr val="FFFFFF"/>
+              </a:clrFrom>
+              <a:clrTo>
+                <a:srgbClr val="FFFFFF">
+                  <a:alpha val="0"/>
+                </a:srgbClr>
+              </a:clrTo>
+            </a:clrChange>
+          </a:blip>
+          <a:stretch>
+            <a:fillRect/>
+          </a:stretch>
+        </p:blipFill>
+        <p:spPr>
+          <a:xfrm>
+            <a:off x="8304369" y="4680556"/>
+            <a:ext cx="3711262" cy="2004234"/>
+          </a:xfrm>
+          <a:prstGeom prst="rect">
+            <a:avLst/>
+          </a:prstGeom>
+        </p:spPr>
+      </p:pic>
+    </p:spTree>
+    <p:extLst>
+      <p:ext uri="{BB962C8B-B14F-4D97-AF65-F5344CB8AC3E}">
+        <p14:creationId xmlns:p14="http://schemas.microsoft.com/office/powerpoint/2010/main" val="2302230456"/>
+      </p:ext>
+    </p:extLst>
+  </p:cSld>
+  <p:clrMapOvr>
+    <a:masterClrMapping/>
+  </p:clrMapOvr>
+</p:sld>
+</file>
+
+<file path=ppt/slides/slide14.xml><?xml version="1.0" encoding="utf-8"?>
+<p:sld xmlns:a="http://schemas.openxmlformats.org/drawingml/2006/main" xmlns:r="http://schemas.openxmlformats.org/officeDocument/2006/relationships" xmlns:p="http://schemas.openxmlformats.org/presentationml/2006/main">
+  <p:cSld>
+    <p:spTree>
+      <p:nvGrpSpPr>
+        <p:cNvPr id="1" name=""/>
+        <p:cNvGrpSpPr/>
+        <p:nvPr/>
+      </p:nvGrpSpPr>
+      <p:grpSpPr>
+        <a:xfrm>
+          <a:off x="0" y="0"/>
+          <a:ext cx="0" cy="0"/>
+          <a:chOff x="0" y="0"/>
+          <a:chExt cx="0" cy="0"/>
+        </a:xfrm>
+      </p:grpSpPr>
+      <p:sp>
+        <p:nvSpPr>
+          <p:cNvPr id="2" name="Title 1"/>
+          <p:cNvSpPr>
+            <a:spLocks noGrp="1"/>
+          </p:cNvSpPr>
+          <p:nvPr>
+            <p:ph type="title"/>
+          </p:nvPr>
+        </p:nvSpPr>
+        <p:spPr>
+          <a:xfrm>
+            <a:off x="1484309" y="233218"/>
+            <a:ext cx="10018713" cy="1115291"/>
+          </a:xfrm>
+        </p:spPr>
         <p:txBody>
           <a:bodyPr/>
           <a:lstStyle/>
           <a:p>
             <a:r>
-              <a:rPr lang="fr-CH" dirty="0" err="1"/>
-              <a:t>Interesting</a:t>
-            </a:r>
-            <a:r>
-              <a:rPr lang="fr-CH" dirty="0"/>
-              <a:t> </a:t>
-            </a:r>
-            <a:r>
-              <a:rPr lang="fr-CH" dirty="0" err="1"/>
-              <a:t>findings</a:t>
-            </a:r>
-            <a:endParaRPr lang="fr-CH" dirty="0"/>
+              <a:rPr lang="fr-CH" dirty="0">
+                <a:solidFill>
+                  <a:srgbClr val="0070C0"/>
+                </a:solidFill>
+              </a:rPr>
+              <a:t>Method 2 : </a:t>
+            </a:r>
+            <a:r>
+              <a:rPr lang="fr-CH" dirty="0" err="1">
+                <a:solidFill>
+                  <a:srgbClr val="0070C0"/>
+                </a:solidFill>
+              </a:rPr>
+              <a:t>Recommendation</a:t>
+            </a:r>
+            <a:endParaRPr lang="fr-CH" dirty="0">
+              <a:solidFill>
+                <a:srgbClr val="0070C0"/>
+              </a:solidFill>
+            </a:endParaRPr>
           </a:p>
         </p:txBody>
       </p:sp>
@@ -6364,7 +9101,106 @@
             <p:ph idx="1"/>
           </p:nvPr>
         </p:nvSpPr>
-        <p:spPr/>
+        <p:spPr>
+          <a:xfrm>
+            <a:off x="1484308" y="2011217"/>
+            <a:ext cx="10018713" cy="3124201"/>
+          </a:xfrm>
+        </p:spPr>
+        <p:txBody>
+          <a:bodyPr>
+            <a:normAutofit/>
+          </a:bodyPr>
+          <a:lstStyle/>
+          <a:p>
+            <a:r>
+              <a:rPr lang="en-GB" dirty="0"/>
+              <a:t>Get distribution of emails across topics (LDA)</a:t>
+            </a:r>
+          </a:p>
+          <a:p>
+            <a:r>
+              <a:rPr lang="en-GB" dirty="0"/>
+              <a:t>Get the distribution of mentee interests across the topics (LDA), take 2 top topics</a:t>
+            </a:r>
+          </a:p>
+          <a:p>
+            <a:r>
+              <a:rPr lang="en-GB" dirty="0"/>
+              <a:t>Find emails that contain the above 2 topics in their </a:t>
+            </a:r>
+            <a:r>
+              <a:rPr lang="en-GB" dirty="0" err="1"/>
+              <a:t>vectoral</a:t>
+            </a:r>
+            <a:r>
+              <a:rPr lang="en-GB" dirty="0"/>
+              <a:t> representation</a:t>
+            </a:r>
+          </a:p>
+          <a:p>
+            <a:r>
+              <a:rPr lang="en-GB" dirty="0"/>
+              <a:t>Group similarity score by email author</a:t>
+            </a:r>
+          </a:p>
+          <a:p>
+            <a:r>
+              <a:rPr lang="en-GB" dirty="0"/>
+              <a:t>Propose those authors for mentor role</a:t>
+            </a:r>
+          </a:p>
+          <a:p>
+            <a:endParaRPr lang="en-GB" dirty="0"/>
+          </a:p>
+        </p:txBody>
+      </p:sp>
+    </p:spTree>
+    <p:extLst>
+      <p:ext uri="{BB962C8B-B14F-4D97-AF65-F5344CB8AC3E}">
+        <p14:creationId xmlns:p14="http://schemas.microsoft.com/office/powerpoint/2010/main" val="1705277750"/>
+      </p:ext>
+    </p:extLst>
+  </p:cSld>
+  <p:clrMapOvr>
+    <a:masterClrMapping/>
+  </p:clrMapOvr>
+</p:sld>
+</file>
+
+<file path=ppt/slides/slide15.xml><?xml version="1.0" encoding="utf-8"?>
+<p:sld xmlns:a="http://schemas.openxmlformats.org/drawingml/2006/main" xmlns:r="http://schemas.openxmlformats.org/officeDocument/2006/relationships" xmlns:p="http://schemas.openxmlformats.org/presentationml/2006/main">
+  <p:cSld>
+    <p:spTree>
+      <p:nvGrpSpPr>
+        <p:cNvPr id="1" name=""/>
+        <p:cNvGrpSpPr/>
+        <p:nvPr/>
+      </p:nvGrpSpPr>
+      <p:grpSpPr>
+        <a:xfrm>
+          <a:off x="0" y="0"/>
+          <a:ext cx="0" cy="0"/>
+          <a:chOff x="0" y="0"/>
+          <a:chExt cx="0" cy="0"/>
+        </a:xfrm>
+      </p:grpSpPr>
+      <p:sp>
+        <p:nvSpPr>
+          <p:cNvPr id="3" name="Content Placeholder 2"/>
+          <p:cNvSpPr>
+            <a:spLocks noGrp="1"/>
+          </p:cNvSpPr>
+          <p:nvPr>
+            <p:ph idx="1"/>
+          </p:nvPr>
+        </p:nvSpPr>
+        <p:spPr>
+          <a:xfrm>
+            <a:off x="1918419" y="1835726"/>
+            <a:ext cx="10018713" cy="3124201"/>
+          </a:xfrm>
+        </p:spPr>
         <p:txBody>
           <a:bodyPr>
             <a:normAutofit lnSpcReduction="10000"/>
@@ -6373,30 +9209,14 @@
           <a:p>
             <a:r>
               <a:rPr lang="en-US" dirty="0"/>
-              <a:t>Everything is about </a:t>
-            </a:r>
-            <a:r>
-              <a:rPr lang="en-US" dirty="0" err="1"/>
-              <a:t>gaz</a:t>
-            </a:r>
+              <a:t>Everything is about gas and trade</a:t>
+            </a:r>
+          </a:p>
+          <a:p>
+            <a:pPr lvl="1"/>
             <a:r>
               <a:rPr lang="en-US" dirty="0"/>
-              <a:t> and trade</a:t>
-            </a:r>
-          </a:p>
-          <a:p>
-            <a:pPr lvl="1"/>
-            <a:r>
-              <a:rPr lang="en-US" dirty="0"/>
-              <a:t>Not surprising, given that «</a:t>
-            </a:r>
-            <a:r>
-              <a:rPr lang="en-US" dirty="0"/>
-              <a:t>Enron Corporation was an American energy, commodities, and services company based in Houston, Texas</a:t>
-            </a:r>
-            <a:r>
-              <a:rPr lang="en-US" dirty="0"/>
-              <a:t>» - Wikipedia</a:t>
+              <a:t>Not surprising, given that «Enron Corporation was an American energy, commodities, and services company based in Houston, Texas» - Wikipedia</a:t>
             </a:r>
           </a:p>
           <a:p>
@@ -6416,7 +9236,7 @@
             <a:pPr lvl="1"/>
             <a:r>
               <a:rPr lang="en-US" dirty="0"/>
-              <a:t>TFIDF &gt; </a:t>
+              <a:t>TFIDF  &gt;  </a:t>
             </a:r>
             <a:r>
               <a:rPr lang="en-US" dirty="0" err="1"/>
@@ -6432,6 +9252,137 @@
           </a:p>
           <a:p>
             <a:endParaRPr lang="en-US" dirty="0"/>
+          </a:p>
+        </p:txBody>
+      </p:sp>
+      <p:sp>
+        <p:nvSpPr>
+          <p:cNvPr id="4" name="Title 1"/>
+          <p:cNvSpPr txBox="1">
+            <a:spLocks/>
+          </p:cNvSpPr>
+          <p:nvPr/>
+        </p:nvSpPr>
+        <p:spPr>
+          <a:xfrm>
+            <a:off x="874710" y="-284018"/>
+            <a:ext cx="10018713" cy="1752599"/>
+          </a:xfrm>
+          <a:prstGeom prst="rect">
+            <a:avLst/>
+          </a:prstGeom>
+          <a:effectLst/>
+        </p:spPr>
+        <p:txBody>
+          <a:bodyPr vert="horz" lIns="91440" tIns="45720" rIns="91440" bIns="45720" rtlCol="0" anchor="ctr">
+            <a:normAutofit/>
+          </a:bodyPr>
+          <a:lstStyle>
+            <a:lvl1pPr algn="ctr" defTabSz="457200" rtl="0" eaLnBrk="1" latinLnBrk="0" hangingPunct="1">
+              <a:spcBef>
+                <a:spcPct val="0"/>
+              </a:spcBef>
+              <a:buNone/>
+              <a:defRPr sz="4000" kern="1200" cap="none">
+                <a:ln w="3175" cmpd="sng">
+                  <a:noFill/>
+                </a:ln>
+                <a:solidFill>
+                  <a:schemeClr val="tx1"/>
+                </a:solidFill>
+                <a:effectLst/>
+                <a:latin typeface="+mj-lt"/>
+                <a:ea typeface="+mj-ea"/>
+                <a:cs typeface="+mj-cs"/>
+              </a:defRPr>
+            </a:lvl1pPr>
+            <a:lvl2pPr eaLnBrk="1" hangingPunct="1">
+              <a:defRPr>
+                <a:solidFill>
+                  <a:schemeClr val="tx2"/>
+                </a:solidFill>
+              </a:defRPr>
+            </a:lvl2pPr>
+            <a:lvl3pPr eaLnBrk="1" hangingPunct="1">
+              <a:defRPr>
+                <a:solidFill>
+                  <a:schemeClr val="tx2"/>
+                </a:solidFill>
+              </a:defRPr>
+            </a:lvl3pPr>
+            <a:lvl4pPr eaLnBrk="1" hangingPunct="1">
+              <a:defRPr>
+                <a:solidFill>
+                  <a:schemeClr val="tx2"/>
+                </a:solidFill>
+              </a:defRPr>
+            </a:lvl4pPr>
+            <a:lvl5pPr eaLnBrk="1" hangingPunct="1">
+              <a:defRPr>
+                <a:solidFill>
+                  <a:schemeClr val="tx2"/>
+                </a:solidFill>
+              </a:defRPr>
+            </a:lvl5pPr>
+            <a:lvl6pPr eaLnBrk="1" hangingPunct="1">
+              <a:defRPr>
+                <a:solidFill>
+                  <a:schemeClr val="tx2"/>
+                </a:solidFill>
+              </a:defRPr>
+            </a:lvl6pPr>
+            <a:lvl7pPr eaLnBrk="1" hangingPunct="1">
+              <a:defRPr>
+                <a:solidFill>
+                  <a:schemeClr val="tx2"/>
+                </a:solidFill>
+              </a:defRPr>
+            </a:lvl7pPr>
+            <a:lvl8pPr eaLnBrk="1" hangingPunct="1">
+              <a:defRPr>
+                <a:solidFill>
+                  <a:schemeClr val="tx2"/>
+                </a:solidFill>
+              </a:defRPr>
+            </a:lvl8pPr>
+            <a:lvl9pPr eaLnBrk="1" hangingPunct="1">
+              <a:defRPr>
+                <a:solidFill>
+                  <a:schemeClr val="tx2"/>
+                </a:solidFill>
+              </a:defRPr>
+            </a:lvl9pPr>
+          </a:lstStyle>
+          <a:p>
+            <a:r>
+              <a:rPr lang="fr-CH" sz="3200" dirty="0" err="1">
+                <a:solidFill>
+                  <a:srgbClr val="0070C0"/>
+                </a:solidFill>
+              </a:rPr>
+              <a:t>Interesting</a:t>
+            </a:r>
+            <a:r>
+              <a:rPr lang="fr-CH" sz="3200" dirty="0">
+                <a:solidFill>
+                  <a:srgbClr val="0070C0"/>
+                </a:solidFill>
+              </a:rPr>
+              <a:t> </a:t>
+            </a:r>
+            <a:r>
+              <a:rPr lang="fr-CH" sz="3200" dirty="0" err="1">
+                <a:solidFill>
+                  <a:srgbClr val="0070C0"/>
+                </a:solidFill>
+              </a:rPr>
+              <a:t>findings</a:t>
+            </a:r>
+            <a:endParaRPr lang="fr-CH" sz="3200" dirty="0">
+              <a:solidFill>
+                <a:srgbClr val="0070C0"/>
+              </a:solidFill>
+            </a:endParaRPr>
           </a:p>
         </p:txBody>
       </p:sp>
@@ -6439,6 +9390,122 @@
     <p:extLst>
       <p:ext uri="{BB962C8B-B14F-4D97-AF65-F5344CB8AC3E}">
         <p14:creationId xmlns:p14="http://schemas.microsoft.com/office/powerpoint/2010/main" val="1119481367"/>
+      </p:ext>
+    </p:extLst>
+  </p:cSld>
+  <p:clrMapOvr>
+    <a:masterClrMapping/>
+  </p:clrMapOvr>
+</p:sld>
+</file>
+
+<file path=ppt/slides/slide16.xml><?xml version="1.0" encoding="utf-8"?>
+<p:sld xmlns:a="http://schemas.openxmlformats.org/drawingml/2006/main" xmlns:r="http://schemas.openxmlformats.org/officeDocument/2006/relationships" xmlns:p="http://schemas.openxmlformats.org/presentationml/2006/main">
+  <p:cSld>
+    <p:spTree>
+      <p:nvGrpSpPr>
+        <p:cNvPr id="1" name=""/>
+        <p:cNvGrpSpPr/>
+        <p:nvPr/>
+      </p:nvGrpSpPr>
+      <p:grpSpPr>
+        <a:xfrm>
+          <a:off x="0" y="0"/>
+          <a:ext cx="0" cy="0"/>
+          <a:chOff x="0" y="0"/>
+          <a:chExt cx="0" cy="0"/>
+        </a:xfrm>
+      </p:grpSpPr>
+      <p:sp>
+        <p:nvSpPr>
+          <p:cNvPr id="2" name="Title 1"/>
+          <p:cNvSpPr>
+            <a:spLocks noGrp="1"/>
+          </p:cNvSpPr>
+          <p:nvPr>
+            <p:ph type="title"/>
+          </p:nvPr>
+        </p:nvSpPr>
+        <p:spPr>
+          <a:xfrm>
+            <a:off x="1355002" y="0"/>
+            <a:ext cx="10018713" cy="1752599"/>
+          </a:xfrm>
+        </p:spPr>
+        <p:txBody>
+          <a:bodyPr/>
+          <a:lstStyle/>
+          <a:p>
+            <a:r>
+              <a:rPr lang="fr-CH" dirty="0">
+                <a:solidFill>
+                  <a:srgbClr val="0070C0"/>
+                </a:solidFill>
+              </a:rPr>
+              <a:t>Alternative </a:t>
+            </a:r>
+            <a:r>
+              <a:rPr lang="fr-CH" dirty="0" err="1">
+                <a:solidFill>
+                  <a:srgbClr val="0070C0"/>
+                </a:solidFill>
+              </a:rPr>
+              <a:t>methods</a:t>
+            </a:r>
+            <a:endParaRPr lang="fr-CH" dirty="0">
+              <a:solidFill>
+                <a:srgbClr val="0070C0"/>
+              </a:solidFill>
+            </a:endParaRPr>
+          </a:p>
+        </p:txBody>
+      </p:sp>
+      <p:sp>
+        <p:nvSpPr>
+          <p:cNvPr id="3" name="Content Placeholder 2"/>
+          <p:cNvSpPr>
+            <a:spLocks noGrp="1"/>
+          </p:cNvSpPr>
+          <p:nvPr>
+            <p:ph idx="1"/>
+          </p:nvPr>
+        </p:nvSpPr>
+        <p:spPr>
+          <a:xfrm>
+            <a:off x="2472601" y="1567871"/>
+            <a:ext cx="10018713" cy="3124201"/>
+          </a:xfrm>
+        </p:spPr>
+        <p:txBody>
+          <a:bodyPr/>
+          <a:lstStyle/>
+          <a:p>
+            <a:r>
+              <a:rPr lang="fr-CH" dirty="0" err="1"/>
+              <a:t>Clastering</a:t>
+            </a:r>
+            <a:r>
+              <a:rPr lang="fr-CH" dirty="0"/>
+              <a:t> on top of Doc2Vec</a:t>
+            </a:r>
+          </a:p>
+          <a:p>
+            <a:r>
+              <a:rPr lang="fr-CH" dirty="0"/>
+              <a:t>Collaborative </a:t>
+            </a:r>
+            <a:r>
+              <a:rPr lang="fr-CH" dirty="0" err="1"/>
+              <a:t>filtering</a:t>
+            </a:r>
+            <a:endParaRPr lang="fr-CH" dirty="0"/>
+          </a:p>
+        </p:txBody>
+      </p:sp>
+    </p:spTree>
+    <p:extLst>
+      <p:ext uri="{BB962C8B-B14F-4D97-AF65-F5344CB8AC3E}">
+        <p14:creationId xmlns:p14="http://schemas.microsoft.com/office/powerpoint/2010/main" val="2084934574"/>
       </p:ext>
     </p:extLst>
   </p:cSld>
@@ -6477,50 +9544,90 @@
         </p:nvSpPr>
         <p:spPr>
           <a:xfrm>
-            <a:off x="1469442" y="262054"/>
-            <a:ext cx="10018713" cy="527473"/>
+            <a:off x="1484309" y="94673"/>
+            <a:ext cx="10018713" cy="1318491"/>
           </a:xfrm>
         </p:spPr>
         <p:txBody>
           <a:bodyPr>
-            <a:normAutofit fontScale="90000"/>
+            <a:normAutofit/>
           </a:bodyPr>
           <a:lstStyle/>
           <a:p>
             <a:r>
-              <a:rPr lang="fr-CH" dirty="0"/>
-              <a:t>Enron emails</a:t>
-            </a:r>
+              <a:rPr lang="en-US" sz="3200">
+                <a:solidFill>
+                  <a:srgbClr val="0070C0"/>
+                </a:solidFill>
+              </a:rPr>
+              <a:t>Find yourself a mentor from the pole of Enron professionals</a:t>
+            </a:r>
+            <a:endParaRPr lang="fr-CH" sz="3200">
+              <a:solidFill>
+                <a:srgbClr val="0070C0"/>
+              </a:solidFill>
+            </a:endParaRPr>
           </a:p>
         </p:txBody>
       </p:sp>
-      <p:pic>
-        <p:nvPicPr>
-          <p:cNvPr id="4" name="Picture 3"/>
-          <p:cNvPicPr>
-            <a:picLocks noChangeAspect="1"/>
-          </p:cNvPicPr>
-          <p:nvPr/>
-        </p:nvPicPr>
-        <p:blipFill rotWithShape="1">
-          <a:blip r:embed="rId2"/>
-          <a:srcRect r="1544"/>
-          <a:stretch/>
-        </p:blipFill>
+      <p:sp>
+        <p:nvSpPr>
+          <p:cNvPr id="3" name="Content Placeholder 2"/>
+          <p:cNvSpPr>
+            <a:spLocks noGrp="1"/>
+          </p:cNvSpPr>
+          <p:nvPr>
+            <p:ph idx="1"/>
+          </p:nvPr>
+        </p:nvSpPr>
         <p:spPr>
           <a:xfrm>
-            <a:off x="2605871" y="1213273"/>
-            <a:ext cx="7322875" cy="5027693"/>
+            <a:off x="1678274" y="1697180"/>
+            <a:ext cx="10018713" cy="3124201"/>
           </a:xfrm>
-          <a:prstGeom prst="rect">
-            <a:avLst/>
-          </a:prstGeom>
         </p:spPr>
-      </p:pic>
+        <p:txBody>
+          <a:bodyPr>
+            <a:normAutofit lnSpcReduction="10000"/>
+          </a:bodyPr>
+          <a:lstStyle/>
+          <a:p>
+            <a:r>
+              <a:rPr lang="en-US"/>
+              <a:t>Enron Corporation is an American energy, commodities, and services company based in Houston, Texas.</a:t>
+            </a:r>
+          </a:p>
+          <a:p>
+            <a:r>
+              <a:rPr lang="en-US" dirty="0"/>
+              <a:t>Our professionals are actively involved in mentoring activities for youth and they would be happy to help. Find your mentor in two steps: fill the form with the keywords of skills researched and press Go!</a:t>
+            </a:r>
+          </a:p>
+          <a:p>
+            <a:pPr marL="0" indent="0">
+              <a:buNone/>
+            </a:pPr>
+            <a:endParaRPr lang="en-US" dirty="0"/>
+          </a:p>
+          <a:p>
+            <a:pPr algn="ctr"/>
+            <a:r>
+              <a:rPr lang="en-US" dirty="0">
+                <a:hlinkClick r:id="rId2"/>
+              </a:rPr>
+              <a:t>http://193.70.6.96:8000/</a:t>
+            </a:r>
+            <a:endParaRPr lang="en-US" dirty="0"/>
+          </a:p>
+          <a:p>
+            <a:endParaRPr lang="fr-CH"/>
+          </a:p>
+        </p:txBody>
+      </p:sp>
     </p:spTree>
     <p:extLst>
       <p:ext uri="{BB962C8B-B14F-4D97-AF65-F5344CB8AC3E}">
-        <p14:creationId xmlns:p14="http://schemas.microsoft.com/office/powerpoint/2010/main" val="2797638510"/>
+        <p14:creationId xmlns:p14="http://schemas.microsoft.com/office/powerpoint/2010/main" val="3731678244"/>
       </p:ext>
     </p:extLst>
   </p:cSld>
@@ -6557,14 +9664,21 @@
             <p:ph type="title"/>
           </p:nvPr>
         </p:nvSpPr>
-        <p:spPr/>
+        <p:spPr>
+          <a:xfrm>
+            <a:off x="1469442" y="262054"/>
+            <a:ext cx="10018713" cy="527473"/>
+          </a:xfrm>
+        </p:spPr>
         <p:txBody>
-          <a:bodyPr/>
+          <a:bodyPr>
+            <a:noAutofit/>
+          </a:bodyPr>
           <a:lstStyle/>
           <a:p>
             <a:r>
-              <a:rPr lang="fr-CH" dirty="0"/>
-              <a:t>Enron emails</a:t>
+              <a:rPr lang="fr-CH" sz="3200" dirty="0"/>
+              <a:t>Mentor description: Enron emails</a:t>
             </a:r>
           </a:p>
         </p:txBody>
@@ -6578,7 +9692,104 @@
           <p:nvPr/>
         </p:nvPicPr>
         <p:blipFill rotWithShape="1">
-          <a:blip r:embed="rId2"/>
+          <a:blip r:embed="rId2">
+            <a:clrChange>
+              <a:clrFrom>
+                <a:srgbClr val="FFFFFF"/>
+              </a:clrFrom>
+              <a:clrTo>
+                <a:srgbClr val="FFFFFF">
+                  <a:alpha val="0"/>
+                </a:srgbClr>
+              </a:clrTo>
+            </a:clrChange>
+          </a:blip>
+          <a:srcRect r="1544"/>
+          <a:stretch/>
+        </p:blipFill>
+        <p:spPr>
+          <a:xfrm>
+            <a:off x="2605871" y="1213273"/>
+            <a:ext cx="7322875" cy="5027693"/>
+          </a:xfrm>
+          <a:prstGeom prst="rect">
+            <a:avLst/>
+          </a:prstGeom>
+        </p:spPr>
+      </p:pic>
+    </p:spTree>
+    <p:extLst>
+      <p:ext uri="{BB962C8B-B14F-4D97-AF65-F5344CB8AC3E}">
+        <p14:creationId xmlns:p14="http://schemas.microsoft.com/office/powerpoint/2010/main" val="2797638510"/>
+      </p:ext>
+    </p:extLst>
+  </p:cSld>
+  <p:clrMapOvr>
+    <a:masterClrMapping/>
+  </p:clrMapOvr>
+</p:sld>
+</file>
+
+<file path=ppt/slides/slide4.xml><?xml version="1.0" encoding="utf-8"?>
+<p:sld xmlns:a="http://schemas.openxmlformats.org/drawingml/2006/main" xmlns:r="http://schemas.openxmlformats.org/officeDocument/2006/relationships" xmlns:p="http://schemas.openxmlformats.org/presentationml/2006/main">
+  <p:cSld>
+    <p:spTree>
+      <p:nvGrpSpPr>
+        <p:cNvPr id="1" name=""/>
+        <p:cNvGrpSpPr/>
+        <p:nvPr/>
+      </p:nvGrpSpPr>
+      <p:grpSpPr>
+        <a:xfrm>
+          <a:off x="0" y="0"/>
+          <a:ext cx="0" cy="0"/>
+          <a:chOff x="0" y="0"/>
+          <a:chExt cx="0" cy="0"/>
+        </a:xfrm>
+      </p:grpSpPr>
+      <p:sp>
+        <p:nvSpPr>
+          <p:cNvPr id="2" name="Title 1"/>
+          <p:cNvSpPr>
+            <a:spLocks noGrp="1"/>
+          </p:cNvSpPr>
+          <p:nvPr>
+            <p:ph type="title"/>
+          </p:nvPr>
+        </p:nvSpPr>
+        <p:spPr/>
+        <p:txBody>
+          <a:bodyPr/>
+          <a:lstStyle/>
+          <a:p>
+            <a:r>
+              <a:rPr lang="fr-CH" dirty="0"/>
+              <a:t>Enron emails</a:t>
+            </a:r>
+          </a:p>
+        </p:txBody>
+      </p:sp>
+      <p:pic>
+        <p:nvPicPr>
+          <p:cNvPr id="4" name="Picture 3"/>
+          <p:cNvPicPr>
+            <a:picLocks noChangeAspect="1"/>
+          </p:cNvPicPr>
+          <p:nvPr/>
+        </p:nvPicPr>
+        <p:blipFill rotWithShape="1">
+          <a:blip r:embed="rId2">
+            <a:clrChange>
+              <a:clrFrom>
+                <a:srgbClr val="FFFFFF"/>
+              </a:clrFrom>
+              <a:clrTo>
+                <a:srgbClr val="FFFFFF">
+                  <a:alpha val="0"/>
+                </a:srgbClr>
+              </a:clrTo>
+            </a:clrChange>
+          </a:blip>
           <a:srcRect r="1544"/>
           <a:stretch/>
         </p:blipFill>
@@ -6876,10 +10087,18 @@
           </a:lstStyle>
           <a:p>
             <a:r>
-              <a:rPr lang="fr-CH"/>
-              <a:t>Enron emails</a:t>
-            </a:r>
-            <a:endParaRPr lang="fr-CH" dirty="0"/>
+              <a:rPr lang="fr-CH" dirty="0">
+                <a:solidFill>
+                  <a:srgbClr val="0070C0"/>
+                </a:solidFill>
+              </a:rPr>
+              <a:t>Mentor description: Enron emails</a:t>
+            </a:r>
+            <a:endParaRPr lang="fr-CH" dirty="0">
+              <a:solidFill>
+                <a:srgbClr val="0070C0"/>
+              </a:solidFill>
+            </a:endParaRPr>
           </a:p>
         </p:txBody>
       </p:sp>
@@ -6887,209 +10106,6 @@
     <p:extLst>
       <p:ext uri="{BB962C8B-B14F-4D97-AF65-F5344CB8AC3E}">
         <p14:creationId xmlns:p14="http://schemas.microsoft.com/office/powerpoint/2010/main" val="3729012249"/>
-      </p:ext>
-    </p:extLst>
-  </p:cSld>
-  <p:clrMapOvr>
-    <a:masterClrMapping/>
-  </p:clrMapOvr>
-</p:sld>
-</file>
-
-<file path=ppt/slides/slide4.xml><?xml version="1.0" encoding="utf-8"?>
-<p:sld xmlns:a="http://schemas.openxmlformats.org/drawingml/2006/main" xmlns:r="http://schemas.openxmlformats.org/officeDocument/2006/relationships" xmlns:p="http://schemas.openxmlformats.org/presentationml/2006/main">
-  <p:cSld>
-    <p:spTree>
-      <p:nvGrpSpPr>
-        <p:cNvPr id="1" name=""/>
-        <p:cNvGrpSpPr/>
-        <p:nvPr/>
-      </p:nvGrpSpPr>
-      <p:grpSpPr>
-        <a:xfrm>
-          <a:off x="0" y="0"/>
-          <a:ext cx="0" cy="0"/>
-          <a:chOff x="0" y="0"/>
-          <a:chExt cx="0" cy="0"/>
-        </a:xfrm>
-      </p:grpSpPr>
-      <p:sp>
-        <p:nvSpPr>
-          <p:cNvPr id="2" name="Title 1"/>
-          <p:cNvSpPr>
-            <a:spLocks noGrp="1"/>
-          </p:cNvSpPr>
-          <p:nvPr>
-            <p:ph type="title"/>
-          </p:nvPr>
-        </p:nvSpPr>
-        <p:spPr/>
-        <p:txBody>
-          <a:bodyPr/>
-          <a:lstStyle/>
-          <a:p>
-            <a:r>
-              <a:rPr lang="fr-CH" dirty="0"/>
-              <a:t>Enron emails: Topics</a:t>
-            </a:r>
-          </a:p>
-        </p:txBody>
-      </p:sp>
-      <p:sp>
-        <p:nvSpPr>
-          <p:cNvPr id="3" name="Content Placeholder 2"/>
-          <p:cNvSpPr>
-            <a:spLocks noGrp="1"/>
-          </p:cNvSpPr>
-          <p:nvPr>
-            <p:ph idx="1"/>
-          </p:nvPr>
-        </p:nvSpPr>
-        <p:spPr/>
-        <p:txBody>
-          <a:bodyPr/>
-          <a:lstStyle/>
-          <a:p>
-            <a:r>
-              <a:rPr lang="fr-CH" dirty="0" err="1"/>
-              <a:t>Legal</a:t>
-            </a:r>
-            <a:endParaRPr lang="fr-CH" dirty="0"/>
-          </a:p>
-          <a:p>
-            <a:r>
-              <a:rPr lang="fr-CH" dirty="0"/>
-              <a:t>Administrative</a:t>
-            </a:r>
-          </a:p>
-          <a:p>
-            <a:r>
-              <a:rPr lang="fr-CH" dirty="0"/>
-              <a:t>Trade</a:t>
-            </a:r>
-          </a:p>
-          <a:p>
-            <a:r>
-              <a:rPr lang="fr-CH" dirty="0" err="1"/>
-              <a:t>Gas</a:t>
-            </a:r>
-            <a:r>
-              <a:rPr lang="fr-CH" dirty="0"/>
-              <a:t> </a:t>
-            </a:r>
-            <a:r>
-              <a:rPr lang="fr-CH" dirty="0" err="1"/>
-              <a:t>market</a:t>
-            </a:r>
-            <a:r>
-              <a:rPr lang="fr-CH" dirty="0"/>
-              <a:t> </a:t>
-            </a:r>
-            <a:r>
-              <a:rPr lang="fr-CH" dirty="0" err="1"/>
-              <a:t>specifics</a:t>
-            </a:r>
-            <a:endParaRPr lang="fr-CH" dirty="0"/>
-          </a:p>
-        </p:txBody>
-      </p:sp>
-      <p:sp>
-        <p:nvSpPr>
-          <p:cNvPr id="4" name="Right Brace 3"/>
-          <p:cNvSpPr/>
-          <p:nvPr/>
-        </p:nvSpPr>
-        <p:spPr>
-          <a:xfrm>
-            <a:off x="5478966" y="2839844"/>
-            <a:ext cx="1159727" cy="3159512"/>
-          </a:xfrm>
-          <a:prstGeom prst="rightBrace">
-            <a:avLst/>
-          </a:prstGeom>
-          <a:ln>
-            <a:solidFill>
-              <a:srgbClr val="0070C0"/>
-            </a:solidFill>
-          </a:ln>
-        </p:spPr>
-        <p:style>
-          <a:lnRef idx="1">
-            <a:schemeClr val="accent1"/>
-          </a:lnRef>
-          <a:fillRef idx="0">
-            <a:schemeClr val="accent1"/>
-          </a:fillRef>
-          <a:effectRef idx="0">
-            <a:schemeClr val="accent1"/>
-          </a:effectRef>
-          <a:fontRef idx="minor">
-            <a:schemeClr val="tx1"/>
-          </a:fontRef>
-        </p:style>
-        <p:txBody>
-          <a:bodyPr rtlCol="0" anchor="ctr"/>
-          <a:lstStyle/>
-          <a:p>
-            <a:pPr algn="ctr"/>
-            <a:endParaRPr lang="fr-CH"/>
-          </a:p>
-        </p:txBody>
-      </p:sp>
-      <p:sp>
-        <p:nvSpPr>
-          <p:cNvPr id="5" name="TextBox 4"/>
-          <p:cNvSpPr txBox="1"/>
-          <p:nvPr/>
-        </p:nvSpPr>
-        <p:spPr>
-          <a:xfrm>
-            <a:off x="7449014" y="3612995"/>
-            <a:ext cx="2900153" cy="369332"/>
-          </a:xfrm>
-          <a:prstGeom prst="rect">
-            <a:avLst/>
-          </a:prstGeom>
-          <a:noFill/>
-        </p:spPr>
-        <p:txBody>
-          <a:bodyPr wrap="none" rtlCol="0">
-            <a:spAutoFit/>
-          </a:bodyPr>
-          <a:lstStyle/>
-          <a:p>
-            <a:r>
-              <a:rPr lang="fr-CH" dirty="0"/>
-              <a:t>All </a:t>
-            </a:r>
-            <a:r>
-              <a:rPr lang="fr-CH" dirty="0" err="1"/>
-              <a:t>related</a:t>
-            </a:r>
-            <a:r>
-              <a:rPr lang="fr-CH" dirty="0"/>
-              <a:t> to </a:t>
-            </a:r>
-            <a:r>
-              <a:rPr lang="fr-CH" dirty="0" err="1"/>
-              <a:t>gas</a:t>
-            </a:r>
-            <a:r>
-              <a:rPr lang="fr-CH" dirty="0"/>
-              <a:t> and </a:t>
-            </a:r>
-            <a:r>
-              <a:rPr lang="fr-CH" dirty="0" err="1"/>
-              <a:t>energy</a:t>
-            </a:r>
-            <a:endParaRPr lang="fr-CH" dirty="0"/>
-          </a:p>
-        </p:txBody>
-      </p:sp>
-    </p:spTree>
-    <p:extLst>
-      <p:ext uri="{BB962C8B-B14F-4D97-AF65-F5344CB8AC3E}">
-        <p14:creationId xmlns:p14="http://schemas.microsoft.com/office/powerpoint/2010/main" val="4247449514"/>
       </p:ext>
     </p:extLst>
   </p:cSld>
@@ -7126,20 +10142,34 @@
             <p:ph type="title"/>
           </p:nvPr>
         </p:nvSpPr>
-        <p:spPr/>
+        <p:spPr>
+          <a:xfrm>
+            <a:off x="1629336" y="-262052"/>
+            <a:ext cx="10018713" cy="1752599"/>
+          </a:xfrm>
+        </p:spPr>
         <p:txBody>
-          <a:bodyPr/>
+          <a:bodyPr>
+            <a:normAutofit/>
+          </a:bodyPr>
           <a:lstStyle/>
           <a:p>
             <a:r>
-              <a:rPr lang="fr-CH" dirty="0"/>
-              <a:t>Mentor </a:t>
-            </a:r>
-            <a:r>
-              <a:rPr lang="fr-CH" dirty="0" err="1"/>
-              <a:t>Representation</a:t>
-            </a:r>
-            <a:endParaRPr lang="fr-CH" dirty="0"/>
+              <a:rPr lang="fr-CH" sz="3200" dirty="0">
+                <a:solidFill>
+                  <a:srgbClr val="0070C0"/>
+                </a:solidFill>
+              </a:rPr>
+              <a:t>Mentor description: </a:t>
+            </a:r>
+            <a:r>
+              <a:rPr lang="fr-CH" sz="3200" dirty="0">
+                <a:solidFill>
+                  <a:srgbClr val="0070C0"/>
+                </a:solidFill>
+              </a:rPr>
+              <a:t>Topics of Enron emails</a:t>
+            </a:r>
           </a:p>
         </p:txBody>
       </p:sp>
@@ -7153,48 +10183,148 @@
             <p:ph idx="1"/>
           </p:nvPr>
         </p:nvSpPr>
-        <p:spPr/>
+        <p:spPr>
+          <a:xfrm>
+            <a:off x="2250928" y="1558635"/>
+            <a:ext cx="10018713" cy="3124201"/>
+          </a:xfrm>
+        </p:spPr>
         <p:txBody>
           <a:bodyPr/>
           <a:lstStyle/>
           <a:p>
             <a:r>
               <a:rPr lang="fr-CH" dirty="0" err="1"/>
-              <a:t>Sum</a:t>
-            </a:r>
+              <a:t>Legal</a:t>
+            </a:r>
+            <a:endParaRPr lang="fr-CH" dirty="0"/>
+          </a:p>
+          <a:p>
             <a:r>
               <a:rPr lang="fr-CH" dirty="0"/>
-              <a:t> of </a:t>
-            </a:r>
+              <a:t>Administrative</a:t>
+            </a:r>
+          </a:p>
+          <a:p>
+            <a:r>
+              <a:rPr lang="fr-CH" dirty="0"/>
+              <a:t>Trade</a:t>
+            </a:r>
+          </a:p>
+          <a:p>
             <a:r>
               <a:rPr lang="fr-CH" dirty="0" err="1"/>
-              <a:t>vectorized</a:t>
+              <a:t>Gas</a:t>
             </a:r>
             <a:r>
               <a:rPr lang="fr-CH" dirty="0"/>
-              <a:t> emails </a:t>
+              <a:t> </a:t>
             </a:r>
             <a:r>
               <a:rPr lang="fr-CH" dirty="0" err="1"/>
-              <a:t>they</a:t>
+              <a:t>market</a:t>
             </a:r>
             <a:r>
               <a:rPr lang="fr-CH" dirty="0"/>
-              <a:t> have </a:t>
+              <a:t> </a:t>
             </a:r>
             <a:r>
               <a:rPr lang="fr-CH" dirty="0" err="1"/>
-              <a:t>written</a:t>
+              <a:t>specifics</a:t>
             </a:r>
             <a:endParaRPr lang="fr-CH" dirty="0"/>
           </a:p>
+        </p:txBody>
+      </p:sp>
+      <p:sp>
+        <p:nvSpPr>
+          <p:cNvPr id="4" name="Right Brace 3"/>
+          <p:cNvSpPr/>
+          <p:nvPr/>
+        </p:nvSpPr>
+        <p:spPr>
+          <a:xfrm>
+            <a:off x="6245584" y="1731480"/>
+            <a:ext cx="1159727" cy="3159512"/>
+          </a:xfrm>
+          <a:prstGeom prst="rightBrace">
+            <a:avLst/>
+          </a:prstGeom>
+          <a:ln>
+            <a:solidFill>
+              <a:srgbClr val="0070C0"/>
+            </a:solidFill>
+          </a:ln>
+        </p:spPr>
+        <p:style>
+          <a:lnRef idx="1">
+            <a:schemeClr val="accent1"/>
+          </a:lnRef>
+          <a:fillRef idx="0">
+            <a:schemeClr val="accent1"/>
+          </a:fillRef>
+          <a:effectRef idx="0">
+            <a:schemeClr val="accent1"/>
+          </a:effectRef>
+          <a:fontRef idx="minor">
+            <a:schemeClr val="tx1"/>
+          </a:fontRef>
+        </p:style>
+        <p:txBody>
+          <a:bodyPr rtlCol="0" anchor="ctr"/>
+          <a:lstStyle/>
+          <a:p>
+            <a:pPr algn="ctr"/>
+            <a:endParaRPr lang="fr-CH"/>
+          </a:p>
+        </p:txBody>
+      </p:sp>
+      <p:sp>
+        <p:nvSpPr>
+          <p:cNvPr id="5" name="TextBox 4"/>
+          <p:cNvSpPr txBox="1"/>
+          <p:nvPr/>
+        </p:nvSpPr>
+        <p:spPr>
+          <a:xfrm>
+            <a:off x="8012432" y="2751403"/>
+            <a:ext cx="2900153" cy="369332"/>
+          </a:xfrm>
+          <a:prstGeom prst="rect">
+            <a:avLst/>
+          </a:prstGeom>
+          <a:noFill/>
+        </p:spPr>
+        <p:txBody>
+          <a:bodyPr wrap="none" rtlCol="0">
+            <a:spAutoFit/>
+          </a:bodyPr>
+          <a:lstStyle/>
           <a:p>
             <a:r>
               <a:rPr lang="fr-CH" dirty="0"/>
-              <a:t>Distribution of topics</a:t>
-            </a:r>
-          </a:p>
-          <a:p>
+              <a:t>All </a:t>
+            </a:r>
+            <a:r>
+              <a:rPr lang="fr-CH" dirty="0" err="1"/>
+              <a:t>related</a:t>
+            </a:r>
+            <a:r>
+              <a:rPr lang="fr-CH" dirty="0"/>
+              <a:t> to </a:t>
+            </a:r>
+            <a:r>
+              <a:rPr lang="fr-CH" dirty="0" err="1"/>
+              <a:t>gas</a:t>
+            </a:r>
+            <a:r>
+              <a:rPr lang="fr-CH" dirty="0"/>
+              <a:t> and </a:t>
+            </a:r>
+            <a:r>
+              <a:rPr lang="fr-CH" dirty="0" err="1"/>
+              <a:t>energy</a:t>
+            </a:r>
             <a:endParaRPr lang="fr-CH" dirty="0"/>
           </a:p>
         </p:txBody>
@@ -7202,7 +10332,7 @@
     </p:spTree>
     <p:extLst>
       <p:ext uri="{BB962C8B-B14F-4D97-AF65-F5344CB8AC3E}">
-        <p14:creationId xmlns:p14="http://schemas.microsoft.com/office/powerpoint/2010/main" val="420637568"/>
+        <p14:creationId xmlns:p14="http://schemas.microsoft.com/office/powerpoint/2010/main" val="4247449514"/>
       </p:ext>
     </p:extLst>
   </p:cSld>
@@ -7241,6 +10371,132 @@
         </p:nvSpPr>
         <p:spPr>
           <a:xfrm>
+            <a:off x="1484309" y="270164"/>
+            <a:ext cx="10018713" cy="1096818"/>
+          </a:xfrm>
+        </p:spPr>
+        <p:txBody>
+          <a:bodyPr/>
+          <a:lstStyle/>
+          <a:p>
+            <a:r>
+              <a:rPr lang="en-GB" dirty="0">
+                <a:solidFill>
+                  <a:srgbClr val="0070C0"/>
+                </a:solidFill>
+              </a:rPr>
+              <a:t>Mentor Representation</a:t>
+            </a:r>
+          </a:p>
+        </p:txBody>
+      </p:sp>
+      <p:sp>
+        <p:nvSpPr>
+          <p:cNvPr id="3" name="Content Placeholder 2"/>
+          <p:cNvSpPr>
+            <a:spLocks noGrp="1"/>
+          </p:cNvSpPr>
+          <p:nvPr>
+            <p:ph idx="1"/>
+          </p:nvPr>
+        </p:nvSpPr>
+        <p:spPr>
+          <a:xfrm>
+            <a:off x="1863001" y="1614054"/>
+            <a:ext cx="10018713" cy="3124201"/>
+          </a:xfrm>
+        </p:spPr>
+        <p:txBody>
+          <a:bodyPr/>
+          <a:lstStyle/>
+          <a:p>
+            <a:r>
+              <a:rPr lang="fr-CH" dirty="0"/>
+              <a:t>Method 1: </a:t>
+            </a:r>
+            <a:r>
+              <a:rPr lang="fr-CH" dirty="0" err="1"/>
+              <a:t>Sum</a:t>
+            </a:r>
+            <a:r>
+              <a:rPr lang="fr-CH" dirty="0"/>
+              <a:t> of </a:t>
+            </a:r>
+            <a:r>
+              <a:rPr lang="fr-CH" dirty="0" err="1"/>
+              <a:t>vectorized</a:t>
+            </a:r>
+            <a:r>
+              <a:rPr lang="fr-CH" dirty="0"/>
+              <a:t> emails </a:t>
+            </a:r>
+            <a:r>
+              <a:rPr lang="fr-CH" dirty="0" err="1"/>
+              <a:t>they</a:t>
+            </a:r>
+            <a:r>
+              <a:rPr lang="fr-CH" dirty="0"/>
+              <a:t> have </a:t>
+            </a:r>
+            <a:r>
+              <a:rPr lang="fr-CH" dirty="0" err="1"/>
+              <a:t>written</a:t>
+            </a:r>
+            <a:endParaRPr lang="fr-CH" dirty="0"/>
+          </a:p>
+          <a:p>
+            <a:r>
+              <a:rPr lang="fr-CH" dirty="0"/>
+              <a:t>Method2: Distribution of topics</a:t>
+            </a:r>
+          </a:p>
+          <a:p>
+            <a:endParaRPr lang="fr-CH" dirty="0"/>
+          </a:p>
+        </p:txBody>
+      </p:sp>
+    </p:spTree>
+    <p:extLst>
+      <p:ext uri="{BB962C8B-B14F-4D97-AF65-F5344CB8AC3E}">
+        <p14:creationId xmlns:p14="http://schemas.microsoft.com/office/powerpoint/2010/main" val="420637568"/>
+      </p:ext>
+    </p:extLst>
+  </p:cSld>
+  <p:clrMapOvr>
+    <a:masterClrMapping/>
+  </p:clrMapOvr>
+</p:sld>
+</file>
+
+<file path=ppt/slides/slide7.xml><?xml version="1.0" encoding="utf-8"?>
+<p:sld xmlns:a="http://schemas.openxmlformats.org/drawingml/2006/main" xmlns:r="http://schemas.openxmlformats.org/officeDocument/2006/relationships" xmlns:p="http://schemas.openxmlformats.org/presentationml/2006/main">
+  <p:cSld>
+    <p:spTree>
+      <p:nvGrpSpPr>
+        <p:cNvPr id="1" name=""/>
+        <p:cNvGrpSpPr/>
+        <p:nvPr/>
+      </p:nvGrpSpPr>
+      <p:grpSpPr>
+        <a:xfrm>
+          <a:off x="0" y="0"/>
+          <a:ext cx="0" cy="0"/>
+          <a:chOff x="0" y="0"/>
+          <a:chExt cx="0" cy="0"/>
+        </a:xfrm>
+      </p:grpSpPr>
+      <p:sp>
+        <p:nvSpPr>
+          <p:cNvPr id="2" name="Title 1"/>
+          <p:cNvSpPr>
+            <a:spLocks noGrp="1"/>
+          </p:cNvSpPr>
+          <p:nvPr>
+            <p:ph type="title"/>
+          </p:nvPr>
+        </p:nvSpPr>
+        <p:spPr>
+          <a:xfrm>
             <a:off x="1536350" y="232317"/>
             <a:ext cx="10018713" cy="801029"/>
           </a:xfrm>
@@ -7250,8 +10506,12 @@
           <a:lstStyle/>
           <a:p>
             <a:r>
-              <a:rPr lang="fr-CH" b="1" dirty="0"/>
-              <a:t>Doc2Vec</a:t>
+              <a:rPr lang="fr-CH" dirty="0">
+                <a:solidFill>
+                  <a:srgbClr val="0070C0"/>
+                </a:solidFill>
+              </a:rPr>
+              <a:t>Method 1: Doc2Vec</a:t>
             </a:r>
           </a:p>
         </p:txBody>
@@ -7320,7 +10580,7 @@
 </p:sld>
 </file>
 
-<file path=ppt/slides/slide7.xml><?xml version="1.0" encoding="utf-8"?>
+<file path=ppt/slides/slide8.xml><?xml version="1.0" encoding="utf-8"?>
 <p:sld xmlns:a="http://schemas.openxmlformats.org/drawingml/2006/main" xmlns:r="http://schemas.openxmlformats.org/officeDocument/2006/relationships" xmlns:p="http://schemas.openxmlformats.org/presentationml/2006/main">
   <p:cSld>
     <p:spTree>
@@ -7339,6 +10599,81 @@
       </p:grpSpPr>
       <p:sp>
         <p:nvSpPr>
+          <p:cNvPr id="3" name="Content Placeholder 2"/>
+          <p:cNvSpPr>
+            <a:spLocks noGrp="1"/>
+          </p:cNvSpPr>
+          <p:nvPr>
+            <p:ph idx="1"/>
+          </p:nvPr>
+        </p:nvSpPr>
+        <p:spPr>
+          <a:xfrm>
+            <a:off x="1685636" y="-157860"/>
+            <a:ext cx="10515600" cy="4593969"/>
+          </a:xfrm>
+        </p:spPr>
+        <p:txBody>
+          <a:bodyPr>
+            <a:normAutofit/>
+          </a:bodyPr>
+          <a:lstStyle/>
+          <a:p>
+            <a:r>
+              <a:rPr lang="fr-CH" dirty="0" err="1"/>
+              <a:t>Sanity</a:t>
+            </a:r>
+            <a:r>
+              <a:rPr lang="fr-CH" dirty="0"/>
+              <a:t> check:</a:t>
+            </a:r>
+          </a:p>
+          <a:p>
+            <a:pPr lvl="1"/>
+            <a:r>
+              <a:rPr lang="fr-CH" dirty="0" err="1"/>
+              <a:t>Similarity</a:t>
+            </a:r>
+            <a:r>
+              <a:rPr lang="fr-CH" dirty="0"/>
+              <a:t> (x, y) &lt; </a:t>
+            </a:r>
+            <a:r>
+              <a:rPr lang="fr-CH" dirty="0" err="1"/>
+              <a:t>similarity</a:t>
+            </a:r>
+            <a:r>
+              <a:rPr lang="fr-CH" dirty="0"/>
+              <a:t> (</a:t>
+            </a:r>
+            <a:r>
+              <a:rPr lang="fr-CH" dirty="0" err="1"/>
+              <a:t>x,x</a:t>
+            </a:r>
+            <a:r>
+              <a:rPr lang="fr-CH" dirty="0"/>
+              <a:t>)</a:t>
+            </a:r>
+          </a:p>
+          <a:p>
+            <a:r>
+              <a:rPr lang="fr-CH" dirty="0" err="1"/>
+              <a:t>Similarity</a:t>
+            </a:r>
+            <a:r>
+              <a:rPr lang="fr-CH" dirty="0"/>
+              <a:t> to </a:t>
+            </a:r>
+            <a:r>
+              <a:rPr lang="fr-CH" dirty="0" err="1"/>
+              <a:t>gas</a:t>
+            </a:r>
+            <a:endParaRPr lang="fr-CH" dirty="0"/>
+          </a:p>
+        </p:txBody>
+      </p:sp>
+      <p:sp>
+        <p:nvSpPr>
           <p:cNvPr id="2" name="Title 1"/>
           <p:cNvSpPr>
             <a:spLocks noGrp="1"/>
@@ -7349,48 +10684,8 @@
         </p:nvSpPr>
         <p:spPr>
           <a:xfrm>
-            <a:off x="1558411" y="-276225"/>
+            <a:off x="1567647" y="-276225"/>
             <a:ext cx="10018713" cy="1752599"/>
-          </a:xfrm>
-        </p:spPr>
-        <p:txBody>
-          <a:bodyPr/>
-          <a:lstStyle/>
-          <a:p>
-            <a:r>
-              <a:rPr lang="fr-CH" dirty="0"/>
-              <a:t>Doc2Vec: </a:t>
-            </a:r>
-            <a:r>
-              <a:rPr lang="fr-CH" dirty="0" err="1"/>
-              <a:t>evaluation</a:t>
-            </a:r>
-            <a:r>
-              <a:rPr lang="fr-CH" dirty="0"/>
-              <a:t> </a:t>
-            </a:r>
-            <a:r>
-              <a:rPr lang="fr-CH" dirty="0" err="1"/>
-              <a:t>criteria</a:t>
-            </a:r>
-            <a:endParaRPr lang="fr-CH" dirty="0"/>
-          </a:p>
-        </p:txBody>
-      </p:sp>
-      <p:sp>
-        <p:nvSpPr>
-          <p:cNvPr id="3" name="Content Placeholder 2"/>
-          <p:cNvSpPr>
-            <a:spLocks noGrp="1"/>
-          </p:cNvSpPr>
-          <p:nvPr>
-            <p:ph idx="1"/>
-          </p:nvPr>
-        </p:nvSpPr>
-        <p:spPr>
-          <a:xfrm>
-            <a:off x="1676400" y="331667"/>
-            <a:ext cx="10515600" cy="4593969"/>
           </a:xfrm>
         </p:spPr>
         <p:txBody>
@@ -7400,55 +10695,42 @@
           <a:lstStyle/>
           <a:p>
             <a:r>
-              <a:rPr lang="fr-CH" dirty="0" err="1"/>
-              <a:t>Sanity</a:t>
-            </a:r>
-            <a:r>
-              <a:rPr lang="fr-CH" dirty="0"/>
-              <a:t> check:</a:t>
-            </a:r>
-          </a:p>
-          <a:p>
-            <a:pPr lvl="1"/>
-            <a:r>
-              <a:rPr lang="fr-CH" dirty="0" err="1"/>
-              <a:t>Similarity</a:t>
-            </a:r>
-            <a:r>
-              <a:rPr lang="fr-CH" dirty="0"/>
-              <a:t> (x, y) &lt; </a:t>
-            </a:r>
-            <a:r>
-              <a:rPr lang="fr-CH" dirty="0" err="1"/>
-              <a:t>similarity</a:t>
-            </a:r>
-            <a:r>
-              <a:rPr lang="fr-CH" dirty="0"/>
-              <a:t> (</a:t>
-            </a:r>
-            <a:r>
-              <a:rPr lang="fr-CH" dirty="0" err="1"/>
-              <a:t>x,x</a:t>
-            </a:r>
-            <a:r>
-              <a:rPr lang="fr-CH" dirty="0"/>
-              <a:t>)</a:t>
-            </a:r>
-          </a:p>
-          <a:p>
-            <a:r>
-              <a:rPr lang="fr-CH" dirty="0" err="1"/>
-              <a:t>Similarity</a:t>
-            </a:r>
-            <a:r>
-              <a:rPr lang="fr-CH" dirty="0"/>
-              <a:t> to </a:t>
-            </a:r>
-            <a:r>
-              <a:rPr lang="fr-CH" dirty="0" err="1"/>
-              <a:t>gas</a:t>
-            </a:r>
-            <a:endParaRPr lang="fr-CH" dirty="0"/>
+              <a:rPr lang="fr-CH" sz="3200" dirty="0">
+                <a:solidFill>
+                  <a:srgbClr val="0070C0"/>
+                </a:solidFill>
+              </a:rPr>
+              <a:t>Method 1: Doc2Vec </a:t>
+            </a:r>
+            <a:r>
+              <a:rPr lang="fr-CH" sz="3200" dirty="0" err="1">
+                <a:solidFill>
+                  <a:srgbClr val="0070C0"/>
+                </a:solidFill>
+              </a:rPr>
+              <a:t>evaluation</a:t>
+            </a:r>
+            <a:r>
+              <a:rPr lang="fr-CH" sz="3200" dirty="0">
+                <a:solidFill>
+                  <a:srgbClr val="0070C0"/>
+                </a:solidFill>
+              </a:rPr>
+              <a:t> </a:t>
+            </a:r>
+            <a:r>
+              <a:rPr lang="fr-CH" sz="3200" dirty="0" err="1">
+                <a:solidFill>
+                  <a:srgbClr val="0070C0"/>
+                </a:solidFill>
+              </a:rPr>
+              <a:t>criteria</a:t>
+            </a:r>
+            <a:endParaRPr lang="fr-CH" sz="3200" dirty="0">
+              <a:solidFill>
+                <a:srgbClr val="0070C0"/>
+              </a:solidFill>
+            </a:endParaRPr>
           </a:p>
         </p:txBody>
       </p:sp>
@@ -7461,14 +10743,14 @@
           <p:nvPr>
             <p:extLst>
               <p:ext uri="{D42A27DB-BD31-4B8C-83A1-F6EECF244321}">
-                <p14:modId xmlns:p14="http://schemas.microsoft.com/office/powerpoint/2010/main" val="3141202835"/>
+                <p14:modId xmlns:p14="http://schemas.microsoft.com/office/powerpoint/2010/main" val="2667402844"/>
               </p:ext>
             </p:extLst>
           </p:nvPr>
         </p:nvGraphicFramePr>
         <p:xfrm>
-          <a:off x="889638" y="3671511"/>
-          <a:ext cx="11356260" cy="2946400"/>
+          <a:off x="1558411" y="2962909"/>
+          <a:ext cx="11169300" cy="3159760"/>
         </p:xfrm>
         <a:graphic>
           <a:graphicData uri="http://schemas.openxmlformats.org/drawingml/2006/table">
@@ -7477,70 +10759,70 @@
                 <a:tableStyleId>{5C22544A-7EE6-4342-B048-85BDC9FD1C3A}</a:tableStyleId>
               </a:tblPr>
               <a:tblGrid>
-                <a:gridCol w="1135626">
+                <a:gridCol w="1116930">
                   <a:extLst>
                     <a:ext uri="{9D8B030D-6E8A-4147-A177-3AD203B41FA5}">
                       <a16:colId xmlns:a16="http://schemas.microsoft.com/office/drawing/2014/main" val="3398783868"/>
                     </a:ext>
                   </a:extLst>
                 </a:gridCol>
-                <a:gridCol w="1135626">
+                <a:gridCol w="875025">
                   <a:extLst>
                     <a:ext uri="{9D8B030D-6E8A-4147-A177-3AD203B41FA5}">
                       <a16:colId xmlns:a16="http://schemas.microsoft.com/office/drawing/2014/main" val="3783124225"/>
                     </a:ext>
                   </a:extLst>
                 </a:gridCol>
-                <a:gridCol w="1135626">
+                <a:gridCol w="1358835">
                   <a:extLst>
                     <a:ext uri="{9D8B030D-6E8A-4147-A177-3AD203B41FA5}">
                       <a16:colId xmlns:a16="http://schemas.microsoft.com/office/drawing/2014/main" val="1403360466"/>
                     </a:ext>
                   </a:extLst>
                 </a:gridCol>
-                <a:gridCol w="1135626">
+                <a:gridCol w="1116930">
                   <a:extLst>
                     <a:ext uri="{9D8B030D-6E8A-4147-A177-3AD203B41FA5}">
                       <a16:colId xmlns:a16="http://schemas.microsoft.com/office/drawing/2014/main" val="805796458"/>
                     </a:ext>
                   </a:extLst>
                 </a:gridCol>
-                <a:gridCol w="1135626">
+                <a:gridCol w="794585">
                   <a:extLst>
                     <a:ext uri="{9D8B030D-6E8A-4147-A177-3AD203B41FA5}">
                       <a16:colId xmlns:a16="http://schemas.microsoft.com/office/drawing/2014/main" val="2130940644"/>
                     </a:ext>
                   </a:extLst>
                 </a:gridCol>
-                <a:gridCol w="1135626">
+                <a:gridCol w="1317224">
                   <a:extLst>
                     <a:ext uri="{9D8B030D-6E8A-4147-A177-3AD203B41FA5}">
                       <a16:colId xmlns:a16="http://schemas.microsoft.com/office/drawing/2014/main" val="1719628794"/>
                     </a:ext>
                   </a:extLst>
                 </a:gridCol>
-                <a:gridCol w="1135626">
+                <a:gridCol w="1238981">
                   <a:extLst>
                     <a:ext uri="{9D8B030D-6E8A-4147-A177-3AD203B41FA5}">
                       <a16:colId xmlns:a16="http://schemas.microsoft.com/office/drawing/2014/main" val="390547987"/>
                     </a:ext>
                   </a:extLst>
                 </a:gridCol>
-                <a:gridCol w="1135626">
+                <a:gridCol w="1116930">
                   <a:extLst>
                     <a:ext uri="{9D8B030D-6E8A-4147-A177-3AD203B41FA5}">
                       <a16:colId xmlns:a16="http://schemas.microsoft.com/office/drawing/2014/main" val="1471711398"/>
                     </a:ext>
                   </a:extLst>
                 </a:gridCol>
-                <a:gridCol w="1135626">
+                <a:gridCol w="1116930">
                   <a:extLst>
                     <a:ext uri="{9D8B030D-6E8A-4147-A177-3AD203B41FA5}">
                       <a16:colId xmlns:a16="http://schemas.microsoft.com/office/drawing/2014/main" val="2862971943"/>
                     </a:ext>
                   </a:extLst>
                 </a:gridCol>
-                <a:gridCol w="1135626">
+                <a:gridCol w="1116930">
                   <a:extLst>
                     <a:ext uri="{9D8B030D-6E8A-4147-A177-3AD203B41FA5}">
                       <a16:colId xmlns:a16="http://schemas.microsoft.com/office/drawing/2014/main" val="2613971173"/>
@@ -8013,13 +11295,16 @@
                     <a:lstStyle/>
                     <a:p>
                       <a:pPr algn="l" fontAlgn="b"/>
-                      <a:endParaRPr lang="fr-CH" sz="1400" b="0" i="0" u="none" strike="noStrike" dirty="0">
-                        <a:solidFill>
-                          <a:srgbClr val="000000"/>
-                        </a:solidFill>
-                        <a:effectLst/>
-                        <a:latin typeface="Calibri" panose="020F0502020204030204" pitchFamily="34" charset="0"/>
-                      </a:endParaRPr>
+                      <a:r>
+                        <a:rPr lang="fr-CH" sz="1400" b="0" i="0" u="none" strike="noStrike" dirty="0">
+                          <a:solidFill>
+                            <a:srgbClr val="000000"/>
+                          </a:solidFill>
+                          <a:effectLst/>
+                          <a:latin typeface="Calibri" panose="020F0502020204030204" pitchFamily="34" charset="0"/>
+                        </a:rPr>
+                        <a:t>Position id?</a:t>
+                      </a:r>
                     </a:p>
                   </a:txBody>
                   <a:tcPr marL="7620" marR="7620" marT="7620" marB="0" anchor="ctr"/>
@@ -8108,15 +11393,52 @@
                     <a:p>
                       <a:pPr algn="l" fontAlgn="b"/>
                       <a:r>
-                        <a:rPr lang="fr-CH" sz="1400" b="0" i="0" u="none" strike="noStrike">
+                        <a:rPr lang="fr-CH" sz="1400" b="0" i="0" u="none" strike="noStrike" dirty="0">
                           <a:solidFill>
                             <a:srgbClr val="000000"/>
                           </a:solidFill>
                           <a:effectLst/>
                           <a:latin typeface="Calibri" panose="020F0502020204030204" pitchFamily="34" charset="0"/>
                         </a:rPr>
-                        <a:t>Natural Gas future contracts</a:t>
+                        <a:t>Natural </a:t>
                       </a:r>
+                      <a:r>
+                        <a:rPr lang="fr-CH" sz="1400" b="0" i="0" u="none" strike="noStrike" dirty="0" err="1">
+                          <a:solidFill>
+                            <a:srgbClr val="000000"/>
+                          </a:solidFill>
+                          <a:effectLst/>
+                          <a:latin typeface="Calibri" panose="020F0502020204030204" pitchFamily="34" charset="0"/>
+                        </a:rPr>
+                        <a:t>Gas</a:t>
+                      </a:r>
+                      <a:r>
+                        <a:rPr lang="fr-CH" sz="1400" b="0" i="0" u="none" strike="noStrike" dirty="0">
+                          <a:solidFill>
+                            <a:srgbClr val="000000"/>
+                          </a:solidFill>
+                          <a:effectLst/>
+                          <a:latin typeface="Calibri" panose="020F0502020204030204" pitchFamily="34" charset="0"/>
+                        </a:rPr>
+                        <a:t> future </a:t>
+                      </a:r>
+                      <a:r>
+                        <a:rPr lang="fr-CH" sz="1400" b="0" i="0" u="none" strike="noStrike" dirty="0" err="1">
+                          <a:solidFill>
+                            <a:srgbClr val="000000"/>
+                          </a:solidFill>
+                          <a:effectLst/>
+                          <a:latin typeface="Calibri" panose="020F0502020204030204" pitchFamily="34" charset="0"/>
+                        </a:rPr>
+                        <a:t>contracts</a:t>
+                      </a:r>
+                      <a:endParaRPr lang="fr-CH" sz="1400" b="0" i="0" u="none" strike="noStrike" dirty="0">
+                        <a:solidFill>
+                          <a:srgbClr val="000000"/>
+                        </a:solidFill>
+                        <a:effectLst/>
+                        <a:latin typeface="Calibri" panose="020F0502020204030204" pitchFamily="34" charset="0"/>
+                      </a:endParaRPr>
                     </a:p>
                   </a:txBody>
                   <a:tcPr marL="7620" marR="7620" marT="7620" marB="0" anchor="ctr"/>
@@ -8147,7 +11469,27 @@
                     <a:lstStyle/>
                     <a:p>
                       <a:pPr algn="l" fontAlgn="b"/>
-                      <a:endParaRPr lang="fr-CH" sz="1400" b="0" i="0" u="none" strike="noStrike">
+                      <a:r>
+                        <a:rPr lang="fr-CH" sz="1400" b="0" i="0" u="none" strike="noStrike" dirty="0">
+                          <a:solidFill>
+                            <a:srgbClr val="000000"/>
+                          </a:solidFill>
+                          <a:effectLst/>
+                          <a:latin typeface="Calibri" panose="020F0502020204030204" pitchFamily="34" charset="0"/>
+                        </a:rPr>
+                        <a:t>Marketplace </a:t>
+                      </a:r>
+                      <a:r>
+                        <a:rPr lang="fr-CH" sz="1400" b="0" i="0" u="none" strike="noStrike" dirty="0" err="1">
+                          <a:solidFill>
+                            <a:srgbClr val="000000"/>
+                          </a:solidFill>
+                          <a:effectLst/>
+                          <a:latin typeface="Calibri" panose="020F0502020204030204" pitchFamily="34" charset="0"/>
+                        </a:rPr>
+                        <a:t>rules</a:t>
+                      </a:r>
+                      <a:endParaRPr lang="fr-CH" sz="1400" b="0" i="0" u="none" strike="noStrike" dirty="0">
                         <a:solidFill>
                           <a:srgbClr val="000000"/>
                         </a:solidFill>
@@ -8198,7 +11540,7 @@
 </p:sld>
 </file>
 
-<file path=ppt/slides/slide8.xml><?xml version="1.0" encoding="utf-8"?>
+<file path=ppt/slides/slide9.xml><?xml version="1.0" encoding="utf-8"?>
 <p:sld xmlns:a="http://schemas.openxmlformats.org/drawingml/2006/main" xmlns:r="http://schemas.openxmlformats.org/officeDocument/2006/relationships" xmlns:p="http://schemas.openxmlformats.org/presentationml/2006/main">
   <p:cSld>
     <p:spTree>
@@ -8224,13 +11566,13 @@
           <p:nvPr>
             <p:extLst>
               <p:ext uri="{D42A27DB-BD31-4B8C-83A1-F6EECF244321}">
-                <p14:modId xmlns:p14="http://schemas.microsoft.com/office/powerpoint/2010/main" val="3265470776"/>
+                <p14:modId xmlns:p14="http://schemas.microsoft.com/office/powerpoint/2010/main" val="3807627670"/>
               </p:ext>
             </p:extLst>
           </p:nvPr>
         </p:nvGraphicFramePr>
         <p:xfrm>
-          <a:off x="1457157" y="1308255"/>
+          <a:off x="1457157" y="1115151"/>
           <a:ext cx="10515600" cy="2415384"/>
         </p:xfrm>
         <a:graphic>
@@ -8446,15 +11788,32 @@
                     <a:p>
                       <a:pPr algn="ctr" fontAlgn="b"/>
                       <a:r>
-                        <a:rPr lang="fr-CH" sz="1400" b="0" i="0" u="none" strike="noStrike">
+                        <a:rPr lang="fr-CH" sz="1400" b="0" i="0" u="none" strike="noStrike" dirty="0">
                           <a:solidFill>
                             <a:srgbClr val="000000"/>
                           </a:solidFill>
                           <a:effectLst/>
                           <a:latin typeface="Calibri" panose="020F0502020204030204" pitchFamily="34" charset="0"/>
                         </a:rPr>
-                        <a:t> jewish</a:t>
+                        <a:t> </a:t>
                       </a:r>
+                      <a:r>
+                        <a:rPr lang="fr-CH" sz="1400" b="0" i="0" u="none" strike="noStrike" dirty="0" err="1">
+                          <a:solidFill>
+                            <a:srgbClr val="000000"/>
+                          </a:solidFill>
+                          <a:effectLst/>
+                          <a:latin typeface="Calibri" panose="020F0502020204030204" pitchFamily="34" charset="0"/>
+                        </a:rPr>
+                        <a:t>jewish</a:t>
+                      </a:r>
+                      <a:endParaRPr lang="fr-CH" sz="1400" b="0" i="0" u="none" strike="noStrike" dirty="0">
+                        <a:solidFill>
+                          <a:srgbClr val="000000"/>
+                        </a:solidFill>
+                        <a:effectLst/>
+                        <a:latin typeface="Calibri" panose="020F0502020204030204" pitchFamily="34" charset="0"/>
+                      </a:endParaRPr>
                     </a:p>
                   </a:txBody>
                   <a:tcPr marL="7620" marR="7620" marT="7620" marB="0" anchor="b"/>
@@ -8953,46 +12312,6 @@
       </p:graphicFrame>
       <p:sp>
         <p:nvSpPr>
-          <p:cNvPr id="2" name="Title 1"/>
-          <p:cNvSpPr>
-            <a:spLocks noGrp="1"/>
-          </p:cNvSpPr>
-          <p:nvPr>
-            <p:ph type="title"/>
-          </p:nvPr>
-        </p:nvSpPr>
-        <p:spPr>
-          <a:xfrm>
-            <a:off x="369849" y="-85731"/>
-            <a:ext cx="10515600" cy="1325563"/>
-          </a:xfrm>
-        </p:spPr>
-        <p:txBody>
-          <a:bodyPr/>
-          <a:lstStyle/>
-          <a:p>
-            <a:r>
-              <a:rPr lang="fr-CH" dirty="0"/>
-              <a:t>Doc2Vec: </a:t>
-            </a:r>
-            <a:r>
-              <a:rPr lang="fr-CH" dirty="0" err="1"/>
-              <a:t>evaluation</a:t>
-            </a:r>
-            <a:r>
-              <a:rPr lang="fr-CH" dirty="0"/>
-              <a:t> </a:t>
-            </a:r>
-            <a:r>
-              <a:rPr lang="fr-CH" dirty="0" err="1"/>
-              <a:t>criteria</a:t>
-            </a:r>
-            <a:endParaRPr lang="fr-CH" dirty="0"/>
-          </a:p>
-        </p:txBody>
-      </p:sp>
-      <p:sp>
-        <p:nvSpPr>
           <p:cNvPr id="3" name="Content Placeholder 2"/>
           <p:cNvSpPr>
             <a:spLocks noGrp="1"/>
@@ -9003,7 +12322,7 @@
         </p:nvSpPr>
         <p:spPr>
           <a:xfrm>
-            <a:off x="1347619" y="577050"/>
+            <a:off x="1457157" y="309196"/>
             <a:ext cx="10515600" cy="4593969"/>
           </a:xfrm>
         </p:spPr>
@@ -9017,9 +12336,6 @@
               <a:rPr lang="en-US" sz="1800" dirty="0"/>
               <a:t>most similar to “energy” and least similar to “trade”</a:t>
             </a:r>
-          </a:p>
-          <a:p>
-            <a:endParaRPr lang="en-US" sz="1800" dirty="0"/>
           </a:p>
           <a:p>
             <a:endParaRPr lang="en-US" sz="1800" dirty="0"/>
@@ -9060,13 +12376,13 @@
           <p:nvPr>
             <p:extLst>
               <p:ext uri="{D42A27DB-BD31-4B8C-83A1-F6EECF244321}">
-                <p14:modId xmlns:p14="http://schemas.microsoft.com/office/powerpoint/2010/main" val="3784586459"/>
+                <p14:modId xmlns:p14="http://schemas.microsoft.com/office/powerpoint/2010/main" val="3812919097"/>
               </p:ext>
             </p:extLst>
           </p:nvPr>
         </p:nvGraphicFramePr>
         <p:xfrm>
-          <a:off x="1609724" y="4454843"/>
+          <a:off x="1596062" y="4065242"/>
           <a:ext cx="10472570" cy="2580322"/>
         </p:xfrm>
         <a:graphic>
@@ -9986,7 +13302,7 @@
                     <a:lstStyle/>
                     <a:p>
                       <a:pPr algn="l" fontAlgn="b"/>
-                      <a:endParaRPr lang="fr-CH" sz="1100" b="0" i="0" u="none" strike="noStrike">
+                      <a:endParaRPr lang="fr-CH" sz="1100" b="0" i="0" u="none" strike="noStrike" dirty="0">
                         <a:solidFill>
                           <a:srgbClr val="000000"/>
                         </a:solidFill>
@@ -10148,7 +13464,7 @@
                     <a:p>
                       <a:pPr algn="l" fontAlgn="b"/>
                       <a:r>
-                        <a:rPr lang="fr-CH" sz="1100" b="0" i="0" u="none" strike="noStrike">
+                        <a:rPr lang="fr-CH" sz="1100" b="0" i="0" u="none" strike="noStrike" dirty="0">
                           <a:solidFill>
                             <a:srgbClr val="000000"/>
                           </a:solidFill>
@@ -10238,86 +13554,149 @@
           </a:graphicData>
         </a:graphic>
       </p:graphicFrame>
+      <p:sp>
+        <p:nvSpPr>
+          <p:cNvPr id="7" name="Title 1"/>
+          <p:cNvSpPr txBox="1">
+            <a:spLocks/>
+          </p:cNvSpPr>
+          <p:nvPr/>
+        </p:nvSpPr>
+        <p:spPr>
+          <a:xfrm>
+            <a:off x="1596062" y="-444344"/>
+            <a:ext cx="10018713" cy="1752599"/>
+          </a:xfrm>
+          <a:prstGeom prst="rect">
+            <a:avLst/>
+          </a:prstGeom>
+          <a:effectLst/>
+        </p:spPr>
+        <p:txBody>
+          <a:bodyPr vert="horz" lIns="91440" tIns="45720" rIns="91440" bIns="45720" rtlCol="0" anchor="ctr">
+            <a:normAutofit/>
+          </a:bodyPr>
+          <a:lstStyle>
+            <a:lvl1pPr algn="ctr" defTabSz="457200" rtl="0" eaLnBrk="1" latinLnBrk="0" hangingPunct="1">
+              <a:spcBef>
+                <a:spcPct val="0"/>
+              </a:spcBef>
+              <a:buNone/>
+              <a:defRPr sz="4000" kern="1200" cap="none">
+                <a:ln w="3175" cmpd="sng">
+                  <a:noFill/>
+                </a:ln>
+                <a:solidFill>
+                  <a:schemeClr val="tx1"/>
+                </a:solidFill>
+                <a:effectLst/>
+                <a:latin typeface="+mj-lt"/>
+                <a:ea typeface="+mj-ea"/>
+                <a:cs typeface="+mj-cs"/>
+              </a:defRPr>
+            </a:lvl1pPr>
+            <a:lvl2pPr eaLnBrk="1" hangingPunct="1">
+              <a:defRPr>
+                <a:solidFill>
+                  <a:schemeClr val="tx2"/>
+                </a:solidFill>
+              </a:defRPr>
+            </a:lvl2pPr>
+            <a:lvl3pPr eaLnBrk="1" hangingPunct="1">
+              <a:defRPr>
+                <a:solidFill>
+                  <a:schemeClr val="tx2"/>
+                </a:solidFill>
+              </a:defRPr>
+            </a:lvl3pPr>
+            <a:lvl4pPr eaLnBrk="1" hangingPunct="1">
+              <a:defRPr>
+                <a:solidFill>
+                  <a:schemeClr val="tx2"/>
+                </a:solidFill>
+              </a:defRPr>
+            </a:lvl4pPr>
+            <a:lvl5pPr eaLnBrk="1" hangingPunct="1">
+              <a:defRPr>
+                <a:solidFill>
+                  <a:schemeClr val="tx2"/>
+                </a:solidFill>
+              </a:defRPr>
+            </a:lvl5pPr>
+            <a:lvl6pPr eaLnBrk="1" hangingPunct="1">
+              <a:defRPr>
+                <a:solidFill>
+                  <a:schemeClr val="tx2"/>
+                </a:solidFill>
+              </a:defRPr>
+            </a:lvl6pPr>
+            <a:lvl7pPr eaLnBrk="1" hangingPunct="1">
+              <a:defRPr>
+                <a:solidFill>
+                  <a:schemeClr val="tx2"/>
+                </a:solidFill>
+              </a:defRPr>
+            </a:lvl7pPr>
+            <a:lvl8pPr eaLnBrk="1" hangingPunct="1">
+              <a:defRPr>
+                <a:solidFill>
+                  <a:schemeClr val="tx2"/>
+                </a:solidFill>
+              </a:defRPr>
+            </a:lvl8pPr>
+            <a:lvl9pPr eaLnBrk="1" hangingPunct="1">
+              <a:defRPr>
+                <a:solidFill>
+                  <a:schemeClr val="tx2"/>
+                </a:solidFill>
+              </a:defRPr>
+            </a:lvl9pPr>
+          </a:lstStyle>
+          <a:p>
+            <a:r>
+              <a:rPr lang="fr-CH" sz="3200" dirty="0">
+                <a:solidFill>
+                  <a:srgbClr val="0070C0"/>
+                </a:solidFill>
+              </a:rPr>
+              <a:t>Method 1: Doc2Vec </a:t>
+            </a:r>
+            <a:r>
+              <a:rPr lang="fr-CH" sz="3200" dirty="0" err="1">
+                <a:solidFill>
+                  <a:srgbClr val="0070C0"/>
+                </a:solidFill>
+              </a:rPr>
+              <a:t>evaluation</a:t>
+            </a:r>
+            <a:r>
+              <a:rPr lang="fr-CH" sz="3200" dirty="0">
+                <a:solidFill>
+                  <a:srgbClr val="0070C0"/>
+                </a:solidFill>
+              </a:rPr>
+              <a:t> </a:t>
+            </a:r>
+            <a:r>
+              <a:rPr lang="fr-CH" sz="3200" dirty="0" err="1">
+                <a:solidFill>
+                  <a:srgbClr val="0070C0"/>
+                </a:solidFill>
+              </a:rPr>
+              <a:t>criteria</a:t>
+            </a:r>
+            <a:endParaRPr lang="fr-CH" sz="3200" dirty="0">
+              <a:solidFill>
+                <a:srgbClr val="0070C0"/>
+              </a:solidFill>
+            </a:endParaRPr>
+          </a:p>
+        </p:txBody>
+      </p:sp>
     </p:spTree>
     <p:extLst>
       <p:ext uri="{BB962C8B-B14F-4D97-AF65-F5344CB8AC3E}">
         <p14:creationId xmlns:p14="http://schemas.microsoft.com/office/powerpoint/2010/main" val="3031783617"/>
-      </p:ext>
-    </p:extLst>
-  </p:cSld>
-  <p:clrMapOvr>
-    <a:masterClrMapping/>
-  </p:clrMapOvr>
-</p:sld>
-</file>
-
-<file path=ppt/slides/slide9.xml><?xml version="1.0" encoding="utf-8"?>
-<p:sld xmlns:a="http://schemas.openxmlformats.org/drawingml/2006/main" xmlns:r="http://schemas.openxmlformats.org/officeDocument/2006/relationships" xmlns:p="http://schemas.openxmlformats.org/presentationml/2006/main">
-  <p:cSld>
-    <p:spTree>
-      <p:nvGrpSpPr>
-        <p:cNvPr id="1" name=""/>
-        <p:cNvGrpSpPr/>
-        <p:nvPr/>
-      </p:nvGrpSpPr>
-      <p:grpSpPr>
-        <a:xfrm>
-          <a:off x="0" y="0"/>
-          <a:ext cx="0" cy="0"/>
-          <a:chOff x="0" y="0"/>
-          <a:chExt cx="0" cy="0"/>
-        </a:xfrm>
-      </p:grpSpPr>
-      <p:sp>
-        <p:nvSpPr>
-          <p:cNvPr id="2" name="Title 1"/>
-          <p:cNvSpPr>
-            <a:spLocks noGrp="1"/>
-          </p:cNvSpPr>
-          <p:nvPr>
-            <p:ph type="title"/>
-          </p:nvPr>
-        </p:nvSpPr>
-        <p:spPr/>
-        <p:txBody>
-          <a:bodyPr/>
-          <a:lstStyle/>
-          <a:p>
-            <a:r>
-              <a:rPr lang="fr-CH" dirty="0"/>
-              <a:t>LDA</a:t>
-            </a:r>
-          </a:p>
-        </p:txBody>
-      </p:sp>
-      <p:pic>
-        <p:nvPicPr>
-          <p:cNvPr id="4" name="Picture 3"/>
-          <p:cNvPicPr>
-            <a:picLocks noChangeAspect="1"/>
-          </p:cNvPicPr>
-          <p:nvPr/>
-        </p:nvPicPr>
-        <p:blipFill>
-          <a:blip r:embed="rId2"/>
-          <a:stretch>
-            <a:fillRect/>
-          </a:stretch>
-        </p:blipFill>
-        <p:spPr>
-          <a:xfrm>
-            <a:off x="1620316" y="2409830"/>
-            <a:ext cx="9231111" cy="2934846"/>
-          </a:xfrm>
-          <a:prstGeom prst="rect">
-            <a:avLst/>
-          </a:prstGeom>
-        </p:spPr>
-      </p:pic>
-    </p:spTree>
-    <p:extLst>
-      <p:ext uri="{BB962C8B-B14F-4D97-AF65-F5344CB8AC3E}">
-        <p14:creationId xmlns:p14="http://schemas.microsoft.com/office/powerpoint/2010/main" val="3416356776"/>
       </p:ext>
     </p:extLst>
   </p:cSld>

--- a/Slides/Mentor-mentee recommendation system.pptx
+++ b/Slides/Mentor-mentee recommendation system.pptx
@@ -590,10 +590,10 @@
           </c:marker>
           <c:xVal>
             <c:numRef>
-              <c:f>Sheet6!$A$2:$A$9</c:f>
+              <c:f>Sheet6!$A$2:$A$16</c:f>
               <c:numCache>
                 <c:formatCode>General</c:formatCode>
-                <c:ptCount val="8"/>
+                <c:ptCount val="15"/>
                 <c:pt idx="0">
                   <c:v>3</c:v>
                 </c:pt>
@@ -618,15 +618,36 @@
                 <c:pt idx="7">
                   <c:v>17</c:v>
                 </c:pt>
+                <c:pt idx="8">
+                  <c:v>19</c:v>
+                </c:pt>
+                <c:pt idx="9">
+                  <c:v>21</c:v>
+                </c:pt>
+                <c:pt idx="10">
+                  <c:v>23</c:v>
+                </c:pt>
+                <c:pt idx="11">
+                  <c:v>25</c:v>
+                </c:pt>
+                <c:pt idx="12">
+                  <c:v>27</c:v>
+                </c:pt>
+                <c:pt idx="13">
+                  <c:v>29</c:v>
+                </c:pt>
+                <c:pt idx="14">
+                  <c:v>31</c:v>
+                </c:pt>
               </c:numCache>
             </c:numRef>
           </c:xVal>
           <c:yVal>
             <c:numRef>
-              <c:f>Sheet6!$B$2:$B$9</c:f>
+              <c:f>Sheet6!$B$2:$B$16</c:f>
               <c:numCache>
                 <c:formatCode>General</c:formatCode>
-                <c:ptCount val="8"/>
+                <c:ptCount val="15"/>
                 <c:pt idx="0">
                   <c:v>2</c:v>
                 </c:pt>
@@ -657,7 +678,7 @@
           <c:smooth val="1"/>
           <c:extLst>
             <c:ext xmlns:c16="http://schemas.microsoft.com/office/drawing/2014/chart" uri="{C3380CC4-5D6E-409C-BE32-E72D297353CC}">
-              <c16:uniqueId val="{00000000-7815-4BE6-AFA9-C1ECBBD0D7B4}"/>
+              <c16:uniqueId val="{00000000-23DC-4D1A-85CD-36AFFD8F639E}"/>
             </c:ext>
           </c:extLst>
         </c:ser>
@@ -669,11 +690,11 @@
           <c:showPercent val="0"/>
           <c:showBubbleSize val="0"/>
         </c:dLbls>
-        <c:axId val="322418208"/>
-        <c:axId val="322422472"/>
+        <c:axId val="425627072"/>
+        <c:axId val="425625760"/>
       </c:scatterChart>
       <c:valAx>
-        <c:axId val="322418208"/>
+        <c:axId val="425627072"/>
         <c:scaling>
           <c:orientation val="minMax"/>
         </c:scaling>
@@ -730,12 +751,12 @@
             <a:endParaRPr lang="fr-FR"/>
           </a:p>
         </c:txPr>
-        <c:crossAx val="322422472"/>
+        <c:crossAx val="425625760"/>
         <c:crosses val="autoZero"/>
         <c:crossBetween val="midCat"/>
       </c:valAx>
       <c:valAx>
-        <c:axId val="322422472"/>
+        <c:axId val="425625760"/>
         <c:scaling>
           <c:orientation val="minMax"/>
         </c:scaling>
@@ -792,7 +813,7 @@
             <a:endParaRPr lang="fr-FR"/>
           </a:p>
         </c:txPr>
-        <c:crossAx val="322418208"/>
+        <c:crossAx val="425627072"/>
         <c:crosses val="autoZero"/>
         <c:crossBetween val="midCat"/>
       </c:valAx>
@@ -8447,8 +8468,13 @@
           <a:p>
             <a:r>
               <a:rPr lang="en-GB" dirty="0"/>
-              <a:t>Finally, K = 15</a:t>
-            </a:r>
+              <a:t>Finally, K </a:t>
+            </a:r>
+            <a:r>
+              <a:rPr lang="en-GB"/>
+              <a:t>= 13</a:t>
+            </a:r>
+            <a:endParaRPr lang="en-GB" dirty="0"/>
           </a:p>
         </p:txBody>
       </p:sp>
@@ -8631,10 +8657,10 @@
       </p:graphicFrame>
       <p:graphicFrame>
         <p:nvGraphicFramePr>
-          <p:cNvPr id="7" name="Chart 6">
+          <p:cNvPr id="8" name="Chart 7">
             <a:extLst>
               <a:ext uri="{FF2B5EF4-FFF2-40B4-BE49-F238E27FC236}">
-                <a16:creationId xmlns:a16="http://schemas.microsoft.com/office/drawing/2014/main" id="{6327188E-DD9F-46D6-98C2-3B66F4798C2B}"/>
+                <a16:creationId xmlns:a16="http://schemas.microsoft.com/office/drawing/2014/main" id="{3CEB2467-499C-4665-9A60-F9792D05825C}"/>
               </a:ext>
             </a:extLst>
           </p:cNvPr>
@@ -8644,13 +8670,13 @@
           <p:nvPr>
             <p:extLst>
               <p:ext uri="{D42A27DB-BD31-4B8C-83A1-F6EECF244321}">
-                <p14:modId xmlns:p14="http://schemas.microsoft.com/office/powerpoint/2010/main" val="2283445615"/>
+                <p14:modId xmlns:p14="http://schemas.microsoft.com/office/powerpoint/2010/main" val="1257465682"/>
               </p:ext>
             </p:extLst>
           </p:nvPr>
         </p:nvGraphicFramePr>
         <p:xfrm>
-          <a:off x="6239164" y="3655291"/>
+          <a:off x="6239164" y="3546762"/>
           <a:ext cx="4572000" cy="2743200"/>
         </p:xfrm>
         <a:graphic>

--- a/Slides/Mentor-mentee recommendation system.pptx
+++ b/Slides/Mentor-mentee recommendation system.pptx
@@ -2466,7 +2466,7 @@
           <a:p>
             <a:fld id="{77F6B3FA-A3F1-48CA-9C4E-05594C8264A4}" type="datetimeFigureOut">
               <a:rPr lang="fr-CH" smtClean="0"/>
-              <a:t>06.09.2017</a:t>
+              <a:t>19.09.2017</a:t>
             </a:fld>
             <a:endParaRPr lang="fr-CH"/>
           </a:p>
@@ -2762,7 +2762,7 @@
           <a:p>
             <a:fld id="{77F6B3FA-A3F1-48CA-9C4E-05594C8264A4}" type="datetimeFigureOut">
               <a:rPr lang="fr-CH" smtClean="0"/>
-              <a:t>06.09.2017</a:t>
+              <a:t>19.09.2017</a:t>
             </a:fld>
             <a:endParaRPr lang="fr-CH"/>
           </a:p>
@@ -3010,7 +3010,7 @@
           <a:p>
             <a:fld id="{77F6B3FA-A3F1-48CA-9C4E-05594C8264A4}" type="datetimeFigureOut">
               <a:rPr lang="fr-CH" smtClean="0"/>
-              <a:t>06.09.2017</a:t>
+              <a:t>19.09.2017</a:t>
             </a:fld>
             <a:endParaRPr lang="fr-CH"/>
           </a:p>
@@ -3550,7 +3550,7 @@
           <a:p>
             <a:fld id="{77F6B3FA-A3F1-48CA-9C4E-05594C8264A4}" type="datetimeFigureOut">
               <a:rPr lang="fr-CH" smtClean="0"/>
-              <a:t>06.09.2017</a:t>
+              <a:t>19.09.2017</a:t>
             </a:fld>
             <a:endParaRPr lang="fr-CH"/>
           </a:p>
@@ -3798,7 +3798,7 @@
           <a:p>
             <a:fld id="{77F6B3FA-A3F1-48CA-9C4E-05594C8264A4}" type="datetimeFigureOut">
               <a:rPr lang="fr-CH" smtClean="0"/>
-              <a:t>06.09.2017</a:t>
+              <a:t>19.09.2017</a:t>
             </a:fld>
             <a:endParaRPr lang="fr-CH"/>
           </a:p>
@@ -4330,7 +4330,7 @@
           <a:p>
             <a:fld id="{77F6B3FA-A3F1-48CA-9C4E-05594C8264A4}" type="datetimeFigureOut">
               <a:rPr lang="fr-CH" smtClean="0"/>
-              <a:t>06.09.2017</a:t>
+              <a:t>19.09.2017</a:t>
             </a:fld>
             <a:endParaRPr lang="fr-CH"/>
           </a:p>
@@ -4627,7 +4627,7 @@
           <a:p>
             <a:fld id="{77F6B3FA-A3F1-48CA-9C4E-05594C8264A4}" type="datetimeFigureOut">
               <a:rPr lang="fr-CH" smtClean="0"/>
-              <a:t>06.09.2017</a:t>
+              <a:t>19.09.2017</a:t>
             </a:fld>
             <a:endParaRPr lang="fr-CH"/>
           </a:p>
@@ -4801,7 +4801,7 @@
           <a:p>
             <a:fld id="{77F6B3FA-A3F1-48CA-9C4E-05594C8264A4}" type="datetimeFigureOut">
               <a:rPr lang="fr-CH" smtClean="0"/>
-              <a:t>06.09.2017</a:t>
+              <a:t>19.09.2017</a:t>
             </a:fld>
             <a:endParaRPr lang="fr-CH"/>
           </a:p>
@@ -4981,7 +4981,7 @@
           <a:p>
             <a:fld id="{77F6B3FA-A3F1-48CA-9C4E-05594C8264A4}" type="datetimeFigureOut">
               <a:rPr lang="fr-CH" smtClean="0"/>
-              <a:t>06.09.2017</a:t>
+              <a:t>19.09.2017</a:t>
             </a:fld>
             <a:endParaRPr lang="fr-CH"/>
           </a:p>
@@ -5151,7 +5151,7 @@
           <a:p>
             <a:fld id="{77F6B3FA-A3F1-48CA-9C4E-05594C8264A4}" type="datetimeFigureOut">
               <a:rPr lang="fr-CH" smtClean="0"/>
-              <a:t>06.09.2017</a:t>
+              <a:t>19.09.2017</a:t>
             </a:fld>
             <a:endParaRPr lang="fr-CH"/>
           </a:p>
@@ -5402,7 +5402,7 @@
           <a:p>
             <a:fld id="{77F6B3FA-A3F1-48CA-9C4E-05594C8264A4}" type="datetimeFigureOut">
               <a:rPr lang="fr-CH" smtClean="0"/>
-              <a:t>06.09.2017</a:t>
+              <a:t>19.09.2017</a:t>
             </a:fld>
             <a:endParaRPr lang="fr-CH"/>
           </a:p>
@@ -5699,7 +5699,7 @@
           <a:p>
             <a:fld id="{77F6B3FA-A3F1-48CA-9C4E-05594C8264A4}" type="datetimeFigureOut">
               <a:rPr lang="fr-CH" smtClean="0"/>
-              <a:t>06.09.2017</a:t>
+              <a:t>19.09.2017</a:t>
             </a:fld>
             <a:endParaRPr lang="fr-CH"/>
           </a:p>
@@ -6141,7 +6141,7 @@
           <a:p>
             <a:fld id="{77F6B3FA-A3F1-48CA-9C4E-05594C8264A4}" type="datetimeFigureOut">
               <a:rPr lang="fr-CH" smtClean="0"/>
-              <a:t>06.09.2017</a:t>
+              <a:t>19.09.2017</a:t>
             </a:fld>
             <a:endParaRPr lang="fr-CH"/>
           </a:p>
@@ -6259,7 +6259,7 @@
           <a:p>
             <a:fld id="{77F6B3FA-A3F1-48CA-9C4E-05594C8264A4}" type="datetimeFigureOut">
               <a:rPr lang="fr-CH" smtClean="0"/>
-              <a:t>06.09.2017</a:t>
+              <a:t>19.09.2017</a:t>
             </a:fld>
             <a:endParaRPr lang="fr-CH"/>
           </a:p>
@@ -6354,7 +6354,7 @@
           <a:p>
             <a:fld id="{77F6B3FA-A3F1-48CA-9C4E-05594C8264A4}" type="datetimeFigureOut">
               <a:rPr lang="fr-CH" smtClean="0"/>
-              <a:t>06.09.2017</a:t>
+              <a:t>19.09.2017</a:t>
             </a:fld>
             <a:endParaRPr lang="fr-CH"/>
           </a:p>
@@ -6637,7 +6637,7 @@
           <a:p>
             <a:fld id="{77F6B3FA-A3F1-48CA-9C4E-05594C8264A4}" type="datetimeFigureOut">
               <a:rPr lang="fr-CH" smtClean="0"/>
-              <a:t>06.09.2017</a:t>
+              <a:t>19.09.2017</a:t>
             </a:fld>
             <a:endParaRPr lang="fr-CH"/>
           </a:p>
@@ -6928,7 +6928,7 @@
           <a:p>
             <a:fld id="{77F6B3FA-A3F1-48CA-9C4E-05594C8264A4}" type="datetimeFigureOut">
               <a:rPr lang="fr-CH" smtClean="0"/>
-              <a:t>06.09.2017</a:t>
+              <a:t>19.09.2017</a:t>
             </a:fld>
             <a:endParaRPr lang="fr-CH"/>
           </a:p>
@@ -7458,7 +7458,7 @@
           <a:p>
             <a:fld id="{77F6B3FA-A3F1-48CA-9C4E-05594C8264A4}" type="datetimeFigureOut">
               <a:rPr lang="fr-CH" smtClean="0"/>
-              <a:t>06.09.2017</a:t>
+              <a:t>19.09.2017</a:t>
             </a:fld>
             <a:endParaRPr lang="fr-CH"/>
           </a:p>
@@ -8333,15 +8333,7 @@
                   <a:srgbClr val="0070C0"/>
                 </a:solidFill>
               </a:rPr>
-              <a:t>Method 2: </a:t>
-            </a:r>
-            <a:r>
-              <a:rPr lang="fr-CH" sz="3200" dirty="0">
-                <a:solidFill>
-                  <a:srgbClr val="0070C0"/>
-                </a:solidFill>
-              </a:rPr>
-              <a:t>LDA</a:t>
+              <a:t>Method 2: LDA</a:t>
             </a:r>
           </a:p>
         </p:txBody>
@@ -8583,15 +8575,7 @@
                   <a:srgbClr val="0070C0"/>
                 </a:solidFill>
               </a:rPr>
-              <a:t>Method 2: </a:t>
-            </a:r>
-            <a:r>
-              <a:rPr lang="fr-CH" sz="3200" dirty="0">
-                <a:solidFill>
-                  <a:srgbClr val="0070C0"/>
-                </a:solidFill>
-              </a:rPr>
-              <a:t>LDA </a:t>
+              <a:t>Method 2: LDA </a:t>
             </a:r>
             <a:r>
               <a:rPr lang="fr-CH" sz="3200" dirty="0" err="1">
@@ -8820,15 +8804,7 @@
                   <a:srgbClr val="0070C0"/>
                 </a:solidFill>
               </a:rPr>
-              <a:t>Method 2: </a:t>
-            </a:r>
-            <a:r>
-              <a:rPr lang="fr-CH" sz="3200" dirty="0">
-                <a:solidFill>
-                  <a:srgbClr val="0070C0"/>
-                </a:solidFill>
-              </a:rPr>
-              <a:t>LDA Topics</a:t>
+              <a:t>Method 2: LDA Topics</a:t>
             </a:r>
           </a:p>
         </p:txBody>
@@ -9508,7 +9484,7 @@
           <a:p>
             <a:r>
               <a:rPr lang="fr-CH" dirty="0" err="1"/>
-              <a:t>Clastering</a:t>
+              <a:t>Clustering</a:t>
             </a:r>
             <a:r>
               <a:rPr lang="fr-CH" dirty="0"/>
@@ -10120,11 +10096,6 @@
               </a:rPr>
               <a:t>Mentor description: Enron emails</a:t>
             </a:r>
-            <a:endParaRPr lang="fr-CH" dirty="0">
-              <a:solidFill>
-                <a:srgbClr val="0070C0"/>
-              </a:solidFill>
-            </a:endParaRPr>
           </a:p>
         </p:txBody>
       </p:sp>
@@ -10186,15 +10157,7 @@
                   <a:srgbClr val="0070C0"/>
                 </a:solidFill>
               </a:rPr>
-              <a:t>Mentor description: </a:t>
-            </a:r>
-            <a:r>
-              <a:rPr lang="fr-CH" sz="3200" dirty="0">
-                <a:solidFill>
-                  <a:srgbClr val="0070C0"/>
-                </a:solidFill>
-              </a:rPr>
-              <a:t>Topics of Enron emails</a:t>
+              <a:t>Mentor description: Topics of Enron emails</a:t>
             </a:r>
           </a:p>
         </p:txBody>

--- a/Slides/Mentor-mentee recommendation system.pptx
+++ b/Slides/Mentor-mentee recommendation system.pptx
@@ -8241,15 +8241,7 @@
           <a:p>
             <a:r>
               <a:rPr lang="en-GB" dirty="0"/>
-              <a:t>Get vector representation of all emails + </a:t>
-            </a:r>
-            <a:r>
-              <a:rPr lang="en-GB" dirty="0" err="1"/>
-              <a:t>mente</a:t>
-            </a:r>
-            <a:r>
-              <a:rPr lang="en-GB" dirty="0"/>
-              <a:t> description (Doc2Vec)</a:t>
+              <a:t>Get vector representation of all emails + mentee description (Doc2Vec)</a:t>
             </a:r>
           </a:p>
           <a:p>
@@ -9123,7 +9115,15 @@
           <a:p>
             <a:r>
               <a:rPr lang="en-GB" dirty="0"/>
-              <a:t>Get the distribution of mentee interests across the topics (LDA), take 2 top topics</a:t>
+              <a:t>Get the distribution of mentee interests across the topics (LDA), take </a:t>
+            </a:r>
+            <a:r>
+              <a:rPr lang="en-GB"/>
+              <a:t>topics with </a:t>
+            </a:r>
+            <a:r>
+              <a:rPr lang="en-GB" dirty="0"/>
+              <a:t>score &gt;0.5</a:t>
             </a:r>
           </a:p>
           <a:p>
